--- a/Presentation/lesson-14-architecture.pptx
+++ b/Presentation/lesson-14-architecture.pptx
@@ -10,7 +10,7 @@
   <p:sldIdLst>
     <p:sldId id="258" r:id="rId2"/>
     <p:sldId id="269" r:id="rId3"/>
-    <p:sldId id="259" r:id="rId4"/>
+    <p:sldId id="277" r:id="rId4"/>
     <p:sldId id="260" r:id="rId5"/>
     <p:sldId id="261" r:id="rId6"/>
     <p:sldId id="262" r:id="rId7"/>
@@ -210,7 +210,7 @@
           <a:p>
             <a:fld id="{B24A7054-7FFB-49F4-A126-5DF6E687FF53}" type="datetimeFigureOut">
               <a:rPr lang="ru-RU" smtClean="0"/>
-              <a:t>27.12.2012</a:t>
+              <a:t>27.03.2013</a:t>
             </a:fld>
             <a:endParaRPr lang="ru-RU"/>
           </a:p>
@@ -1273,7 +1273,7 @@
           <a:p>
             <a:fld id="{8E6E6A2A-E9D3-4A0D-B04A-ABDD367A1E08}" type="datetimeFigureOut">
               <a:rPr lang="ru-RU" smtClean="0"/>
-              <a:t>27.12.2012</a:t>
+              <a:t>27.03.2013</a:t>
             </a:fld>
             <a:endParaRPr lang="ru-RU"/>
           </a:p>
@@ -2721,7 +2721,7 @@
           <a:p>
             <a:fld id="{AC3D3127-B7C4-45E3-9797-C527EC9FDD78}" type="datetimeFigureOut">
               <a:rPr lang="ru-RU" smtClean="0"/>
-              <a:t>27.12.2012</a:t>
+              <a:t>27.03.2013</a:t>
             </a:fld>
             <a:endParaRPr lang="ru-RU"/>
           </a:p>
@@ -4314,19 +4314,11 @@
           <a:p>
             <a:r>
               <a:rPr lang="en-US" dirty="0" smtClean="0"/>
-              <a:t>Test </a:t>
-            </a:r>
-            <a:r>
-              <a:rPr lang="en-US" dirty="0" smtClean="0"/>
-              <a:t>Driven Development (</a:t>
+              <a:t>Test Driven Development (</a:t>
             </a:r>
             <a:r>
               <a:rPr lang="ru-RU" dirty="0" smtClean="0"/>
-              <a:t>управляемое тестами</a:t>
-            </a:r>
-            <a:r>
-              <a:rPr lang="ru-RU" dirty="0" smtClean="0"/>
-              <a:t>)</a:t>
+              <a:t>управляемое тестами)</a:t>
             </a:r>
           </a:p>
           <a:p>
@@ -4376,11 +4368,7 @@
           <a:p>
             <a:r>
               <a:rPr lang="en-US" dirty="0" smtClean="0"/>
-              <a:t>Continuous Integration (CI</a:t>
-            </a:r>
-            <a:r>
-              <a:rPr lang="en-US" dirty="0" smtClean="0"/>
-              <a:t>)</a:t>
+              <a:t>Continuous Integration (CI)</a:t>
             </a:r>
           </a:p>
           <a:p>
@@ -4389,7 +4377,6 @@
               <a:rPr lang="en-US" dirty="0" smtClean="0"/>
               <a:t>TFS, Team City, CC.NET</a:t>
             </a:r>
-            <a:endParaRPr lang="en-US" dirty="0" smtClean="0"/>
           </a:p>
           <a:p>
             <a:r>
@@ -4835,28 +4822,52 @@
       </p:grpSpPr>
       <p:sp>
         <p:nvSpPr>
-          <p:cNvPr id="3" name="Rectangle 2"/>
-          <p:cNvSpPr/>
-          <p:nvPr/>
-        </p:nvSpPr>
-        <p:spPr>
-          <a:xfrm>
-            <a:off x="251520" y="2397949"/>
-            <a:ext cx="8640960" cy="2062103"/>
-          </a:xfrm>
-          <a:prstGeom prst="rect">
-            <a:avLst/>
-          </a:prstGeom>
-        </p:spPr>
-        <p:txBody>
-          <a:bodyPr wrap="square">
-            <a:spAutoFit/>
-          </a:bodyPr>
+          <p:cNvPr id="2" name="Title 1"/>
+          <p:cNvSpPr>
+            <a:spLocks noGrp="1"/>
+          </p:cNvSpPr>
+          <p:nvPr>
+            <p:ph type="title"/>
+          </p:nvPr>
+        </p:nvSpPr>
+        <p:spPr/>
+        <p:txBody>
+          <a:bodyPr/>
           <a:lstStyle/>
           <a:p>
-            <a:pPr lvl="0" algn="ctr"/>
-            <a:r>
-              <a:rPr lang="en-US" sz="3200" dirty="0">
+            <a:r>
+              <a:rPr lang="ru-RU" dirty="0">
+                <a:solidFill>
+                  <a:schemeClr val="bg1"/>
+                </a:solidFill>
+              </a:rPr>
+              <a:t>Материалы для обучения</a:t>
+            </a:r>
+            <a:endParaRPr lang="en-US" dirty="0">
+              <a:solidFill>
+                <a:schemeClr val="bg1"/>
+              </a:solidFill>
+            </a:endParaRPr>
+          </a:p>
+        </p:txBody>
+      </p:sp>
+      <p:sp>
+        <p:nvSpPr>
+          <p:cNvPr id="3" name="Content Placeholder 2"/>
+          <p:cNvSpPr>
+            <a:spLocks noGrp="1"/>
+          </p:cNvSpPr>
+          <p:nvPr>
+            <p:ph idx="1"/>
+          </p:nvPr>
+        </p:nvSpPr>
+        <p:spPr/>
+        <p:txBody>
+          <a:bodyPr/>
+          <a:lstStyle/>
+          <a:p>
+            <a:r>
+              <a:rPr lang="en-US" dirty="0">
                 <a:solidFill>
                   <a:schemeClr val="bg1"/>
                 </a:solidFill>
@@ -4865,7 +4876,7 @@
               <a:t>https://</a:t>
             </a:r>
             <a:r>
-              <a:rPr lang="en-US" sz="3200" dirty="0" smtClean="0">
+              <a:rPr lang="en-US" dirty="0" smtClean="0">
                 <a:solidFill>
                   <a:schemeClr val="bg1"/>
                 </a:solidFill>
@@ -4873,32 +4884,40 @@
               </a:rPr>
               <a:t>github.com/bazile/Training</a:t>
             </a:r>
-            <a:endParaRPr lang="en-US" sz="3200" dirty="0" smtClean="0">
+            <a:r>
+              <a:rPr lang="en-US" dirty="0" smtClean="0">
+                <a:solidFill>
+                  <a:schemeClr val="bg1"/>
+                </a:solidFill>
+              </a:rPr>
+              <a:t/>
+            </a:r>
+            <a:br>
+              <a:rPr lang="en-US" dirty="0" smtClean="0">
+                <a:solidFill>
+                  <a:schemeClr val="bg1"/>
+                </a:solidFill>
+              </a:rPr>
+            </a:br>
+            <a:r>
+              <a:rPr lang="ru-RU" dirty="0" smtClean="0">
+                <a:solidFill>
+                  <a:schemeClr val="bg1"/>
+                </a:solidFill>
+              </a:rPr>
+              <a:t>Презентации и примеры кода используемые во время занятия</a:t>
+            </a:r>
+          </a:p>
+          <a:p>
+            <a:endParaRPr lang="ru-RU" dirty="0" smtClean="0">
               <a:solidFill>
                 <a:schemeClr val="bg1"/>
               </a:solidFill>
             </a:endParaRPr>
           </a:p>
           <a:p>
-            <a:pPr lvl="0" algn="ctr"/>
-            <a:endParaRPr lang="en-US" sz="3200" dirty="0">
-              <a:solidFill>
-                <a:schemeClr val="bg1"/>
-              </a:solidFill>
-            </a:endParaRPr>
-          </a:p>
-          <a:p>
-            <a:pPr lvl="0" algn="ctr"/>
-            <a:endParaRPr lang="en-US" sz="3200" dirty="0" smtClean="0">
-              <a:solidFill>
-                <a:schemeClr val="bg1"/>
-              </a:solidFill>
-            </a:endParaRPr>
-          </a:p>
-          <a:p>
-            <a:pPr lvl="0" algn="ctr"/>
-            <a:r>
-              <a:rPr lang="en-US" sz="3200" dirty="0">
+            <a:r>
+              <a:rPr lang="en-US" dirty="0">
                 <a:solidFill>
                   <a:schemeClr val="bg1"/>
                 </a:solidFill>
@@ -4907,7 +4926,7 @@
               <a:t>http://belhard.nullptr.ru</a:t>
             </a:r>
             <a:r>
-              <a:rPr lang="en-US" sz="3200" dirty="0" smtClean="0">
+              <a:rPr lang="en-US" dirty="0" smtClean="0">
                 <a:solidFill>
                   <a:schemeClr val="bg1"/>
                 </a:solidFill>
@@ -4915,31 +4934,50 @@
               </a:rPr>
               <a:t>/</a:t>
             </a:r>
-            <a:endParaRPr lang="en-US" sz="3200" dirty="0" smtClean="0">
+            <a:r>
+              <a:rPr lang="ru-RU" dirty="0" smtClean="0">
+                <a:solidFill>
+                  <a:schemeClr val="bg1"/>
+                </a:solidFill>
+              </a:rPr>
+              <a:t/>
+            </a:r>
+            <a:br>
+              <a:rPr lang="ru-RU" dirty="0" smtClean="0">
+                <a:solidFill>
+                  <a:schemeClr val="bg1"/>
+                </a:solidFill>
+              </a:rPr>
+            </a:br>
+            <a:r>
+              <a:rPr lang="ru-RU" dirty="0" smtClean="0">
+                <a:solidFill>
+                  <a:schemeClr val="bg1"/>
+                </a:solidFill>
+              </a:rPr>
+              <a:t>Книги, примеры к ним и другие полезные файлы.</a:t>
+            </a:r>
+            <a:endParaRPr lang="ru-RU" dirty="0">
               <a:solidFill>
                 <a:schemeClr val="bg1"/>
               </a:solidFill>
             </a:endParaRPr>
           </a:p>
+          <a:p>
+            <a:endParaRPr lang="en-US" dirty="0"/>
+          </a:p>
         </p:txBody>
       </p:sp>
     </p:spTree>
     <p:extLst>
       <p:ext uri="{BB962C8B-B14F-4D97-AF65-F5344CB8AC3E}">
-        <p14:creationId xmlns:p14="http://schemas.microsoft.com/office/powerpoint/2010/main" val="1259076132"/>
+        <p14:creationId xmlns:p14="http://schemas.microsoft.com/office/powerpoint/2010/main" val="3096327684"/>
       </p:ext>
     </p:extLst>
   </p:cSld>
   <p:clrMapOvr>
     <a:masterClrMapping/>
   </p:clrMapOvr>
-  <p:timing>
-    <p:tnLst>
-      <p:par>
-        <p:cTn id="1" dur="indefinite" restart="never" nodeType="tmRoot"/>
-      </p:par>
-    </p:tnLst>
-  </p:timing>
 </p:sld>
 </file>
 

--- a/Presentation/lesson-14-architecture.pptx
+++ b/Presentation/lesson-14-architecture.pptx
@@ -210,7 +210,7 @@
           <a:p>
             <a:fld id="{B24A7054-7FFB-49F4-A126-5DF6E687FF53}" type="datetimeFigureOut">
               <a:rPr lang="ru-RU" smtClean="0"/>
-              <a:t>27.03.2013</a:t>
+              <a:t>29.04.2013</a:t>
             </a:fld>
             <a:endParaRPr lang="ru-RU"/>
           </a:p>
@@ -1273,7 +1273,7 @@
           <a:p>
             <a:fld id="{8E6E6A2A-E9D3-4A0D-B04A-ABDD367A1E08}" type="datetimeFigureOut">
               <a:rPr lang="ru-RU" smtClean="0"/>
-              <a:t>27.03.2013</a:t>
+              <a:t>29.04.2013</a:t>
             </a:fld>
             <a:endParaRPr lang="ru-RU"/>
           </a:p>
@@ -2721,7 +2721,7 @@
           <a:p>
             <a:fld id="{AC3D3127-B7C4-45E3-9797-C527EC9FDD78}" type="datetimeFigureOut">
               <a:rPr lang="ru-RU" smtClean="0"/>
-              <a:t>27.03.2013</a:t>
+              <a:t>29.04.2013</a:t>
             </a:fld>
             <a:endParaRPr lang="ru-RU"/>
           </a:p>

--- a/Presentation/lesson-14-architecture.pptx
+++ b/Presentation/lesson-14-architecture.pptx
@@ -5,7 +5,7 @@
     <p:sldMasterId id="2147483648" r:id="rId1"/>
   </p:sldMasterIdLst>
   <p:notesMasterIdLst>
-    <p:notesMasterId r:id="rId21"/>
+    <p:notesMasterId r:id="rId22"/>
   </p:notesMasterIdLst>
   <p:sldIdLst>
     <p:sldId id="258" r:id="rId2"/>
@@ -14,19 +14,20 @@
     <p:sldId id="260" r:id="rId5"/>
     <p:sldId id="261" r:id="rId6"/>
     <p:sldId id="262" r:id="rId7"/>
-    <p:sldId id="263" r:id="rId8"/>
-    <p:sldId id="264" r:id="rId9"/>
-    <p:sldId id="265" r:id="rId10"/>
-    <p:sldId id="266" r:id="rId11"/>
-    <p:sldId id="267" r:id="rId12"/>
-    <p:sldId id="268" r:id="rId13"/>
-    <p:sldId id="271" r:id="rId14"/>
-    <p:sldId id="272" r:id="rId15"/>
-    <p:sldId id="270" r:id="rId16"/>
-    <p:sldId id="273" r:id="rId17"/>
-    <p:sldId id="274" r:id="rId18"/>
-    <p:sldId id="275" r:id="rId19"/>
-    <p:sldId id="276" r:id="rId20"/>
+    <p:sldId id="278" r:id="rId8"/>
+    <p:sldId id="263" r:id="rId9"/>
+    <p:sldId id="264" r:id="rId10"/>
+    <p:sldId id="265" r:id="rId11"/>
+    <p:sldId id="266" r:id="rId12"/>
+    <p:sldId id="267" r:id="rId13"/>
+    <p:sldId id="268" r:id="rId14"/>
+    <p:sldId id="271" r:id="rId15"/>
+    <p:sldId id="272" r:id="rId16"/>
+    <p:sldId id="270" r:id="rId17"/>
+    <p:sldId id="273" r:id="rId18"/>
+    <p:sldId id="274" r:id="rId19"/>
+    <p:sldId id="275" r:id="rId20"/>
+    <p:sldId id="276" r:id="rId21"/>
   </p:sldIdLst>
   <p:sldSz cx="9144000" cy="6858000" type="screen4x3"/>
   <p:notesSz cx="6858000" cy="9144000"/>
@@ -210,7 +211,7 @@
           <a:p>
             <a:fld id="{B24A7054-7FFB-49F4-A126-5DF6E687FF53}" type="datetimeFigureOut">
               <a:rPr lang="ru-RU" smtClean="0"/>
-              <a:t>29.04.2013</a:t>
+              <a:t>04.12.2013</a:t>
             </a:fld>
             <a:endParaRPr lang="ru-RU"/>
           </a:p>
@@ -1273,7 +1274,7 @@
           <a:p>
             <a:fld id="{8E6E6A2A-E9D3-4A0D-B04A-ABDD367A1E08}" type="datetimeFigureOut">
               <a:rPr lang="ru-RU" smtClean="0"/>
-              <a:t>29.04.2013</a:t>
+              <a:t>04.12.2013</a:t>
             </a:fld>
             <a:endParaRPr lang="ru-RU"/>
           </a:p>
@@ -2721,7 +2722,7 @@
           <a:p>
             <a:fld id="{AC3D3127-B7C4-45E3-9797-C527EC9FDD78}" type="datetimeFigureOut">
               <a:rPr lang="ru-RU" smtClean="0"/>
-              <a:t>29.04.2013</a:t>
+              <a:t>04.12.2013</a:t>
             </a:fld>
             <a:endParaRPr lang="ru-RU"/>
           </a:p>
@@ -3319,11 +3320,15 @@
           <a:p>
             <a:pPr marL="742950" indent="-742950">
               <a:buFont typeface="+mj-lt"/>
-              <a:buAutoNum type="arabicPeriod" startAt="3"/>
+              <a:buAutoNum type="arabicPeriod" startAt="2"/>
             </a:pPr>
             <a:r>
               <a:rPr lang="ru-RU" dirty="0" smtClean="0"/>
-              <a:t>Основополагающие принципы</a:t>
+              <a:t>Принцип </a:t>
+            </a:r>
+            <a:r>
+              <a:rPr lang="ru-RU" dirty="0"/>
+              <a:t>единственной обязанности</a:t>
             </a:r>
             <a:endParaRPr lang="en-US" dirty="0"/>
           </a:p>
@@ -3347,24 +3352,24 @@
           <a:lstStyle/>
           <a:p>
             <a:r>
+              <a:rPr lang="ru-RU" b="1" dirty="0"/>
+              <a:t>Принцип единственной </a:t>
+            </a:r>
+            <a:r>
+              <a:rPr lang="ru-RU" b="1" dirty="0" smtClean="0"/>
+              <a:t>обязанности</a:t>
+            </a:r>
+            <a:r>
               <a:rPr lang="en-US" b="1" dirty="0" smtClean="0"/>
-              <a:t>Principle </a:t>
-            </a:r>
-            <a:r>
-              <a:rPr lang="en-US" b="1" dirty="0"/>
-              <a:t>of Least Knowledge </a:t>
-            </a:r>
-            <a:r>
-              <a:rPr lang="en-US" dirty="0"/>
-              <a:t>(also known as the Law of Demeter or </a:t>
-            </a:r>
-            <a:r>
-              <a:rPr lang="en-US" dirty="0" err="1"/>
-              <a:t>LoD</a:t>
-            </a:r>
-            <a:r>
-              <a:rPr lang="en-US" dirty="0"/>
-              <a:t>). A component or object should not know about internal details of other components or objects. </a:t>
+              <a:t> (</a:t>
+            </a:r>
+            <a:r>
+              <a:rPr lang="en-US" b="1" dirty="0" smtClean="0"/>
+              <a:t>Single Responsibility principle)</a:t>
+            </a:r>
+            <a:r>
+              <a:rPr lang="en-US" dirty="0" smtClean="0"/>
+              <a:t>. Each component or module should be responsible for only a specific feature or functionality, or aggregation of cohesive functionality.</a:t>
             </a:r>
           </a:p>
           <a:p>
@@ -3375,7 +3380,7 @@
     </p:spTree>
     <p:extLst>
       <p:ext uri="{BB962C8B-B14F-4D97-AF65-F5344CB8AC3E}">
-        <p14:creationId xmlns:p14="http://schemas.microsoft.com/office/powerpoint/2010/main" val="1000591932"/>
+        <p14:creationId xmlns:p14="http://schemas.microsoft.com/office/powerpoint/2010/main" val="546871388"/>
       </p:ext>
     </p:extLst>
   </p:cSld>
@@ -3421,7 +3426,7 @@
           <a:p>
             <a:pPr marL="742950" indent="-742950">
               <a:buFont typeface="+mj-lt"/>
-              <a:buAutoNum type="arabicPeriod" startAt="4"/>
+              <a:buAutoNum type="arabicPeriod" startAt="3"/>
             </a:pPr>
             <a:r>
               <a:rPr lang="ru-RU" dirty="0" smtClean="0"/>
@@ -3450,15 +3455,23 @@
           <a:p>
             <a:r>
               <a:rPr lang="en-US" b="1" dirty="0" smtClean="0"/>
-              <a:t>Don’t </a:t>
+              <a:t>Principle </a:t>
             </a:r>
             <a:r>
               <a:rPr lang="en-US" b="1" dirty="0"/>
-              <a:t>repeat yourself (DRY)</a:t>
+              <a:t>of Least Knowledge </a:t>
             </a:r>
             <a:r>
               <a:rPr lang="en-US" dirty="0"/>
-              <a:t>. You should only need to specify intent in one place. For example, in terms of application design, specific functionality should be implemented in only one component; the functionality should not be duplicated in any other component. </a:t>
+              <a:t>(also known as the Law of Demeter or </a:t>
+            </a:r>
+            <a:r>
+              <a:rPr lang="en-US" dirty="0" err="1"/>
+              <a:t>LoD</a:t>
+            </a:r>
+            <a:r>
+              <a:rPr lang="en-US" dirty="0"/>
+              <a:t>). A component or object should not know about internal details of other components or objects. </a:t>
             </a:r>
           </a:p>
           <a:p>
@@ -3469,7 +3482,7 @@
     </p:spTree>
     <p:extLst>
       <p:ext uri="{BB962C8B-B14F-4D97-AF65-F5344CB8AC3E}">
-        <p14:creationId xmlns:p14="http://schemas.microsoft.com/office/powerpoint/2010/main" val="3119653803"/>
+        <p14:creationId xmlns:p14="http://schemas.microsoft.com/office/powerpoint/2010/main" val="1000591932"/>
       </p:ext>
     </p:extLst>
   </p:cSld>
@@ -3509,17 +3522,25 @@
         <p:spPr/>
         <p:txBody>
           <a:bodyPr>
-            <a:normAutofit fontScale="90000"/>
+            <a:normAutofit/>
           </a:bodyPr>
           <a:lstStyle/>
           <a:p>
             <a:pPr marL="742950" indent="-742950">
               <a:buFont typeface="+mj-lt"/>
-              <a:buAutoNum type="arabicPeriod" startAt="5"/>
+              <a:buAutoNum type="arabicPeriod" startAt="4"/>
             </a:pPr>
             <a:r>
+              <a:rPr lang="ru-RU" dirty="0"/>
+              <a:t>Не </a:t>
+            </a:r>
+            <a:r>
               <a:rPr lang="ru-RU" dirty="0" smtClean="0"/>
-              <a:t>Основополагающие принципы</a:t>
+              <a:t>повторяйся</a:t>
+            </a:r>
+            <a:r>
+              <a:rPr lang="en-US" dirty="0" smtClean="0"/>
+              <a:t>!</a:t>
             </a:r>
             <a:endParaRPr lang="en-US" dirty="0"/>
           </a:p>
@@ -3538,37 +3559,41 @@
         <p:spPr/>
         <p:txBody>
           <a:bodyPr>
-            <a:normAutofit fontScale="92500" lnSpcReduction="20000"/>
+            <a:normAutofit/>
           </a:bodyPr>
           <a:lstStyle/>
           <a:p>
             <a:r>
+              <a:rPr lang="ru-RU" b="1" dirty="0"/>
+              <a:t>Не </a:t>
+            </a:r>
+            <a:r>
+              <a:rPr lang="ru-RU" b="1" dirty="0" smtClean="0"/>
+              <a:t>повторяйся</a:t>
+            </a:r>
+            <a:r>
               <a:rPr lang="en-US" b="1" dirty="0" smtClean="0"/>
-              <a:t>Minimize </a:t>
+              <a:t> (</a:t>
+            </a:r>
+            <a:r>
+              <a:rPr lang="en-US" b="1" dirty="0" smtClean="0"/>
+              <a:t>Don’t </a:t>
             </a:r>
             <a:r>
               <a:rPr lang="en-US" b="1" dirty="0"/>
-              <a:t>upfront design. </a:t>
+              <a:t>repeat yourself </a:t>
+            </a:r>
+            <a:r>
+              <a:rPr lang="en-US" b="1" dirty="0" smtClean="0"/>
+              <a:t>- DRY</a:t>
+            </a:r>
+            <a:r>
+              <a:rPr lang="en-US" b="1" dirty="0"/>
+              <a:t>)</a:t>
             </a:r>
             <a:r>
               <a:rPr lang="en-US" dirty="0"/>
-              <a:t>Only design what is necessary. In some cases, you may require upfront comprehensive design and testing if the cost of development or a failure in the design is very high. In other cases, especially for agile development, you can avoid big design upfront (BDUF). If your application requirements are unclear, or if there is a possibility of the design evolving over time, avoid making a large design effort prematurely. This principle is sometimes known as YAGNI ("You </a:t>
-            </a:r>
-            <a:r>
-              <a:rPr lang="en-US" dirty="0" err="1"/>
-              <a:t>ain’t</a:t>
-            </a:r>
-            <a:r>
-              <a:rPr lang="en-US" dirty="0"/>
-              <a:t> </a:t>
-            </a:r>
-            <a:r>
-              <a:rPr lang="en-US" dirty="0" err="1"/>
-              <a:t>gonna</a:t>
-            </a:r>
-            <a:r>
-              <a:rPr lang="en-US" dirty="0"/>
-              <a:t> need it").</a:t>
+              <a:t>. You should only need to specify intent in one place. For example, in terms of application design, specific functionality should be implemented in only one component; the functionality should not be duplicated in any other component. </a:t>
             </a:r>
           </a:p>
           <a:p>
@@ -3579,7 +3604,7 @@
     </p:spTree>
     <p:extLst>
       <p:ext uri="{BB962C8B-B14F-4D97-AF65-F5344CB8AC3E}">
-        <p14:creationId xmlns:p14="http://schemas.microsoft.com/office/powerpoint/2010/main" val="1171042694"/>
+        <p14:creationId xmlns:p14="http://schemas.microsoft.com/office/powerpoint/2010/main" val="3119653803"/>
       </p:ext>
     </p:extLst>
   </p:cSld>
@@ -3618,12 +3643,18 @@
         </p:nvSpPr>
         <p:spPr/>
         <p:txBody>
-          <a:bodyPr/>
+          <a:bodyPr>
+            <a:normAutofit fontScale="90000"/>
+          </a:bodyPr>
           <a:lstStyle/>
           <a:p>
+            <a:pPr marL="742950" indent="-742950">
+              <a:buFont typeface="+mj-lt"/>
+              <a:buAutoNum type="arabicPeriod" startAt="5"/>
+            </a:pPr>
             <a:r>
               <a:rPr lang="ru-RU" dirty="0" smtClean="0"/>
-              <a:t>Жизненный цикл ПО</a:t>
+              <a:t>Основополагающие принципы</a:t>
             </a:r>
             <a:endParaRPr lang="en-US" dirty="0"/>
           </a:p>
@@ -3647,137 +3678,35 @@
           <a:lstStyle/>
           <a:p>
             <a:r>
-              <a:rPr lang="ru-RU" dirty="0" smtClean="0"/>
-              <a:t>Требования (</a:t>
-            </a:r>
-            <a:r>
-              <a:rPr lang="en-US" dirty="0" smtClean="0"/>
-              <a:t>Requirements</a:t>
-            </a:r>
-            <a:r>
-              <a:rPr lang="ru-RU" dirty="0" smtClean="0"/>
-              <a:t>)</a:t>
-            </a:r>
-            <a:endParaRPr lang="en-US" dirty="0"/>
-          </a:p>
-          <a:p>
-            <a:r>
-              <a:rPr lang="ru-RU" dirty="0" smtClean="0"/>
-              <a:t>Спецификация (</a:t>
-            </a:r>
-            <a:r>
-              <a:rPr lang="en-US" dirty="0" smtClean="0"/>
-              <a:t>Specification</a:t>
-            </a:r>
-            <a:r>
-              <a:rPr lang="ru-RU" dirty="0" smtClean="0"/>
-              <a:t>)</a:t>
-            </a:r>
-            <a:endParaRPr lang="en-US" dirty="0"/>
-          </a:p>
-          <a:p>
-            <a:r>
-              <a:rPr lang="ru-RU" dirty="0" smtClean="0"/>
-              <a:t>Архитектура (</a:t>
-            </a:r>
-            <a:r>
-              <a:rPr lang="en-US" dirty="0" smtClean="0"/>
-              <a:t>Architecture</a:t>
-            </a:r>
-            <a:r>
-              <a:rPr lang="ru-RU" dirty="0" smtClean="0"/>
-              <a:t>)</a:t>
-            </a:r>
-            <a:endParaRPr lang="en-US" dirty="0"/>
-          </a:p>
-          <a:p>
-            <a:r>
-              <a:rPr lang="ru-RU" dirty="0" smtClean="0"/>
-              <a:t>Дизайн (</a:t>
-            </a:r>
-            <a:r>
-              <a:rPr lang="en-US" dirty="0" smtClean="0"/>
-              <a:t>Design</a:t>
-            </a:r>
-            <a:r>
-              <a:rPr lang="ru-RU" dirty="0" smtClean="0"/>
-              <a:t>)</a:t>
-            </a:r>
-            <a:endParaRPr lang="en-US" dirty="0"/>
-          </a:p>
-          <a:p>
-            <a:r>
-              <a:rPr lang="ru-RU" dirty="0" smtClean="0"/>
-              <a:t>Программирование (</a:t>
-            </a:r>
-            <a:r>
-              <a:rPr lang="en-US" dirty="0" smtClean="0"/>
-              <a:t>Implementation</a:t>
-            </a:r>
-            <a:r>
-              <a:rPr lang="ru-RU" dirty="0" smtClean="0"/>
-              <a:t>)</a:t>
-            </a:r>
-            <a:endParaRPr lang="en-US" dirty="0"/>
-          </a:p>
-          <a:p>
-            <a:r>
-              <a:rPr lang="ru-RU" dirty="0" smtClean="0"/>
-              <a:t>Тестирование (</a:t>
-            </a:r>
-            <a:r>
-              <a:rPr lang="en-US" dirty="0" smtClean="0"/>
-              <a:t>Testing</a:t>
-            </a:r>
-            <a:r>
-              <a:rPr lang="ru-RU" dirty="0" smtClean="0"/>
-              <a:t>)</a:t>
-            </a:r>
-            <a:endParaRPr lang="en-US" dirty="0"/>
-          </a:p>
-          <a:p>
-            <a:r>
-              <a:rPr lang="ru-RU" dirty="0" smtClean="0"/>
-              <a:t>Отладка (</a:t>
-            </a:r>
-            <a:r>
-              <a:rPr lang="en-US" dirty="0" smtClean="0"/>
-              <a:t>Debugging</a:t>
-            </a:r>
-            <a:r>
-              <a:rPr lang="ru-RU" dirty="0" smtClean="0"/>
-              <a:t>)</a:t>
-            </a:r>
-            <a:endParaRPr lang="en-US" dirty="0"/>
-          </a:p>
-          <a:p>
-            <a:r>
-              <a:rPr lang="ru-RU" dirty="0" smtClean="0"/>
-              <a:t>Дистрибутив (</a:t>
-            </a:r>
-            <a:r>
-              <a:rPr lang="en-US" dirty="0" smtClean="0"/>
-              <a:t>Deployment</a:t>
-            </a:r>
-            <a:r>
-              <a:rPr lang="ru-RU" dirty="0" smtClean="0"/>
-              <a:t>)</a:t>
-            </a:r>
-            <a:endParaRPr lang="en-US" dirty="0" smtClean="0"/>
-          </a:p>
-          <a:p>
-            <a:r>
-              <a:rPr lang="ru-RU" dirty="0" smtClean="0"/>
-              <a:t>Сопровождение (</a:t>
-            </a:r>
-            <a:r>
-              <a:rPr lang="en-US" dirty="0" smtClean="0"/>
-              <a:t>Maintenance</a:t>
-            </a:r>
-            <a:r>
-              <a:rPr lang="ru-RU" dirty="0" smtClean="0"/>
-              <a:t>)</a:t>
-            </a:r>
+              <a:rPr lang="en-US" b="1" dirty="0" smtClean="0"/>
+              <a:t>Minimize </a:t>
+            </a:r>
+            <a:r>
+              <a:rPr lang="en-US" b="1" dirty="0"/>
+              <a:t>upfront design. </a:t>
+            </a:r>
+            <a:r>
+              <a:rPr lang="en-US" dirty="0"/>
+              <a:t>Only design what is necessary. In some cases, you may require upfront comprehensive design and testing if the cost of development or a failure in the design is very high. In other cases, especially for agile development, you can avoid big design upfront (BDUF). If your application requirements are unclear, or if there is a possibility of the design evolving over time, avoid making a large design effort prematurely. This principle is sometimes known as YAGNI ("You </a:t>
+            </a:r>
+            <a:r>
+              <a:rPr lang="en-US" dirty="0" err="1"/>
+              <a:t>ain’t</a:t>
+            </a:r>
+            <a:r>
+              <a:rPr lang="en-US" dirty="0"/>
+              <a:t> </a:t>
+            </a:r>
+            <a:r>
+              <a:rPr lang="en-US" dirty="0" err="1"/>
+              <a:t>gonna</a:t>
+            </a:r>
+            <a:r>
+              <a:rPr lang="en-US" dirty="0"/>
+              <a:t> need it").</a:t>
+            </a:r>
+          </a:p>
+          <a:p>
             <a:endParaRPr lang="en-US" dirty="0"/>
           </a:p>
         </p:txBody>
@@ -3785,7 +3714,7 @@
     </p:spTree>
     <p:extLst>
       <p:ext uri="{BB962C8B-B14F-4D97-AF65-F5344CB8AC3E}">
-        <p14:creationId xmlns:p14="http://schemas.microsoft.com/office/powerpoint/2010/main" val="3256343997"/>
+        <p14:creationId xmlns:p14="http://schemas.microsoft.com/office/powerpoint/2010/main" val="1171042694"/>
       </p:ext>
     </p:extLst>
   </p:cSld>
@@ -3824,6 +3753,212 @@
         </p:nvSpPr>
         <p:spPr/>
         <p:txBody>
+          <a:bodyPr/>
+          <a:lstStyle/>
+          <a:p>
+            <a:r>
+              <a:rPr lang="ru-RU" dirty="0" smtClean="0"/>
+              <a:t>Жизненный цикл ПО</a:t>
+            </a:r>
+            <a:endParaRPr lang="en-US" dirty="0"/>
+          </a:p>
+        </p:txBody>
+      </p:sp>
+      <p:sp>
+        <p:nvSpPr>
+          <p:cNvPr id="3" name="Content Placeholder 2"/>
+          <p:cNvSpPr>
+            <a:spLocks noGrp="1"/>
+          </p:cNvSpPr>
+          <p:nvPr>
+            <p:ph idx="1"/>
+          </p:nvPr>
+        </p:nvSpPr>
+        <p:spPr/>
+        <p:txBody>
+          <a:bodyPr>
+            <a:normAutofit fontScale="92500" lnSpcReduction="20000"/>
+          </a:bodyPr>
+          <a:lstStyle/>
+          <a:p>
+            <a:r>
+              <a:rPr lang="ru-RU" dirty="0" smtClean="0"/>
+              <a:t>Требования (</a:t>
+            </a:r>
+            <a:r>
+              <a:rPr lang="en-US" dirty="0" smtClean="0"/>
+              <a:t>Requirements</a:t>
+            </a:r>
+            <a:r>
+              <a:rPr lang="ru-RU" dirty="0" smtClean="0"/>
+              <a:t>)</a:t>
+            </a:r>
+            <a:endParaRPr lang="en-US" dirty="0"/>
+          </a:p>
+          <a:p>
+            <a:r>
+              <a:rPr lang="ru-RU" dirty="0" smtClean="0"/>
+              <a:t>Спецификация (</a:t>
+            </a:r>
+            <a:r>
+              <a:rPr lang="en-US" dirty="0" smtClean="0"/>
+              <a:t>Specification</a:t>
+            </a:r>
+            <a:r>
+              <a:rPr lang="ru-RU" dirty="0" smtClean="0"/>
+              <a:t>)</a:t>
+            </a:r>
+            <a:endParaRPr lang="en-US" dirty="0"/>
+          </a:p>
+          <a:p>
+            <a:r>
+              <a:rPr lang="ru-RU" dirty="0" smtClean="0"/>
+              <a:t>Архитектура (</a:t>
+            </a:r>
+            <a:r>
+              <a:rPr lang="en-US" dirty="0" smtClean="0"/>
+              <a:t>Architecture</a:t>
+            </a:r>
+            <a:r>
+              <a:rPr lang="ru-RU" dirty="0" smtClean="0"/>
+              <a:t>)</a:t>
+            </a:r>
+            <a:endParaRPr lang="en-US" dirty="0"/>
+          </a:p>
+          <a:p>
+            <a:r>
+              <a:rPr lang="ru-RU" dirty="0" smtClean="0"/>
+              <a:t>Дизайн (</a:t>
+            </a:r>
+            <a:r>
+              <a:rPr lang="en-US" dirty="0" smtClean="0"/>
+              <a:t>Design</a:t>
+            </a:r>
+            <a:r>
+              <a:rPr lang="ru-RU" dirty="0" smtClean="0"/>
+              <a:t>)</a:t>
+            </a:r>
+            <a:endParaRPr lang="en-US" dirty="0"/>
+          </a:p>
+          <a:p>
+            <a:r>
+              <a:rPr lang="ru-RU" dirty="0" smtClean="0"/>
+              <a:t>Программирование (</a:t>
+            </a:r>
+            <a:r>
+              <a:rPr lang="en-US" dirty="0" smtClean="0"/>
+              <a:t>Implementation</a:t>
+            </a:r>
+            <a:r>
+              <a:rPr lang="ru-RU" dirty="0" smtClean="0"/>
+              <a:t>)</a:t>
+            </a:r>
+            <a:endParaRPr lang="en-US" dirty="0"/>
+          </a:p>
+          <a:p>
+            <a:r>
+              <a:rPr lang="ru-RU" dirty="0" smtClean="0"/>
+              <a:t>Тестирование (</a:t>
+            </a:r>
+            <a:r>
+              <a:rPr lang="en-US" dirty="0" smtClean="0"/>
+              <a:t>Testing</a:t>
+            </a:r>
+            <a:r>
+              <a:rPr lang="ru-RU" dirty="0" smtClean="0"/>
+              <a:t>)</a:t>
+            </a:r>
+            <a:endParaRPr lang="en-US" dirty="0"/>
+          </a:p>
+          <a:p>
+            <a:r>
+              <a:rPr lang="ru-RU" dirty="0" smtClean="0"/>
+              <a:t>Отладка (</a:t>
+            </a:r>
+            <a:r>
+              <a:rPr lang="en-US" dirty="0" smtClean="0"/>
+              <a:t>Debugging</a:t>
+            </a:r>
+            <a:r>
+              <a:rPr lang="ru-RU" dirty="0" smtClean="0"/>
+              <a:t>)</a:t>
+            </a:r>
+            <a:endParaRPr lang="en-US" dirty="0"/>
+          </a:p>
+          <a:p>
+            <a:r>
+              <a:rPr lang="ru-RU" dirty="0" smtClean="0"/>
+              <a:t>Дистрибутив (</a:t>
+            </a:r>
+            <a:r>
+              <a:rPr lang="en-US" dirty="0" smtClean="0"/>
+              <a:t>Deployment</a:t>
+            </a:r>
+            <a:r>
+              <a:rPr lang="ru-RU" dirty="0" smtClean="0"/>
+              <a:t>)</a:t>
+            </a:r>
+            <a:endParaRPr lang="en-US" dirty="0" smtClean="0"/>
+          </a:p>
+          <a:p>
+            <a:r>
+              <a:rPr lang="ru-RU" dirty="0" smtClean="0"/>
+              <a:t>Сопровождение (</a:t>
+            </a:r>
+            <a:r>
+              <a:rPr lang="en-US" dirty="0" smtClean="0"/>
+              <a:t>Maintenance</a:t>
+            </a:r>
+            <a:r>
+              <a:rPr lang="ru-RU" dirty="0" smtClean="0"/>
+              <a:t>)</a:t>
+            </a:r>
+            <a:endParaRPr lang="en-US" dirty="0"/>
+          </a:p>
+        </p:txBody>
+      </p:sp>
+    </p:spTree>
+    <p:extLst>
+      <p:ext uri="{BB962C8B-B14F-4D97-AF65-F5344CB8AC3E}">
+        <p14:creationId xmlns:p14="http://schemas.microsoft.com/office/powerpoint/2010/main" val="3256343997"/>
+      </p:ext>
+    </p:extLst>
+  </p:cSld>
+  <p:clrMapOvr>
+    <a:masterClrMapping/>
+  </p:clrMapOvr>
+</p:sld>
+</file>
+
+<file path=ppt/slides/slide15.xml><?xml version="1.0" encoding="utf-8"?>
+<p:sld xmlns:a="http://schemas.openxmlformats.org/drawingml/2006/main" xmlns:r="http://schemas.openxmlformats.org/officeDocument/2006/relationships" xmlns:p="http://schemas.openxmlformats.org/presentationml/2006/main">
+  <p:cSld>
+    <p:spTree>
+      <p:nvGrpSpPr>
+        <p:cNvPr id="1" name=""/>
+        <p:cNvGrpSpPr/>
+        <p:nvPr/>
+      </p:nvGrpSpPr>
+      <p:grpSpPr>
+        <a:xfrm>
+          <a:off x="0" y="0"/>
+          <a:ext cx="0" cy="0"/>
+          <a:chOff x="0" y="0"/>
+          <a:chExt cx="0" cy="0"/>
+        </a:xfrm>
+      </p:grpSpPr>
+      <p:sp>
+        <p:nvSpPr>
+          <p:cNvPr id="2" name="Title 1"/>
+          <p:cNvSpPr>
+            <a:spLocks noGrp="1"/>
+          </p:cNvSpPr>
+          <p:nvPr>
+            <p:ph type="title"/>
+          </p:nvPr>
+        </p:nvSpPr>
+        <p:spPr/>
+        <p:txBody>
           <a:bodyPr>
             <a:normAutofit fontScale="90000"/>
           </a:bodyPr>
@@ -3885,7 +4020,7 @@
 </p:sld>
 </file>
 
-<file path=ppt/slides/slide15.xml><?xml version="1.0" encoding="utf-8"?>
+<file path=ppt/slides/slide16.xml><?xml version="1.0" encoding="utf-8"?>
 <p:sld xmlns:a="http://schemas.openxmlformats.org/drawingml/2006/main" xmlns:r="http://schemas.openxmlformats.org/officeDocument/2006/relationships" xmlns:p="http://schemas.openxmlformats.org/presentationml/2006/main">
   <p:cSld>
     <p:spTree>
@@ -3987,7 +4122,7 @@
 </p:sld>
 </file>
 
-<file path=ppt/slides/slide16.xml><?xml version="1.0" encoding="utf-8"?>
+<file path=ppt/slides/slide17.xml><?xml version="1.0" encoding="utf-8"?>
 <p:sld xmlns:a="http://schemas.openxmlformats.org/drawingml/2006/main" xmlns:r="http://schemas.openxmlformats.org/officeDocument/2006/relationships" xmlns:p="http://schemas.openxmlformats.org/presentationml/2006/main">
   <p:cSld>
     <p:bg>
@@ -4097,7 +4232,7 @@
 </p:sld>
 </file>
 
-<file path=ppt/slides/slide17.xml><?xml version="1.0" encoding="utf-8"?>
+<file path=ppt/slides/slide18.xml><?xml version="1.0" encoding="utf-8"?>
 <p:sld xmlns:a="http://schemas.openxmlformats.org/drawingml/2006/main" xmlns:r="http://schemas.openxmlformats.org/officeDocument/2006/relationships" xmlns:p="http://schemas.openxmlformats.org/presentationml/2006/main">
   <p:cSld>
     <p:bg>
@@ -4213,193 +4348,6 @@
 </p:sld>
 </file>
 
-<file path=ppt/slides/slide18.xml><?xml version="1.0" encoding="utf-8"?>
-<p:sld xmlns:a="http://schemas.openxmlformats.org/drawingml/2006/main" xmlns:r="http://schemas.openxmlformats.org/officeDocument/2006/relationships" xmlns:p="http://schemas.openxmlformats.org/presentationml/2006/main">
-  <p:cSld>
-    <p:spTree>
-      <p:nvGrpSpPr>
-        <p:cNvPr id="1" name=""/>
-        <p:cNvGrpSpPr/>
-        <p:nvPr/>
-      </p:nvGrpSpPr>
-      <p:grpSpPr>
-        <a:xfrm>
-          <a:off x="0" y="0"/>
-          <a:ext cx="0" cy="0"/>
-          <a:chOff x="0" y="0"/>
-          <a:chExt cx="0" cy="0"/>
-        </a:xfrm>
-      </p:grpSpPr>
-      <p:sp>
-        <p:nvSpPr>
-          <p:cNvPr id="2" name="Title 1"/>
-          <p:cNvSpPr>
-            <a:spLocks noGrp="1"/>
-          </p:cNvSpPr>
-          <p:nvPr>
-            <p:ph type="title"/>
-          </p:nvPr>
-        </p:nvSpPr>
-        <p:spPr/>
-        <p:txBody>
-          <a:bodyPr/>
-          <a:lstStyle/>
-          <a:p>
-            <a:r>
-              <a:rPr lang="ru-RU" dirty="0" smtClean="0"/>
-              <a:t>Процесс разработки ПО</a:t>
-            </a:r>
-            <a:endParaRPr lang="en-US" dirty="0"/>
-          </a:p>
-        </p:txBody>
-      </p:sp>
-      <p:sp>
-        <p:nvSpPr>
-          <p:cNvPr id="3" name="Content Placeholder 2"/>
-          <p:cNvSpPr>
-            <a:spLocks noGrp="1"/>
-          </p:cNvSpPr>
-          <p:nvPr>
-            <p:ph idx="1"/>
-          </p:nvPr>
-        </p:nvSpPr>
-        <p:spPr/>
-        <p:txBody>
-          <a:bodyPr>
-            <a:normAutofit fontScale="92500" lnSpcReduction="20000"/>
-          </a:bodyPr>
-          <a:lstStyle/>
-          <a:p>
-            <a:r>
-              <a:rPr lang="en-US" dirty="0" smtClean="0"/>
-              <a:t>Version (source) control (</a:t>
-            </a:r>
-            <a:r>
-              <a:rPr lang="ru-RU" dirty="0" smtClean="0"/>
-              <a:t>Система </a:t>
-            </a:r>
-            <a:r>
-              <a:rPr lang="ru-RU" dirty="0"/>
-              <a:t>управления </a:t>
-            </a:r>
-            <a:r>
-              <a:rPr lang="ru-RU" dirty="0" smtClean="0"/>
-              <a:t>версиями</a:t>
-            </a:r>
-            <a:r>
-              <a:rPr lang="en-US" dirty="0" smtClean="0"/>
-              <a:t>)</a:t>
-            </a:r>
-          </a:p>
-          <a:p>
-            <a:pPr lvl="1"/>
-            <a:r>
-              <a:rPr lang="en-US" dirty="0" smtClean="0"/>
-              <a:t>VSS, TFS, Subversion, </a:t>
-            </a:r>
-            <a:r>
-              <a:rPr lang="en-US" dirty="0" err="1" smtClean="0"/>
-              <a:t>Git</a:t>
-            </a:r>
-            <a:r>
-              <a:rPr lang="en-US" dirty="0" smtClean="0"/>
-              <a:t>, Mercurial </a:t>
-            </a:r>
-            <a:r>
-              <a:rPr lang="ru-RU" dirty="0" smtClean="0"/>
-              <a:t>и т.д.</a:t>
-            </a:r>
-            <a:endParaRPr lang="en-US" dirty="0" smtClean="0"/>
-          </a:p>
-          <a:p>
-            <a:r>
-              <a:rPr lang="en-US" dirty="0" smtClean="0"/>
-              <a:t>Test Driven Development (</a:t>
-            </a:r>
-            <a:r>
-              <a:rPr lang="ru-RU" dirty="0" smtClean="0"/>
-              <a:t>управляемое тестами)</a:t>
-            </a:r>
-          </a:p>
-          <a:p>
-            <a:pPr lvl="1"/>
-            <a:r>
-              <a:rPr lang="en-US" dirty="0" err="1" smtClean="0"/>
-              <a:t>NUnit</a:t>
-            </a:r>
-            <a:r>
-              <a:rPr lang="en-US" dirty="0" smtClean="0"/>
-              <a:t>, </a:t>
-            </a:r>
-            <a:r>
-              <a:rPr lang="en-US" dirty="0" err="1" smtClean="0"/>
-              <a:t>XUnit</a:t>
-            </a:r>
-            <a:r>
-              <a:rPr lang="en-US" dirty="0" smtClean="0"/>
-              <a:t>, </a:t>
-            </a:r>
-            <a:r>
-              <a:rPr lang="en-US" dirty="0" err="1" smtClean="0"/>
-              <a:t>MSTest</a:t>
-            </a:r>
-            <a:endParaRPr lang="en-US" dirty="0" smtClean="0"/>
-          </a:p>
-          <a:p>
-            <a:pPr lvl="1"/>
-            <a:r>
-              <a:rPr lang="ru-RU" dirty="0" smtClean="0"/>
-              <a:t>Книга: </a:t>
-            </a:r>
-            <a:r>
-              <a:rPr lang="en-US" dirty="0">
-                <a:hlinkClick r:id="rId2"/>
-              </a:rPr>
-              <a:t>The Art of Unit Testing: With Examples in </a:t>
-            </a:r>
-            <a:r>
-              <a:rPr lang="en-US" dirty="0" err="1">
-                <a:hlinkClick r:id="rId2"/>
-              </a:rPr>
-              <a:t>.Net</a:t>
-            </a:r>
-            <a:endParaRPr lang="ru-RU" dirty="0" smtClean="0"/>
-          </a:p>
-          <a:p>
-            <a:r>
-              <a:rPr lang="en-US" dirty="0" smtClean="0"/>
-              <a:t>Continuous Integration (CI)</a:t>
-            </a:r>
-          </a:p>
-          <a:p>
-            <a:pPr lvl="1"/>
-            <a:r>
-              <a:rPr lang="en-US" dirty="0" smtClean="0"/>
-              <a:t>TFS, Team City, CC.NET</a:t>
-            </a:r>
-          </a:p>
-          <a:p>
-            <a:r>
-              <a:rPr lang="en-US" dirty="0" smtClean="0"/>
-              <a:t>Continuous Deployment</a:t>
-            </a:r>
-            <a:endParaRPr lang="en-US" dirty="0"/>
-          </a:p>
-        </p:txBody>
-      </p:sp>
-    </p:spTree>
-    <p:extLst>
-      <p:ext uri="{BB962C8B-B14F-4D97-AF65-F5344CB8AC3E}">
-        <p14:creationId xmlns:p14="http://schemas.microsoft.com/office/powerpoint/2010/main" val="3800880669"/>
-      </p:ext>
-    </p:extLst>
-  </p:cSld>
-  <p:clrMapOvr>
-    <a:masterClrMapping/>
-  </p:clrMapOvr>
-</p:sld>
-</file>
-
 <file path=ppt/slides/slide19.xml><?xml version="1.0" encoding="utf-8"?>
 <p:sld xmlns:a="http://schemas.openxmlformats.org/drawingml/2006/main" xmlns:r="http://schemas.openxmlformats.org/officeDocument/2006/relationships" xmlns:p="http://schemas.openxmlformats.org/presentationml/2006/main">
   <p:cSld>
@@ -4434,7 +4382,7 @@
           <a:p>
             <a:r>
               <a:rPr lang="ru-RU" dirty="0" smtClean="0"/>
-              <a:t>Тест Джоеля</a:t>
+              <a:t>Процесс разработки ПО</a:t>
             </a:r>
             <a:endParaRPr lang="en-US" dirty="0"/>
           </a:p>
@@ -4453,251 +4401,122 @@
         <p:spPr/>
         <p:txBody>
           <a:bodyPr>
-            <a:normAutofit fontScale="55000" lnSpcReduction="20000"/>
+            <a:normAutofit fontScale="92500" lnSpcReduction="20000"/>
           </a:bodyPr>
           <a:lstStyle/>
           <a:p>
-            <a:pPr marL="514350" indent="-514350">
-              <a:buFont typeface="+mj-lt"/>
-              <a:buAutoNum type="arabicPeriod"/>
-            </a:pPr>
+            <a:r>
+              <a:rPr lang="en-US" dirty="0" smtClean="0"/>
+              <a:t>Version (source) control (</a:t>
+            </a:r>
+            <a:r>
+              <a:rPr lang="ru-RU" dirty="0" smtClean="0"/>
+              <a:t>Система </a:t>
+            </a:r>
             <a:r>
               <a:rPr lang="ru-RU" dirty="0"/>
-              <a:t>Пользуетесь ли вы системой контроля </a:t>
+              <a:t>управления </a:t>
             </a:r>
             <a:r>
               <a:rPr lang="ru-RU" dirty="0" smtClean="0"/>
-              <a:t>версий?</a:t>
-            </a:r>
-          </a:p>
-          <a:p>
-            <a:pPr marL="514350" indent="-514350">
-              <a:buFont typeface="+mj-lt"/>
-              <a:buAutoNum type="arabicPeriod"/>
-            </a:pPr>
+              <a:t>версиями</a:t>
+            </a:r>
+            <a:r>
+              <a:rPr lang="en-US" dirty="0" smtClean="0"/>
+              <a:t>)</a:t>
+            </a:r>
+          </a:p>
+          <a:p>
+            <a:pPr lvl="1"/>
+            <a:r>
+              <a:rPr lang="en-US" dirty="0" smtClean="0"/>
+              <a:t>VSS, TFS, Subversion, </a:t>
+            </a:r>
+            <a:r>
+              <a:rPr lang="en-US" dirty="0" err="1" smtClean="0"/>
+              <a:t>Git</a:t>
+            </a:r>
+            <a:r>
+              <a:rPr lang="en-US" dirty="0" smtClean="0"/>
+              <a:t>, Mercurial </a:t>
+            </a:r>
             <a:r>
               <a:rPr lang="ru-RU" dirty="0" smtClean="0"/>
-              <a:t>Можете </a:t>
-            </a:r>
-            <a:r>
-              <a:rPr lang="ru-RU" dirty="0"/>
-              <a:t>ли вы собрать продукт за один </a:t>
+              <a:t>и т.д.</a:t>
+            </a:r>
+            <a:endParaRPr lang="en-US" dirty="0" smtClean="0"/>
+          </a:p>
+          <a:p>
+            <a:r>
+              <a:rPr lang="en-US" dirty="0" smtClean="0"/>
+              <a:t>Test Driven Development (</a:t>
             </a:r>
             <a:r>
               <a:rPr lang="ru-RU" dirty="0" smtClean="0"/>
-              <a:t>шаг?</a:t>
-            </a:r>
-          </a:p>
-          <a:p>
-            <a:pPr marL="514350" indent="-514350">
-              <a:buFont typeface="+mj-lt"/>
-              <a:buAutoNum type="arabicPeriod"/>
-            </a:pPr>
+              <a:t>управляемое тестами)</a:t>
+            </a:r>
+          </a:p>
+          <a:p>
+            <a:pPr lvl="1"/>
+            <a:r>
+              <a:rPr lang="en-US" dirty="0" err="1" smtClean="0"/>
+              <a:t>NUnit</a:t>
+            </a:r>
+            <a:r>
+              <a:rPr lang="en-US" dirty="0" smtClean="0"/>
+              <a:t>, </a:t>
+            </a:r>
+            <a:r>
+              <a:rPr lang="en-US" dirty="0" err="1" smtClean="0"/>
+              <a:t>XUnit</a:t>
+            </a:r>
+            <a:r>
+              <a:rPr lang="en-US" dirty="0" smtClean="0"/>
+              <a:t>, </a:t>
+            </a:r>
+            <a:r>
+              <a:rPr lang="en-US" dirty="0" err="1" smtClean="0"/>
+              <a:t>MSTest</a:t>
+            </a:r>
+            <a:endParaRPr lang="en-US" dirty="0" smtClean="0"/>
+          </a:p>
+          <a:p>
+            <a:pPr lvl="1"/>
             <a:r>
               <a:rPr lang="ru-RU" dirty="0" smtClean="0"/>
-              <a:t>Выполняете </a:t>
-            </a:r>
-            <a:r>
-              <a:rPr lang="ru-RU" dirty="0"/>
-              <a:t>ли вы ежедневные </a:t>
-            </a:r>
-            <a:r>
-              <a:rPr lang="ru-RU" dirty="0" smtClean="0"/>
-              <a:t>билды?</a:t>
-            </a:r>
-          </a:p>
-          <a:p>
-            <a:pPr marL="514350" indent="-514350">
-              <a:buFont typeface="+mj-lt"/>
-              <a:buAutoNum type="arabicPeriod"/>
-            </a:pPr>
-            <a:r>
-              <a:rPr lang="ru-RU" dirty="0" smtClean="0"/>
-              <a:t>Используете </a:t>
-            </a:r>
-            <a:r>
-              <a:rPr lang="ru-RU" dirty="0"/>
-              <a:t>ли вы базу данных </a:t>
-            </a:r>
-            <a:r>
-              <a:rPr lang="ru-RU" dirty="0" smtClean="0"/>
-              <a:t>ошибок?</a:t>
-            </a:r>
-          </a:p>
-          <a:p>
-            <a:pPr marL="514350" indent="-514350">
-              <a:buFont typeface="+mj-lt"/>
-              <a:buAutoNum type="arabicPeriod"/>
-            </a:pPr>
-            <a:r>
-              <a:rPr lang="ru-RU" dirty="0" smtClean="0"/>
-              <a:t>Исправляете </a:t>
-            </a:r>
-            <a:r>
-              <a:rPr lang="ru-RU" dirty="0"/>
-              <a:t>ли вы ошибки перед написанием нового </a:t>
-            </a:r>
-            <a:r>
-              <a:rPr lang="ru-RU" dirty="0" smtClean="0"/>
-              <a:t>кода?</a:t>
-            </a:r>
-          </a:p>
-          <a:p>
-            <a:pPr marL="514350" indent="-514350">
-              <a:buFont typeface="+mj-lt"/>
-              <a:buAutoNum type="arabicPeriod"/>
-            </a:pPr>
-            <a:r>
-              <a:rPr lang="ru-RU" dirty="0" smtClean="0"/>
-              <a:t>Есть </a:t>
-            </a:r>
-            <a:r>
-              <a:rPr lang="ru-RU" dirty="0"/>
-              <a:t>ли у вас актуальный план </a:t>
-            </a:r>
-            <a:r>
-              <a:rPr lang="ru-RU" dirty="0" smtClean="0"/>
-              <a:t>работ?</a:t>
-            </a:r>
-          </a:p>
-          <a:p>
-            <a:pPr marL="514350" indent="-514350">
-              <a:buFont typeface="+mj-lt"/>
-              <a:buAutoNum type="arabicPeriod"/>
-            </a:pPr>
-            <a:r>
-              <a:rPr lang="ru-RU" dirty="0" smtClean="0"/>
-              <a:t>Есть </a:t>
-            </a:r>
-            <a:r>
-              <a:rPr lang="ru-RU" dirty="0"/>
-              <a:t>ли у вас </a:t>
-            </a:r>
-            <a:r>
-              <a:rPr lang="ru-RU" dirty="0" smtClean="0"/>
-              <a:t>спецификация?</a:t>
-            </a:r>
-          </a:p>
-          <a:p>
-            <a:pPr marL="514350" indent="-514350">
-              <a:buFont typeface="+mj-lt"/>
-              <a:buAutoNum type="arabicPeriod"/>
-            </a:pPr>
-            <a:r>
-              <a:rPr lang="ru-RU" dirty="0" smtClean="0"/>
-              <a:t>Предоставлены </a:t>
-            </a:r>
-            <a:r>
-              <a:rPr lang="ru-RU" dirty="0"/>
-              <a:t>ли вашим программистам спокойные условия для </a:t>
-            </a:r>
-            <a:r>
-              <a:rPr lang="ru-RU" dirty="0" smtClean="0"/>
-              <a:t>работы?</a:t>
-            </a:r>
-          </a:p>
-          <a:p>
-            <a:pPr marL="514350" indent="-514350">
-              <a:buFont typeface="+mj-lt"/>
-              <a:buAutoNum type="arabicPeriod"/>
-            </a:pPr>
-            <a:r>
-              <a:rPr lang="ru-RU" dirty="0" smtClean="0"/>
-              <a:t>Используете </a:t>
-            </a:r>
-            <a:r>
-              <a:rPr lang="ru-RU" dirty="0"/>
-              <a:t>ли вы новейшее дорогое </a:t>
-            </a:r>
-            <a:r>
-              <a:rPr lang="ru-RU" dirty="0" smtClean="0"/>
-              <a:t>оборудование/ПО?</a:t>
-            </a:r>
-          </a:p>
-          <a:p>
-            <a:pPr marL="514350" indent="-514350">
-              <a:buFont typeface="+mj-lt"/>
-              <a:buAutoNum type="arabicPeriod"/>
-            </a:pPr>
-            <a:r>
-              <a:rPr lang="ru-RU" dirty="0" smtClean="0"/>
-              <a:t>Есть </a:t>
-            </a:r>
-            <a:r>
-              <a:rPr lang="ru-RU" dirty="0"/>
-              <a:t>ли у вас </a:t>
-            </a:r>
-            <a:r>
-              <a:rPr lang="ru-RU" dirty="0" smtClean="0"/>
-              <a:t>тестеры?</a:t>
-            </a:r>
-          </a:p>
-          <a:p>
-            <a:pPr marL="514350" indent="-514350">
-              <a:buFont typeface="+mj-lt"/>
-              <a:buAutoNum type="arabicPeriod"/>
-            </a:pPr>
-            <a:r>
-              <a:rPr lang="ru-RU" dirty="0" smtClean="0"/>
-              <a:t>Пишут </a:t>
-            </a:r>
-            <a:r>
-              <a:rPr lang="ru-RU" dirty="0"/>
-              <a:t>ли кандидаты на работу код во время </a:t>
-            </a:r>
-            <a:r>
-              <a:rPr lang="ru-RU" dirty="0" smtClean="0"/>
-              <a:t>собеседования?</a:t>
-            </a:r>
-          </a:p>
-          <a:p>
-            <a:pPr marL="514350" indent="-514350">
-              <a:buFont typeface="+mj-lt"/>
-              <a:buAutoNum type="arabicPeriod"/>
-            </a:pPr>
-            <a:r>
-              <a:rPr lang="ru-RU" dirty="0" smtClean="0"/>
-              <a:t>Проводите </a:t>
-            </a:r>
-            <a:r>
-              <a:rPr lang="ru-RU" dirty="0"/>
-              <a:t>ли вы коридорное тестирование удобства использования программ? </a:t>
-            </a:r>
-            <a:endParaRPr lang="ru-RU" dirty="0" smtClean="0"/>
-          </a:p>
-          <a:p>
-            <a:pPr marL="0" indent="0">
-              <a:buNone/>
-            </a:pPr>
-            <a:endParaRPr lang="ru-RU" dirty="0" smtClean="0"/>
-          </a:p>
-          <a:p>
-            <a:pPr marL="0" indent="0">
-              <a:buNone/>
-            </a:pPr>
+              <a:t>Книга: </a:t>
+            </a:r>
             <a:r>
               <a:rPr lang="en-US" dirty="0">
                 <a:hlinkClick r:id="rId2"/>
               </a:rPr>
-              <a:t>http://russian.joelonsoftware.com/Articles/TheJoelTest.html</a:t>
-            </a:r>
-            <a:endParaRPr lang="ru-RU" dirty="0"/>
-          </a:p>
-          <a:p>
-            <a:pPr marL="0" indent="0">
-              <a:buNone/>
-            </a:pPr>
-            <a:r>
-              <a:rPr lang="en-US" dirty="0">
-                <a:hlinkClick r:id="rId3"/>
+              <a:t>The Art of Unit Testing: With Examples in </a:t>
+            </a:r>
+            <a:r>
+              <a:rPr lang="en-US" dirty="0" err="1">
+                <a:hlinkClick r:id="rId2"/>
               </a:rPr>
-              <a:t>http://</a:t>
-            </a:r>
-            <a:r>
-              <a:rPr lang="en-US" dirty="0" smtClean="0">
-                <a:hlinkClick r:id="rId3"/>
-              </a:rPr>
-              <a:t>www.joelonsoftware.com/articles/fog0000000043.html</a:t>
+              <a:t>.Net</a:t>
+            </a:r>
+            <a:endParaRPr lang="ru-RU" dirty="0" smtClean="0"/>
+          </a:p>
+          <a:p>
+            <a:r>
+              <a:rPr lang="en-US" dirty="0" smtClean="0"/>
+              <a:t>Continuous Integration (CI)</a:t>
+            </a:r>
+          </a:p>
+          <a:p>
+            <a:pPr lvl="1"/>
+            <a:r>
+              <a:rPr lang="en-US" dirty="0" smtClean="0"/>
+              <a:t>TFS, Team City, CC.NET</a:t>
+            </a:r>
+          </a:p>
+          <a:p>
+            <a:r>
+              <a:rPr lang="en-US" dirty="0" smtClean="0"/>
+              <a:t>Continuous Deployment</a:t>
             </a:r>
             <a:endParaRPr lang="en-US" dirty="0"/>
           </a:p>
@@ -4706,7 +4525,7 @@
     </p:spTree>
     <p:extLst>
       <p:ext uri="{BB962C8B-B14F-4D97-AF65-F5344CB8AC3E}">
-        <p14:creationId xmlns:p14="http://schemas.microsoft.com/office/powerpoint/2010/main" val="3522902622"/>
+        <p14:creationId xmlns:p14="http://schemas.microsoft.com/office/powerpoint/2010/main" val="3800880669"/>
       </p:ext>
     </p:extLst>
   </p:cSld>
@@ -4794,6 +4613,322 @@
     <p:extLst>
       <p:ext uri="{BB962C8B-B14F-4D97-AF65-F5344CB8AC3E}">
         <p14:creationId xmlns:p14="http://schemas.microsoft.com/office/powerpoint/2010/main" val="1590135107"/>
+      </p:ext>
+    </p:extLst>
+  </p:cSld>
+  <p:clrMapOvr>
+    <a:masterClrMapping/>
+  </p:clrMapOvr>
+</p:sld>
+</file>
+
+<file path=ppt/slides/slide20.xml><?xml version="1.0" encoding="utf-8"?>
+<p:sld xmlns:a="http://schemas.openxmlformats.org/drawingml/2006/main" xmlns:r="http://schemas.openxmlformats.org/officeDocument/2006/relationships" xmlns:p="http://schemas.openxmlformats.org/presentationml/2006/main">
+  <p:cSld>
+    <p:spTree>
+      <p:nvGrpSpPr>
+        <p:cNvPr id="1" name=""/>
+        <p:cNvGrpSpPr/>
+        <p:nvPr/>
+      </p:nvGrpSpPr>
+      <p:grpSpPr>
+        <a:xfrm>
+          <a:off x="0" y="0"/>
+          <a:ext cx="0" cy="0"/>
+          <a:chOff x="0" y="0"/>
+          <a:chExt cx="0" cy="0"/>
+        </a:xfrm>
+      </p:grpSpPr>
+      <p:sp>
+        <p:nvSpPr>
+          <p:cNvPr id="2" name="Title 1"/>
+          <p:cNvSpPr>
+            <a:spLocks noGrp="1"/>
+          </p:cNvSpPr>
+          <p:nvPr>
+            <p:ph type="title"/>
+          </p:nvPr>
+        </p:nvSpPr>
+        <p:spPr/>
+        <p:txBody>
+          <a:bodyPr/>
+          <a:lstStyle/>
+          <a:p>
+            <a:r>
+              <a:rPr lang="ru-RU" dirty="0" smtClean="0"/>
+              <a:t>Тест Джоеля</a:t>
+            </a:r>
+            <a:endParaRPr lang="en-US" dirty="0"/>
+          </a:p>
+        </p:txBody>
+      </p:sp>
+      <p:sp>
+        <p:nvSpPr>
+          <p:cNvPr id="3" name="Content Placeholder 2"/>
+          <p:cNvSpPr>
+            <a:spLocks noGrp="1"/>
+          </p:cNvSpPr>
+          <p:nvPr>
+            <p:ph idx="1"/>
+          </p:nvPr>
+        </p:nvSpPr>
+        <p:spPr/>
+        <p:txBody>
+          <a:bodyPr>
+            <a:normAutofit fontScale="55000" lnSpcReduction="20000"/>
+          </a:bodyPr>
+          <a:lstStyle/>
+          <a:p>
+            <a:pPr marL="514350" indent="-514350">
+              <a:buFont typeface="+mj-lt"/>
+              <a:buAutoNum type="arabicPeriod"/>
+            </a:pPr>
+            <a:r>
+              <a:rPr lang="ru-RU" dirty="0"/>
+              <a:t>Пользуетесь ли вы системой контроля </a:t>
+            </a:r>
+            <a:r>
+              <a:rPr lang="ru-RU" dirty="0" smtClean="0"/>
+              <a:t>версий?</a:t>
+            </a:r>
+          </a:p>
+          <a:p>
+            <a:pPr marL="514350" indent="-514350">
+              <a:buFont typeface="+mj-lt"/>
+              <a:buAutoNum type="arabicPeriod"/>
+            </a:pPr>
+            <a:r>
+              <a:rPr lang="ru-RU" dirty="0" smtClean="0"/>
+              <a:t>Можете </a:t>
+            </a:r>
+            <a:r>
+              <a:rPr lang="ru-RU" dirty="0"/>
+              <a:t>ли вы собрать продукт за один </a:t>
+            </a:r>
+            <a:r>
+              <a:rPr lang="ru-RU" dirty="0" smtClean="0"/>
+              <a:t>шаг?</a:t>
+            </a:r>
+          </a:p>
+          <a:p>
+            <a:pPr marL="514350" indent="-514350">
+              <a:buFont typeface="+mj-lt"/>
+              <a:buAutoNum type="arabicPeriod"/>
+            </a:pPr>
+            <a:r>
+              <a:rPr lang="ru-RU" dirty="0" smtClean="0"/>
+              <a:t>Выполняете </a:t>
+            </a:r>
+            <a:r>
+              <a:rPr lang="ru-RU" dirty="0"/>
+              <a:t>ли вы ежедневные </a:t>
+            </a:r>
+            <a:r>
+              <a:rPr lang="ru-RU" dirty="0" smtClean="0"/>
+              <a:t>билды?</a:t>
+            </a:r>
+          </a:p>
+          <a:p>
+            <a:pPr marL="514350" indent="-514350">
+              <a:buFont typeface="+mj-lt"/>
+              <a:buAutoNum type="arabicPeriod"/>
+            </a:pPr>
+            <a:r>
+              <a:rPr lang="ru-RU" dirty="0" smtClean="0"/>
+              <a:t>Используете </a:t>
+            </a:r>
+            <a:r>
+              <a:rPr lang="ru-RU" dirty="0"/>
+              <a:t>ли вы базу данных </a:t>
+            </a:r>
+            <a:r>
+              <a:rPr lang="ru-RU" dirty="0" smtClean="0"/>
+              <a:t>ошибок?</a:t>
+            </a:r>
+          </a:p>
+          <a:p>
+            <a:pPr marL="514350" indent="-514350">
+              <a:buFont typeface="+mj-lt"/>
+              <a:buAutoNum type="arabicPeriod"/>
+            </a:pPr>
+            <a:r>
+              <a:rPr lang="ru-RU" dirty="0" smtClean="0"/>
+              <a:t>Исправляете </a:t>
+            </a:r>
+            <a:r>
+              <a:rPr lang="ru-RU" dirty="0"/>
+              <a:t>ли вы ошибки перед написанием нового </a:t>
+            </a:r>
+            <a:r>
+              <a:rPr lang="ru-RU" dirty="0" smtClean="0"/>
+              <a:t>кода?</a:t>
+            </a:r>
+          </a:p>
+          <a:p>
+            <a:pPr marL="514350" indent="-514350">
+              <a:buFont typeface="+mj-lt"/>
+              <a:buAutoNum type="arabicPeriod"/>
+            </a:pPr>
+            <a:r>
+              <a:rPr lang="ru-RU" dirty="0" smtClean="0"/>
+              <a:t>Есть </a:t>
+            </a:r>
+            <a:r>
+              <a:rPr lang="ru-RU" dirty="0"/>
+              <a:t>ли у вас актуальный план </a:t>
+            </a:r>
+            <a:r>
+              <a:rPr lang="ru-RU" dirty="0" smtClean="0"/>
+              <a:t>работ?</a:t>
+            </a:r>
+          </a:p>
+          <a:p>
+            <a:pPr marL="514350" indent="-514350">
+              <a:buFont typeface="+mj-lt"/>
+              <a:buAutoNum type="arabicPeriod"/>
+            </a:pPr>
+            <a:r>
+              <a:rPr lang="ru-RU" dirty="0" smtClean="0"/>
+              <a:t>Есть </a:t>
+            </a:r>
+            <a:r>
+              <a:rPr lang="ru-RU" dirty="0"/>
+              <a:t>ли у вас </a:t>
+            </a:r>
+            <a:r>
+              <a:rPr lang="ru-RU" dirty="0" smtClean="0"/>
+              <a:t>спецификация?</a:t>
+            </a:r>
+          </a:p>
+          <a:p>
+            <a:pPr marL="514350" indent="-514350">
+              <a:buFont typeface="+mj-lt"/>
+              <a:buAutoNum type="arabicPeriod"/>
+            </a:pPr>
+            <a:r>
+              <a:rPr lang="ru-RU" dirty="0" smtClean="0"/>
+              <a:t>Предоставлены </a:t>
+            </a:r>
+            <a:r>
+              <a:rPr lang="ru-RU" dirty="0"/>
+              <a:t>ли вашим программистам спокойные условия для </a:t>
+            </a:r>
+            <a:r>
+              <a:rPr lang="ru-RU" dirty="0" smtClean="0"/>
+              <a:t>работы?</a:t>
+            </a:r>
+          </a:p>
+          <a:p>
+            <a:pPr marL="514350" indent="-514350">
+              <a:buFont typeface="+mj-lt"/>
+              <a:buAutoNum type="arabicPeriod"/>
+            </a:pPr>
+            <a:r>
+              <a:rPr lang="ru-RU" dirty="0" smtClean="0"/>
+              <a:t>Используете </a:t>
+            </a:r>
+            <a:r>
+              <a:rPr lang="ru-RU" dirty="0"/>
+              <a:t>ли вы новейшее дорогое </a:t>
+            </a:r>
+            <a:r>
+              <a:rPr lang="ru-RU" dirty="0" smtClean="0"/>
+              <a:t>оборудование/ПО?</a:t>
+            </a:r>
+          </a:p>
+          <a:p>
+            <a:pPr marL="514350" indent="-514350">
+              <a:buFont typeface="+mj-lt"/>
+              <a:buAutoNum type="arabicPeriod"/>
+            </a:pPr>
+            <a:r>
+              <a:rPr lang="ru-RU" dirty="0" smtClean="0"/>
+              <a:t>Есть </a:t>
+            </a:r>
+            <a:r>
+              <a:rPr lang="ru-RU" dirty="0"/>
+              <a:t>ли у вас </a:t>
+            </a:r>
+            <a:r>
+              <a:rPr lang="ru-RU" dirty="0" smtClean="0"/>
+              <a:t>тестеры?</a:t>
+            </a:r>
+          </a:p>
+          <a:p>
+            <a:pPr marL="514350" indent="-514350">
+              <a:buFont typeface="+mj-lt"/>
+              <a:buAutoNum type="arabicPeriod"/>
+            </a:pPr>
+            <a:r>
+              <a:rPr lang="ru-RU" dirty="0" smtClean="0"/>
+              <a:t>Пишут </a:t>
+            </a:r>
+            <a:r>
+              <a:rPr lang="ru-RU" dirty="0"/>
+              <a:t>ли кандидаты на работу код во время </a:t>
+            </a:r>
+            <a:r>
+              <a:rPr lang="ru-RU" dirty="0" smtClean="0"/>
+              <a:t>собеседования?</a:t>
+            </a:r>
+          </a:p>
+          <a:p>
+            <a:pPr marL="514350" indent="-514350">
+              <a:buFont typeface="+mj-lt"/>
+              <a:buAutoNum type="arabicPeriod"/>
+            </a:pPr>
+            <a:r>
+              <a:rPr lang="ru-RU" dirty="0" smtClean="0"/>
+              <a:t>Проводите </a:t>
+            </a:r>
+            <a:r>
+              <a:rPr lang="ru-RU" dirty="0"/>
+              <a:t>ли вы коридорное тестирование удобства использования программ? </a:t>
+            </a:r>
+            <a:endParaRPr lang="ru-RU" dirty="0" smtClean="0"/>
+          </a:p>
+          <a:p>
+            <a:pPr marL="0" indent="0">
+              <a:buNone/>
+            </a:pPr>
+            <a:endParaRPr lang="ru-RU" dirty="0" smtClean="0"/>
+          </a:p>
+          <a:p>
+            <a:pPr marL="0" indent="0">
+              <a:buNone/>
+            </a:pPr>
+            <a:r>
+              <a:rPr lang="en-US" dirty="0">
+                <a:hlinkClick r:id="rId2"/>
+              </a:rPr>
+              <a:t>http://russian.joelonsoftware.com/Articles/TheJoelTest.html</a:t>
+            </a:r>
+            <a:endParaRPr lang="ru-RU" dirty="0"/>
+          </a:p>
+          <a:p>
+            <a:pPr marL="0" indent="0">
+              <a:buNone/>
+            </a:pPr>
+            <a:r>
+              <a:rPr lang="en-US" dirty="0">
+                <a:hlinkClick r:id="rId3"/>
+              </a:rPr>
+              <a:t>http://</a:t>
+            </a:r>
+            <a:r>
+              <a:rPr lang="en-US" dirty="0" smtClean="0">
+                <a:hlinkClick r:id="rId3"/>
+              </a:rPr>
+              <a:t>www.joelonsoftware.com/articles/fog0000000043.html</a:t>
+            </a:r>
+            <a:endParaRPr lang="en-US" dirty="0"/>
+          </a:p>
+        </p:txBody>
+      </p:sp>
+    </p:spTree>
+    <p:extLst>
+      <p:ext uri="{BB962C8B-B14F-4D97-AF65-F5344CB8AC3E}">
+        <p14:creationId xmlns:p14="http://schemas.microsoft.com/office/powerpoint/2010/main" val="3522902622"/>
       </p:ext>
     </p:extLst>
   </p:cSld>
@@ -5285,8 +5420,140 @@
         </p:nvSpPr>
         <p:spPr/>
         <p:txBody>
+          <a:bodyPr/>
+          <a:lstStyle/>
+          <a:p>
+            <a:r>
+              <a:rPr lang="ru-RU" dirty="0"/>
+              <a:t>Основополагающие принципы</a:t>
+            </a:r>
+          </a:p>
+        </p:txBody>
+      </p:sp>
+      <p:sp>
+        <p:nvSpPr>
+          <p:cNvPr id="3" name="Content Placeholder 2"/>
+          <p:cNvSpPr>
+            <a:spLocks noGrp="1"/>
+          </p:cNvSpPr>
+          <p:nvPr>
+            <p:ph idx="1"/>
+          </p:nvPr>
+        </p:nvSpPr>
+        <p:spPr/>
+        <p:txBody>
+          <a:bodyPr/>
+          <a:lstStyle/>
+          <a:p>
+            <a:r>
+              <a:rPr lang="ru-RU" dirty="0"/>
+              <a:t>Разделение </a:t>
+            </a:r>
+            <a:r>
+              <a:rPr lang="ru-RU" dirty="0" smtClean="0"/>
+              <a:t>ответственности</a:t>
+            </a:r>
+          </a:p>
+          <a:p>
+            <a:r>
+              <a:rPr lang="ru-RU" dirty="0"/>
+              <a:t>Принцип единственной </a:t>
+            </a:r>
+            <a:r>
+              <a:rPr lang="ru-RU" dirty="0" smtClean="0"/>
+              <a:t>обязанности</a:t>
+            </a:r>
+          </a:p>
+          <a:p>
+            <a:r>
+              <a:rPr lang="en-US" dirty="0"/>
+              <a:t>Principle of Least </a:t>
+            </a:r>
+            <a:r>
+              <a:rPr lang="en-US" dirty="0" smtClean="0"/>
+              <a:t>Knowledge</a:t>
+            </a:r>
+            <a:endParaRPr lang="ru-RU" dirty="0" smtClean="0"/>
+          </a:p>
+          <a:p>
+            <a:r>
+              <a:rPr lang="ru-RU" dirty="0"/>
+              <a:t>Не </a:t>
+            </a:r>
+            <a:r>
+              <a:rPr lang="ru-RU" dirty="0" smtClean="0"/>
+              <a:t>повторяйся</a:t>
+            </a:r>
+          </a:p>
+          <a:p>
+            <a:r>
+              <a:rPr lang="en-US" dirty="0"/>
+              <a:t>Minimize upfront </a:t>
+            </a:r>
+            <a:r>
+              <a:rPr lang="en-US" dirty="0" smtClean="0"/>
+              <a:t>design</a:t>
+            </a:r>
+            <a:endParaRPr lang="ru-RU" dirty="0" smtClean="0"/>
+          </a:p>
+          <a:p>
+            <a:endParaRPr lang="ru-RU" dirty="0" smtClean="0"/>
+          </a:p>
+          <a:p>
+            <a:endParaRPr lang="ru-RU" dirty="0" smtClean="0"/>
+          </a:p>
+          <a:p>
+            <a:endParaRPr lang="ru-RU" dirty="0" smtClean="0"/>
+          </a:p>
+          <a:p>
+            <a:endParaRPr lang="ru-RU" dirty="0"/>
+          </a:p>
+        </p:txBody>
+      </p:sp>
+    </p:spTree>
+    <p:extLst>
+      <p:ext uri="{BB962C8B-B14F-4D97-AF65-F5344CB8AC3E}">
+        <p14:creationId xmlns:p14="http://schemas.microsoft.com/office/powerpoint/2010/main" val="4278079715"/>
+      </p:ext>
+    </p:extLst>
+  </p:cSld>
+  <p:clrMapOvr>
+    <a:masterClrMapping/>
+  </p:clrMapOvr>
+</p:sld>
+</file>
+
+<file path=ppt/slides/slide8.xml><?xml version="1.0" encoding="utf-8"?>
+<p:sld xmlns:a="http://schemas.openxmlformats.org/drawingml/2006/main" xmlns:r="http://schemas.openxmlformats.org/officeDocument/2006/relationships" xmlns:p="http://schemas.openxmlformats.org/presentationml/2006/main">
+  <p:cSld>
+    <p:spTree>
+      <p:nvGrpSpPr>
+        <p:cNvPr id="1" name=""/>
+        <p:cNvGrpSpPr/>
+        <p:nvPr/>
+      </p:nvGrpSpPr>
+      <p:grpSpPr>
+        <a:xfrm>
+          <a:off x="0" y="0"/>
+          <a:ext cx="0" cy="0"/>
+          <a:chOff x="0" y="0"/>
+          <a:chExt cx="0" cy="0"/>
+        </a:xfrm>
+      </p:grpSpPr>
+      <p:sp>
+        <p:nvSpPr>
+          <p:cNvPr id="2" name="Title 1"/>
+          <p:cNvSpPr>
+            <a:spLocks noGrp="1"/>
+          </p:cNvSpPr>
+          <p:nvPr>
+            <p:ph type="title"/>
+          </p:nvPr>
+        </p:nvSpPr>
+        <p:spPr/>
+        <p:txBody>
           <a:bodyPr>
-            <a:normAutofit fontScale="90000"/>
+            <a:normAutofit/>
           </a:bodyPr>
           <a:lstStyle/>
           <a:p>
@@ -5295,8 +5562,8 @@
               <a:buAutoNum type="arabicPeriod"/>
             </a:pPr>
             <a:r>
-              <a:rPr lang="ru-RU" dirty="0" smtClean="0"/>
-              <a:t>Основополагающие принципы </a:t>
+              <a:rPr lang="ru-RU" dirty="0"/>
+              <a:t>Разделение ответственности </a:t>
             </a:r>
             <a:endParaRPr lang="en-US" dirty="0"/>
           </a:p>
@@ -5315,21 +5582,29 @@
         <p:spPr/>
         <p:txBody>
           <a:bodyPr>
-            <a:normAutofit lnSpcReduction="10000"/>
+            <a:normAutofit fontScale="92500" lnSpcReduction="10000"/>
           </a:bodyPr>
           <a:lstStyle/>
           <a:p>
             <a:r>
-              <a:rPr lang="en-US" b="1" dirty="0"/>
-              <a:t>Separation of concerns</a:t>
-            </a:r>
-            <a:r>
-              <a:rPr lang="en-US" dirty="0"/>
-              <a:t>. Divide your application into distinct features with as little overlap in functionality as possible. The important factor is minimization of interaction points to achieve high cohesion and low coupling. However, separating functionality at the wrong boundaries can result in high coupling and complexity between features even though the contained functionality within a feature does not significantly overlap</a:t>
+              <a:rPr lang="ru-RU" b="1" dirty="0"/>
+              <a:t>Разделение </a:t>
+            </a:r>
+            <a:r>
+              <a:rPr lang="ru-RU" b="1" dirty="0" smtClean="0"/>
+              <a:t>ответственности</a:t>
+            </a:r>
+            <a:r>
+              <a:rPr lang="en-US" b="1" dirty="0" smtClean="0"/>
+              <a:t> (</a:t>
+            </a:r>
+            <a:r>
+              <a:rPr lang="en-US" b="1" dirty="0" smtClean="0"/>
+              <a:t>Separation of concerns)</a:t>
             </a:r>
             <a:r>
               <a:rPr lang="en-US" dirty="0" smtClean="0"/>
-              <a:t>.</a:t>
+              <a:t>. Divide your application into distinct features with as little overlap in functionality as possible. The important factor is minimization of interaction points to achieve high cohesion and low coupling. However, separating functionality at the wrong boundaries can result in high coupling and complexity between features even though the contained functionality within a feature does not significantly overlap.</a:t>
             </a:r>
             <a:endParaRPr lang="en-US" dirty="0"/>
           </a:p>
@@ -5348,7 +5623,7 @@
 </p:sld>
 </file>
 
-<file path=ppt/slides/slide8.xml><?xml version="1.0" encoding="utf-8"?>
+<file path=ppt/slides/slide9.xml><?xml version="1.0" encoding="utf-8"?>
 <p:sld xmlns:a="http://schemas.openxmlformats.org/drawingml/2006/main" xmlns:r="http://schemas.openxmlformats.org/officeDocument/2006/relationships" xmlns:p="http://schemas.openxmlformats.org/presentationml/2006/main">
   <p:cSld>
     <p:bg>
@@ -5454,100 +5729,6 @@
     <p:extLst>
       <p:ext uri="{BB962C8B-B14F-4D97-AF65-F5344CB8AC3E}">
         <p14:creationId xmlns:p14="http://schemas.microsoft.com/office/powerpoint/2010/main" val="3185773920"/>
-      </p:ext>
-    </p:extLst>
-  </p:cSld>
-  <p:clrMapOvr>
-    <a:masterClrMapping/>
-  </p:clrMapOvr>
-</p:sld>
-</file>
-
-<file path=ppt/slides/slide9.xml><?xml version="1.0" encoding="utf-8"?>
-<p:sld xmlns:a="http://schemas.openxmlformats.org/drawingml/2006/main" xmlns:r="http://schemas.openxmlformats.org/officeDocument/2006/relationships" xmlns:p="http://schemas.openxmlformats.org/presentationml/2006/main">
-  <p:cSld>
-    <p:spTree>
-      <p:nvGrpSpPr>
-        <p:cNvPr id="1" name=""/>
-        <p:cNvGrpSpPr/>
-        <p:nvPr/>
-      </p:nvGrpSpPr>
-      <p:grpSpPr>
-        <a:xfrm>
-          <a:off x="0" y="0"/>
-          <a:ext cx="0" cy="0"/>
-          <a:chOff x="0" y="0"/>
-          <a:chExt cx="0" cy="0"/>
-        </a:xfrm>
-      </p:grpSpPr>
-      <p:sp>
-        <p:nvSpPr>
-          <p:cNvPr id="2" name="Title 1"/>
-          <p:cNvSpPr>
-            <a:spLocks noGrp="1"/>
-          </p:cNvSpPr>
-          <p:nvPr>
-            <p:ph type="title"/>
-          </p:nvPr>
-        </p:nvSpPr>
-        <p:spPr/>
-        <p:txBody>
-          <a:bodyPr>
-            <a:normAutofit fontScale="90000"/>
-          </a:bodyPr>
-          <a:lstStyle/>
-          <a:p>
-            <a:pPr marL="742950" indent="-742950">
-              <a:buFont typeface="+mj-lt"/>
-              <a:buAutoNum type="arabicPeriod" startAt="2"/>
-            </a:pPr>
-            <a:r>
-              <a:rPr lang="ru-RU" dirty="0" smtClean="0"/>
-              <a:t>Основополагающие принципы</a:t>
-            </a:r>
-            <a:endParaRPr lang="en-US" dirty="0"/>
-          </a:p>
-        </p:txBody>
-      </p:sp>
-      <p:sp>
-        <p:nvSpPr>
-          <p:cNvPr id="3" name="Content Placeholder 2"/>
-          <p:cNvSpPr>
-            <a:spLocks noGrp="1"/>
-          </p:cNvSpPr>
-          <p:nvPr>
-            <p:ph idx="1"/>
-          </p:nvPr>
-        </p:nvSpPr>
-        <p:spPr/>
-        <p:txBody>
-          <a:bodyPr>
-            <a:normAutofit/>
-          </a:bodyPr>
-          <a:lstStyle/>
-          <a:p>
-            <a:r>
-              <a:rPr lang="en-US" b="1" dirty="0" smtClean="0"/>
-              <a:t>Single </a:t>
-            </a:r>
-            <a:r>
-              <a:rPr lang="en-US" b="1" dirty="0"/>
-              <a:t>Responsibility principle</a:t>
-            </a:r>
-            <a:r>
-              <a:rPr lang="en-US" dirty="0"/>
-              <a:t>. Each component or module should be responsible for only a specific feature or functionality, or aggregation of cohesive functionality.</a:t>
-            </a:r>
-          </a:p>
-          <a:p>
-            <a:endParaRPr lang="en-US" dirty="0"/>
-          </a:p>
-        </p:txBody>
-      </p:sp>
-    </p:spTree>
-    <p:extLst>
-      <p:ext uri="{BB962C8B-B14F-4D97-AF65-F5344CB8AC3E}">
-        <p14:creationId xmlns:p14="http://schemas.microsoft.com/office/powerpoint/2010/main" val="546871388"/>
       </p:ext>
     </p:extLst>
   </p:cSld>

--- a/Presentation/lesson-14-architecture.pptx
+++ b/Presentation/lesson-14-architecture.pptx
@@ -5,7 +5,7 @@
     <p:sldMasterId id="2147483648" r:id="rId1"/>
   </p:sldMasterIdLst>
   <p:notesMasterIdLst>
-    <p:notesMasterId r:id="rId22"/>
+    <p:notesMasterId r:id="rId23"/>
   </p:notesMasterIdLst>
   <p:sldIdLst>
     <p:sldId id="258" r:id="rId2"/>
@@ -15,19 +15,20 @@
     <p:sldId id="261" r:id="rId6"/>
     <p:sldId id="262" r:id="rId7"/>
     <p:sldId id="278" r:id="rId8"/>
-    <p:sldId id="263" r:id="rId9"/>
-    <p:sldId id="264" r:id="rId10"/>
-    <p:sldId id="265" r:id="rId11"/>
-    <p:sldId id="266" r:id="rId12"/>
-    <p:sldId id="267" r:id="rId13"/>
-    <p:sldId id="268" r:id="rId14"/>
-    <p:sldId id="271" r:id="rId15"/>
-    <p:sldId id="272" r:id="rId16"/>
-    <p:sldId id="270" r:id="rId17"/>
-    <p:sldId id="273" r:id="rId18"/>
-    <p:sldId id="274" r:id="rId19"/>
-    <p:sldId id="275" r:id="rId20"/>
-    <p:sldId id="276" r:id="rId21"/>
+    <p:sldId id="279" r:id="rId9"/>
+    <p:sldId id="263" r:id="rId10"/>
+    <p:sldId id="264" r:id="rId11"/>
+    <p:sldId id="265" r:id="rId12"/>
+    <p:sldId id="266" r:id="rId13"/>
+    <p:sldId id="267" r:id="rId14"/>
+    <p:sldId id="268" r:id="rId15"/>
+    <p:sldId id="271" r:id="rId16"/>
+    <p:sldId id="272" r:id="rId17"/>
+    <p:sldId id="270" r:id="rId18"/>
+    <p:sldId id="273" r:id="rId19"/>
+    <p:sldId id="274" r:id="rId20"/>
+    <p:sldId id="275" r:id="rId21"/>
+    <p:sldId id="276" r:id="rId22"/>
   </p:sldIdLst>
   <p:sldSz cx="9144000" cy="6858000" type="screen4x3"/>
   <p:notesSz cx="6858000" cy="9144000"/>
@@ -211,7 +212,7 @@
           <a:p>
             <a:fld id="{B24A7054-7FFB-49F4-A126-5DF6E687FF53}" type="datetimeFigureOut">
               <a:rPr lang="ru-RU" smtClean="0"/>
-              <a:t>04.12.2013</a:t>
+              <a:t>05.09.2014</a:t>
             </a:fld>
             <a:endParaRPr lang="ru-RU"/>
           </a:p>
@@ -1274,7 +1275,7 @@
           <a:p>
             <a:fld id="{8E6E6A2A-E9D3-4A0D-B04A-ABDD367A1E08}" type="datetimeFigureOut">
               <a:rPr lang="ru-RU" smtClean="0"/>
-              <a:t>04.12.2013</a:t>
+              <a:t>05.09.2014</a:t>
             </a:fld>
             <a:endParaRPr lang="ru-RU"/>
           </a:p>
@@ -2722,7 +2723,7 @@
           <a:p>
             <a:fld id="{AC3D3127-B7C4-45E3-9797-C527EC9FDD78}" type="datetimeFigureOut">
               <a:rPr lang="ru-RU" smtClean="0"/>
-              <a:t>04.12.2013</a:t>
+              <a:t>05.09.2014</a:t>
             </a:fld>
             <a:endParaRPr lang="ru-RU"/>
           </a:p>
@@ -3287,6 +3288,14 @@
 <file path=ppt/slides/slide10.xml><?xml version="1.0" encoding="utf-8"?>
 <p:sld xmlns:a="http://schemas.openxmlformats.org/drawingml/2006/main" xmlns:r="http://schemas.openxmlformats.org/officeDocument/2006/relationships" xmlns:p="http://schemas.openxmlformats.org/presentationml/2006/main">
   <p:cSld>
+    <p:bg>
+      <p:bgPr>
+        <a:solidFill>
+          <a:schemeClr val="accent1"/>
+        </a:solidFill>
+        <a:effectLst/>
+      </p:bgPr>
+    </p:bg>
     <p:spTree>
       <p:nvGrpSpPr>
         <p:cNvPr id="1" name=""/>
@@ -3301,9 +3310,50 @@
           <a:chExt cx="0" cy="0"/>
         </a:xfrm>
       </p:grpSpPr>
+      <p:pic>
+        <p:nvPicPr>
+          <p:cNvPr id="3074" name="Picture 2" descr="Ee658124.b8220f0d-f76a-40d6-8b1b-5279f7cdcee9(en-us,PandP.10).png"/>
+          <p:cNvPicPr>
+            <a:picLocks noChangeAspect="1" noChangeArrowheads="1"/>
+          </p:cNvPicPr>
+          <p:nvPr/>
+        </p:nvPicPr>
+        <p:blipFill>
+          <a:blip r:embed="rId2">
+            <a:extLst>
+              <a:ext uri="{28A0092B-C50C-407E-A947-70E740481C1C}">
+                <a14:useLocalDpi xmlns:a14="http://schemas.microsoft.com/office/drawing/2010/main" val="0"/>
+              </a:ext>
+            </a:extLst>
+          </a:blip>
+          <a:srcRect/>
+          <a:stretch>
+            <a:fillRect/>
+          </a:stretch>
+        </p:blipFill>
+        <p:spPr bwMode="auto">
+          <a:xfrm>
+            <a:off x="2147888" y="1361652"/>
+            <a:ext cx="4848225" cy="5019676"/>
+          </a:xfrm>
+          <a:prstGeom prst="rect">
+            <a:avLst/>
+          </a:prstGeom>
+          <a:noFill/>
+          <a:extLst>
+            <a:ext uri="{909E8E84-426E-40DD-AFC4-6F175D3DCCD1}">
+              <a14:hiddenFill xmlns:a14="http://schemas.microsoft.com/office/drawing/2010/main">
+                <a:solidFill>
+                  <a:srgbClr val="FFFFFF"/>
+                </a:solidFill>
+              </a14:hiddenFill>
+            </a:ext>
+          </a:extLst>
+        </p:spPr>
+      </p:pic>
       <p:sp>
         <p:nvSpPr>
-          <p:cNvPr id="2" name="Title 1"/>
+          <p:cNvPr id="5" name="Title 1"/>
           <p:cNvSpPr>
             <a:spLocks noGrp="1"/>
           </p:cNvSpPr>
@@ -3311,82 +3361,49 @@
             <p:ph type="title"/>
           </p:nvPr>
         </p:nvSpPr>
-        <p:spPr/>
+        <p:spPr>
+          <a:xfrm>
+            <a:off x="457200" y="274638"/>
+            <a:ext cx="8229600" cy="1143000"/>
+          </a:xfrm>
+        </p:spPr>
         <p:txBody>
-          <a:bodyPr>
-            <a:normAutofit fontScale="90000"/>
-          </a:bodyPr>
+          <a:bodyPr/>
           <a:lstStyle/>
           <a:p>
-            <a:pPr marL="742950" indent="-742950">
-              <a:buFont typeface="+mj-lt"/>
-              <a:buAutoNum type="arabicPeriod" startAt="2"/>
-            </a:pPr>
-            <a:r>
-              <a:rPr lang="ru-RU" dirty="0" smtClean="0"/>
-              <a:t>Принцип </a:t>
-            </a:r>
-            <a:r>
-              <a:rPr lang="ru-RU" dirty="0"/>
-              <a:t>единственной обязанности</a:t>
-            </a:r>
-            <a:endParaRPr lang="en-US" dirty="0"/>
-          </a:p>
-        </p:txBody>
-      </p:sp>
-      <p:sp>
-        <p:nvSpPr>
-          <p:cNvPr id="3" name="Content Placeholder 2"/>
-          <p:cNvSpPr>
-            <a:spLocks noGrp="1"/>
-          </p:cNvSpPr>
-          <p:nvPr>
-            <p:ph idx="1"/>
-          </p:nvPr>
-        </p:nvSpPr>
-        <p:spPr/>
-        <p:txBody>
-          <a:bodyPr>
-            <a:normAutofit/>
-          </a:bodyPr>
-          <a:lstStyle/>
-          <a:p>
-            <a:r>
-              <a:rPr lang="ru-RU" b="1" dirty="0"/>
-              <a:t>Принцип единственной </a:t>
-            </a:r>
-            <a:r>
-              <a:rPr lang="ru-RU" b="1" dirty="0" smtClean="0"/>
-              <a:t>обязанности</a:t>
-            </a:r>
-            <a:r>
-              <a:rPr lang="en-US" b="1" dirty="0" smtClean="0"/>
-              <a:t> (</a:t>
-            </a:r>
-            <a:r>
-              <a:rPr lang="en-US" b="1" dirty="0" smtClean="0"/>
-              <a:t>Single Responsibility principle)</a:t>
-            </a:r>
-            <a:r>
-              <a:rPr lang="en-US" dirty="0" smtClean="0"/>
-              <a:t>. Each component or module should be responsible for only a specific feature or functionality, or aggregation of cohesive functionality.</a:t>
-            </a:r>
-          </a:p>
-          <a:p>
-            <a:endParaRPr lang="en-US" dirty="0"/>
+            <a:r>
+              <a:rPr lang="ru-RU" dirty="0" smtClean="0">
+                <a:solidFill>
+                  <a:srgbClr val="000000"/>
+                </a:solidFill>
+              </a:rPr>
+              <a:t>Типичная архитектура</a:t>
+            </a:r>
+            <a:endParaRPr lang="en-US" dirty="0">
+              <a:solidFill>
+                <a:srgbClr val="000000"/>
+              </a:solidFill>
+            </a:endParaRPr>
           </a:p>
         </p:txBody>
       </p:sp>
     </p:spTree>
     <p:extLst>
       <p:ext uri="{BB962C8B-B14F-4D97-AF65-F5344CB8AC3E}">
-        <p14:creationId xmlns:p14="http://schemas.microsoft.com/office/powerpoint/2010/main" val="546871388"/>
+        <p14:creationId xmlns:p14="http://schemas.microsoft.com/office/powerpoint/2010/main" val="3185773920"/>
       </p:ext>
     </p:extLst>
   </p:cSld>
   <p:clrMapOvr>
     <a:masterClrMapping/>
   </p:clrMapOvr>
+  <p:timing>
+    <p:tnLst>
+      <p:par>
+        <p:cTn id="1" dur="indefinite" restart="never" nodeType="tmRoot"/>
+      </p:par>
+    </p:tnLst>
+  </p:timing>
 </p:sld>
 </file>
 
@@ -3426,11 +3443,15 @@
           <a:p>
             <a:pPr marL="742950" indent="-742950">
               <a:buFont typeface="+mj-lt"/>
-              <a:buAutoNum type="arabicPeriod" startAt="3"/>
+              <a:buAutoNum type="arabicPeriod" startAt="2"/>
             </a:pPr>
             <a:r>
               <a:rPr lang="ru-RU" dirty="0" smtClean="0"/>
-              <a:t>Основополагающие принципы</a:t>
+              <a:t>Принцип </a:t>
+            </a:r>
+            <a:r>
+              <a:rPr lang="ru-RU" dirty="0"/>
+              <a:t>единственной обязанности</a:t>
             </a:r>
             <a:endParaRPr lang="en-US" dirty="0"/>
           </a:p>
@@ -3454,24 +3475,20 @@
           <a:lstStyle/>
           <a:p>
             <a:r>
+              <a:rPr lang="ru-RU" b="1" dirty="0"/>
+              <a:t>Принцип единственной </a:t>
+            </a:r>
+            <a:r>
+              <a:rPr lang="ru-RU" b="1" dirty="0" smtClean="0"/>
+              <a:t>обязанности</a:t>
+            </a:r>
+            <a:r>
               <a:rPr lang="en-US" b="1" dirty="0" smtClean="0"/>
-              <a:t>Principle </a:t>
-            </a:r>
-            <a:r>
-              <a:rPr lang="en-US" b="1" dirty="0"/>
-              <a:t>of Least Knowledge </a:t>
-            </a:r>
-            <a:r>
-              <a:rPr lang="en-US" dirty="0"/>
-              <a:t>(also known as the Law of Demeter or </a:t>
-            </a:r>
-            <a:r>
-              <a:rPr lang="en-US" dirty="0" err="1"/>
-              <a:t>LoD</a:t>
-            </a:r>
-            <a:r>
-              <a:rPr lang="en-US" dirty="0"/>
-              <a:t>). A component or object should not know about internal details of other components or objects. </a:t>
+              <a:t> (Single Responsibility principle)</a:t>
+            </a:r>
+            <a:r>
+              <a:rPr lang="en-US" dirty="0" smtClean="0"/>
+              <a:t>. Each component or module should be responsible for only a specific feature or functionality, or aggregation of cohesive functionality.</a:t>
             </a:r>
           </a:p>
           <a:p>
@@ -3482,7 +3499,7 @@
     </p:spTree>
     <p:extLst>
       <p:ext uri="{BB962C8B-B14F-4D97-AF65-F5344CB8AC3E}">
-        <p14:creationId xmlns:p14="http://schemas.microsoft.com/office/powerpoint/2010/main" val="1000591932"/>
+        <p14:creationId xmlns:p14="http://schemas.microsoft.com/office/powerpoint/2010/main" val="546871388"/>
       </p:ext>
     </p:extLst>
   </p:cSld>
@@ -3522,25 +3539,17 @@
         <p:spPr/>
         <p:txBody>
           <a:bodyPr>
-            <a:normAutofit/>
+            <a:normAutofit fontScale="90000"/>
           </a:bodyPr>
           <a:lstStyle/>
           <a:p>
             <a:pPr marL="742950" indent="-742950">
               <a:buFont typeface="+mj-lt"/>
-              <a:buAutoNum type="arabicPeriod" startAt="4"/>
+              <a:buAutoNum type="arabicPeriod" startAt="3"/>
             </a:pPr>
             <a:r>
-              <a:rPr lang="ru-RU" dirty="0"/>
-              <a:t>Не </a:t>
-            </a:r>
-            <a:r>
               <a:rPr lang="ru-RU" dirty="0" smtClean="0"/>
-              <a:t>повторяйся</a:t>
-            </a:r>
-            <a:r>
-              <a:rPr lang="en-US" dirty="0" smtClean="0"/>
-              <a:t>!</a:t>
+              <a:t>Основополагающие принципы</a:t>
             </a:r>
             <a:endParaRPr lang="en-US" dirty="0"/>
           </a:p>
@@ -3564,36 +3573,24 @@
           <a:lstStyle/>
           <a:p>
             <a:r>
-              <a:rPr lang="ru-RU" b="1" dirty="0"/>
-              <a:t>Не </a:t>
-            </a:r>
-            <a:r>
-              <a:rPr lang="ru-RU" b="1" dirty="0" smtClean="0"/>
-              <a:t>повторяйся</a:t>
-            </a:r>
-            <a:r>
               <a:rPr lang="en-US" b="1" dirty="0" smtClean="0"/>
-              <a:t> (</a:t>
-            </a:r>
-            <a:r>
-              <a:rPr lang="en-US" b="1" dirty="0" smtClean="0"/>
-              <a:t>Don’t </a:t>
+              <a:t>Principle </a:t>
             </a:r>
             <a:r>
               <a:rPr lang="en-US" b="1" dirty="0"/>
-              <a:t>repeat yourself </a:t>
-            </a:r>
-            <a:r>
-              <a:rPr lang="en-US" b="1" dirty="0" smtClean="0"/>
-              <a:t>- DRY</a:t>
-            </a:r>
-            <a:r>
-              <a:rPr lang="en-US" b="1" dirty="0"/>
-              <a:t>)</a:t>
+              <a:t>of Least Knowledge </a:t>
             </a:r>
             <a:r>
               <a:rPr lang="en-US" dirty="0"/>
-              <a:t>. You should only need to specify intent in one place. For example, in terms of application design, specific functionality should be implemented in only one component; the functionality should not be duplicated in any other component. </a:t>
+              <a:t>(also known as the Law of Demeter or </a:t>
+            </a:r>
+            <a:r>
+              <a:rPr lang="en-US" dirty="0" err="1"/>
+              <a:t>LoD</a:t>
+            </a:r>
+            <a:r>
+              <a:rPr lang="en-US" dirty="0"/>
+              <a:t>). A component or object should not know about internal details of other components or objects. </a:t>
             </a:r>
           </a:p>
           <a:p>
@@ -3604,7 +3601,7 @@
     </p:spTree>
     <p:extLst>
       <p:ext uri="{BB962C8B-B14F-4D97-AF65-F5344CB8AC3E}">
-        <p14:creationId xmlns:p14="http://schemas.microsoft.com/office/powerpoint/2010/main" val="3119653803"/>
+        <p14:creationId xmlns:p14="http://schemas.microsoft.com/office/powerpoint/2010/main" val="1000591932"/>
       </p:ext>
     </p:extLst>
   </p:cSld>
@@ -3644,17 +3641,25 @@
         <p:spPr/>
         <p:txBody>
           <a:bodyPr>
-            <a:normAutofit fontScale="90000"/>
+            <a:normAutofit/>
           </a:bodyPr>
           <a:lstStyle/>
           <a:p>
             <a:pPr marL="742950" indent="-742950">
               <a:buFont typeface="+mj-lt"/>
-              <a:buAutoNum type="arabicPeriod" startAt="5"/>
+              <a:buAutoNum type="arabicPeriod" startAt="4"/>
             </a:pPr>
             <a:r>
+              <a:rPr lang="ru-RU" dirty="0"/>
+              <a:t>Не </a:t>
+            </a:r>
+            <a:r>
               <a:rPr lang="ru-RU" dirty="0" smtClean="0"/>
-              <a:t>Основополагающие принципы</a:t>
+              <a:t>повторяйся</a:t>
+            </a:r>
+            <a:r>
+              <a:rPr lang="en-US" dirty="0" smtClean="0"/>
+              <a:t>!</a:t>
             </a:r>
             <a:endParaRPr lang="en-US" dirty="0"/>
           </a:p>
@@ -3673,37 +3678,37 @@
         <p:spPr/>
         <p:txBody>
           <a:bodyPr>
-            <a:normAutofit fontScale="92500" lnSpcReduction="20000"/>
+            <a:normAutofit/>
           </a:bodyPr>
           <a:lstStyle/>
           <a:p>
             <a:r>
+              <a:rPr lang="ru-RU" b="1" dirty="0"/>
+              <a:t>Не </a:t>
+            </a:r>
+            <a:r>
+              <a:rPr lang="ru-RU" b="1" dirty="0" smtClean="0"/>
+              <a:t>повторяйся</a:t>
+            </a:r>
+            <a:r>
               <a:rPr lang="en-US" b="1" dirty="0" smtClean="0"/>
-              <a:t>Minimize </a:t>
+              <a:t> (Don’t </a:t>
             </a:r>
             <a:r>
               <a:rPr lang="en-US" b="1" dirty="0"/>
-              <a:t>upfront design. </a:t>
+              <a:t>repeat yourself </a:t>
+            </a:r>
+            <a:r>
+              <a:rPr lang="en-US" b="1" dirty="0" smtClean="0"/>
+              <a:t>- DRY</a:t>
+            </a:r>
+            <a:r>
+              <a:rPr lang="en-US" b="1" dirty="0"/>
+              <a:t>)</a:t>
             </a:r>
             <a:r>
               <a:rPr lang="en-US" dirty="0"/>
-              <a:t>Only design what is necessary. In some cases, you may require upfront comprehensive design and testing if the cost of development or a failure in the design is very high. In other cases, especially for agile development, you can avoid big design upfront (BDUF). If your application requirements are unclear, or if there is a possibility of the design evolving over time, avoid making a large design effort prematurely. This principle is sometimes known as YAGNI ("You </a:t>
-            </a:r>
-            <a:r>
-              <a:rPr lang="en-US" dirty="0" err="1"/>
-              <a:t>ain’t</a:t>
-            </a:r>
-            <a:r>
-              <a:rPr lang="en-US" dirty="0"/>
-              <a:t> </a:t>
-            </a:r>
-            <a:r>
-              <a:rPr lang="en-US" dirty="0" err="1"/>
-              <a:t>gonna</a:t>
-            </a:r>
-            <a:r>
-              <a:rPr lang="en-US" dirty="0"/>
-              <a:t> need it").</a:t>
+              <a:t>. You should only need to specify intent in one place. For example, in terms of application design, specific functionality should be implemented in only one component; the functionality should not be duplicated in any other component. </a:t>
             </a:r>
           </a:p>
           <a:p>
@@ -3714,7 +3719,7 @@
     </p:spTree>
     <p:extLst>
       <p:ext uri="{BB962C8B-B14F-4D97-AF65-F5344CB8AC3E}">
-        <p14:creationId xmlns:p14="http://schemas.microsoft.com/office/powerpoint/2010/main" val="1171042694"/>
+        <p14:creationId xmlns:p14="http://schemas.microsoft.com/office/powerpoint/2010/main" val="3119653803"/>
       </p:ext>
     </p:extLst>
   </p:cSld>
@@ -3753,12 +3758,18 @@
         </p:nvSpPr>
         <p:spPr/>
         <p:txBody>
-          <a:bodyPr/>
+          <a:bodyPr>
+            <a:normAutofit fontScale="90000"/>
+          </a:bodyPr>
           <a:lstStyle/>
           <a:p>
+            <a:pPr marL="742950" indent="-742950">
+              <a:buFont typeface="+mj-lt"/>
+              <a:buAutoNum type="arabicPeriod" startAt="5"/>
+            </a:pPr>
             <a:r>
               <a:rPr lang="ru-RU" dirty="0" smtClean="0"/>
-              <a:t>Жизненный цикл ПО</a:t>
+              <a:t>Основополагающие принципы</a:t>
             </a:r>
             <a:endParaRPr lang="en-US" dirty="0"/>
           </a:p>
@@ -3782,137 +3793,35 @@
           <a:lstStyle/>
           <a:p>
             <a:r>
-              <a:rPr lang="ru-RU" dirty="0" smtClean="0"/>
-              <a:t>Требования (</a:t>
-            </a:r>
-            <a:r>
-              <a:rPr lang="en-US" dirty="0" smtClean="0"/>
-              <a:t>Requirements</a:t>
-            </a:r>
-            <a:r>
-              <a:rPr lang="ru-RU" dirty="0" smtClean="0"/>
-              <a:t>)</a:t>
-            </a:r>
-            <a:endParaRPr lang="en-US" dirty="0"/>
-          </a:p>
-          <a:p>
-            <a:r>
-              <a:rPr lang="ru-RU" dirty="0" smtClean="0"/>
-              <a:t>Спецификация (</a:t>
-            </a:r>
-            <a:r>
-              <a:rPr lang="en-US" dirty="0" smtClean="0"/>
-              <a:t>Specification</a:t>
-            </a:r>
-            <a:r>
-              <a:rPr lang="ru-RU" dirty="0" smtClean="0"/>
-              <a:t>)</a:t>
-            </a:r>
-            <a:endParaRPr lang="en-US" dirty="0"/>
-          </a:p>
-          <a:p>
-            <a:r>
-              <a:rPr lang="ru-RU" dirty="0" smtClean="0"/>
-              <a:t>Архитектура (</a:t>
-            </a:r>
-            <a:r>
-              <a:rPr lang="en-US" dirty="0" smtClean="0"/>
-              <a:t>Architecture</a:t>
-            </a:r>
-            <a:r>
-              <a:rPr lang="ru-RU" dirty="0" smtClean="0"/>
-              <a:t>)</a:t>
-            </a:r>
-            <a:endParaRPr lang="en-US" dirty="0"/>
-          </a:p>
-          <a:p>
-            <a:r>
-              <a:rPr lang="ru-RU" dirty="0" smtClean="0"/>
-              <a:t>Дизайн (</a:t>
-            </a:r>
-            <a:r>
-              <a:rPr lang="en-US" dirty="0" smtClean="0"/>
-              <a:t>Design</a:t>
-            </a:r>
-            <a:r>
-              <a:rPr lang="ru-RU" dirty="0" smtClean="0"/>
-              <a:t>)</a:t>
-            </a:r>
-            <a:endParaRPr lang="en-US" dirty="0"/>
-          </a:p>
-          <a:p>
-            <a:r>
-              <a:rPr lang="ru-RU" dirty="0" smtClean="0"/>
-              <a:t>Программирование (</a:t>
-            </a:r>
-            <a:r>
-              <a:rPr lang="en-US" dirty="0" smtClean="0"/>
-              <a:t>Implementation</a:t>
-            </a:r>
-            <a:r>
-              <a:rPr lang="ru-RU" dirty="0" smtClean="0"/>
-              <a:t>)</a:t>
-            </a:r>
-            <a:endParaRPr lang="en-US" dirty="0"/>
-          </a:p>
-          <a:p>
-            <a:r>
-              <a:rPr lang="ru-RU" dirty="0" smtClean="0"/>
-              <a:t>Тестирование (</a:t>
-            </a:r>
-            <a:r>
-              <a:rPr lang="en-US" dirty="0" smtClean="0"/>
-              <a:t>Testing</a:t>
-            </a:r>
-            <a:r>
-              <a:rPr lang="ru-RU" dirty="0" smtClean="0"/>
-              <a:t>)</a:t>
-            </a:r>
-            <a:endParaRPr lang="en-US" dirty="0"/>
-          </a:p>
-          <a:p>
-            <a:r>
-              <a:rPr lang="ru-RU" dirty="0" smtClean="0"/>
-              <a:t>Отладка (</a:t>
-            </a:r>
-            <a:r>
-              <a:rPr lang="en-US" dirty="0" smtClean="0"/>
-              <a:t>Debugging</a:t>
-            </a:r>
-            <a:r>
-              <a:rPr lang="ru-RU" dirty="0" smtClean="0"/>
-              <a:t>)</a:t>
-            </a:r>
-            <a:endParaRPr lang="en-US" dirty="0"/>
-          </a:p>
-          <a:p>
-            <a:r>
-              <a:rPr lang="ru-RU" dirty="0" smtClean="0"/>
-              <a:t>Дистрибутив (</a:t>
-            </a:r>
-            <a:r>
-              <a:rPr lang="en-US" dirty="0" smtClean="0"/>
-              <a:t>Deployment</a:t>
-            </a:r>
-            <a:r>
-              <a:rPr lang="ru-RU" dirty="0" smtClean="0"/>
-              <a:t>)</a:t>
-            </a:r>
-            <a:endParaRPr lang="en-US" dirty="0" smtClean="0"/>
-          </a:p>
-          <a:p>
-            <a:r>
-              <a:rPr lang="ru-RU" dirty="0" smtClean="0"/>
-              <a:t>Сопровождение (</a:t>
-            </a:r>
-            <a:r>
-              <a:rPr lang="en-US" dirty="0" smtClean="0"/>
-              <a:t>Maintenance</a:t>
-            </a:r>
-            <a:r>
-              <a:rPr lang="ru-RU" dirty="0" smtClean="0"/>
-              <a:t>)</a:t>
-            </a:r>
+              <a:rPr lang="en-US" b="1" dirty="0" smtClean="0"/>
+              <a:t>Minimize </a:t>
+            </a:r>
+            <a:r>
+              <a:rPr lang="en-US" b="1" dirty="0"/>
+              <a:t>upfront design. </a:t>
+            </a:r>
+            <a:r>
+              <a:rPr lang="en-US" dirty="0"/>
+              <a:t>Only design what is necessary. In some cases, you may require upfront comprehensive design and testing if the cost of development or a failure in the design is very high. In other cases, especially for agile development, you can avoid big design upfront (BDUF). If your application requirements are unclear, or if there is a possibility of the design evolving over time, avoid making a large design effort prematurely. This principle is sometimes known as YAGNI ("You </a:t>
+            </a:r>
+            <a:r>
+              <a:rPr lang="en-US" dirty="0" err="1"/>
+              <a:t>ain’t</a:t>
+            </a:r>
+            <a:r>
+              <a:rPr lang="en-US" dirty="0"/>
+              <a:t> </a:t>
+            </a:r>
+            <a:r>
+              <a:rPr lang="en-US" dirty="0" err="1"/>
+              <a:t>gonna</a:t>
+            </a:r>
+            <a:r>
+              <a:rPr lang="en-US" dirty="0"/>
+              <a:t> need it").</a:t>
+            </a:r>
+          </a:p>
+          <a:p>
             <a:endParaRPr lang="en-US" dirty="0"/>
           </a:p>
         </p:txBody>
@@ -3920,7 +3829,7 @@
     </p:spTree>
     <p:extLst>
       <p:ext uri="{BB962C8B-B14F-4D97-AF65-F5344CB8AC3E}">
-        <p14:creationId xmlns:p14="http://schemas.microsoft.com/office/powerpoint/2010/main" val="3256343997"/>
+        <p14:creationId xmlns:p14="http://schemas.microsoft.com/office/powerpoint/2010/main" val="1171042694"/>
       </p:ext>
     </p:extLst>
   </p:cSld>
@@ -3959,6 +3868,212 @@
         </p:nvSpPr>
         <p:spPr/>
         <p:txBody>
+          <a:bodyPr/>
+          <a:lstStyle/>
+          <a:p>
+            <a:r>
+              <a:rPr lang="ru-RU" dirty="0" smtClean="0"/>
+              <a:t>Жизненный цикл ПО</a:t>
+            </a:r>
+            <a:endParaRPr lang="en-US" dirty="0"/>
+          </a:p>
+        </p:txBody>
+      </p:sp>
+      <p:sp>
+        <p:nvSpPr>
+          <p:cNvPr id="3" name="Content Placeholder 2"/>
+          <p:cNvSpPr>
+            <a:spLocks noGrp="1"/>
+          </p:cNvSpPr>
+          <p:nvPr>
+            <p:ph idx="1"/>
+          </p:nvPr>
+        </p:nvSpPr>
+        <p:spPr/>
+        <p:txBody>
+          <a:bodyPr>
+            <a:normAutofit fontScale="92500" lnSpcReduction="20000"/>
+          </a:bodyPr>
+          <a:lstStyle/>
+          <a:p>
+            <a:r>
+              <a:rPr lang="ru-RU" dirty="0" smtClean="0"/>
+              <a:t>Требования (</a:t>
+            </a:r>
+            <a:r>
+              <a:rPr lang="en-US" dirty="0" smtClean="0"/>
+              <a:t>Requirements</a:t>
+            </a:r>
+            <a:r>
+              <a:rPr lang="ru-RU" dirty="0" smtClean="0"/>
+              <a:t>)</a:t>
+            </a:r>
+            <a:endParaRPr lang="en-US" dirty="0"/>
+          </a:p>
+          <a:p>
+            <a:r>
+              <a:rPr lang="ru-RU" dirty="0" smtClean="0"/>
+              <a:t>Спецификация (</a:t>
+            </a:r>
+            <a:r>
+              <a:rPr lang="en-US" dirty="0" smtClean="0"/>
+              <a:t>Specification</a:t>
+            </a:r>
+            <a:r>
+              <a:rPr lang="ru-RU" dirty="0" smtClean="0"/>
+              <a:t>)</a:t>
+            </a:r>
+            <a:endParaRPr lang="en-US" dirty="0"/>
+          </a:p>
+          <a:p>
+            <a:r>
+              <a:rPr lang="ru-RU" dirty="0" smtClean="0"/>
+              <a:t>Архитектура (</a:t>
+            </a:r>
+            <a:r>
+              <a:rPr lang="en-US" dirty="0" smtClean="0"/>
+              <a:t>Architecture</a:t>
+            </a:r>
+            <a:r>
+              <a:rPr lang="ru-RU" dirty="0" smtClean="0"/>
+              <a:t>)</a:t>
+            </a:r>
+            <a:endParaRPr lang="en-US" dirty="0"/>
+          </a:p>
+          <a:p>
+            <a:r>
+              <a:rPr lang="ru-RU" dirty="0" smtClean="0"/>
+              <a:t>Дизайн (</a:t>
+            </a:r>
+            <a:r>
+              <a:rPr lang="en-US" dirty="0" smtClean="0"/>
+              <a:t>Design</a:t>
+            </a:r>
+            <a:r>
+              <a:rPr lang="ru-RU" dirty="0" smtClean="0"/>
+              <a:t>)</a:t>
+            </a:r>
+            <a:endParaRPr lang="en-US" dirty="0"/>
+          </a:p>
+          <a:p>
+            <a:r>
+              <a:rPr lang="ru-RU" dirty="0" smtClean="0"/>
+              <a:t>Программирование (</a:t>
+            </a:r>
+            <a:r>
+              <a:rPr lang="en-US" dirty="0" smtClean="0"/>
+              <a:t>Implementation</a:t>
+            </a:r>
+            <a:r>
+              <a:rPr lang="ru-RU" dirty="0" smtClean="0"/>
+              <a:t>)</a:t>
+            </a:r>
+            <a:endParaRPr lang="en-US" dirty="0"/>
+          </a:p>
+          <a:p>
+            <a:r>
+              <a:rPr lang="ru-RU" dirty="0" smtClean="0"/>
+              <a:t>Тестирование (</a:t>
+            </a:r>
+            <a:r>
+              <a:rPr lang="en-US" dirty="0" smtClean="0"/>
+              <a:t>Testing</a:t>
+            </a:r>
+            <a:r>
+              <a:rPr lang="ru-RU" dirty="0" smtClean="0"/>
+              <a:t>)</a:t>
+            </a:r>
+            <a:endParaRPr lang="en-US" dirty="0"/>
+          </a:p>
+          <a:p>
+            <a:r>
+              <a:rPr lang="ru-RU" dirty="0" smtClean="0"/>
+              <a:t>Отладка (</a:t>
+            </a:r>
+            <a:r>
+              <a:rPr lang="en-US" dirty="0" smtClean="0"/>
+              <a:t>Debugging</a:t>
+            </a:r>
+            <a:r>
+              <a:rPr lang="ru-RU" dirty="0" smtClean="0"/>
+              <a:t>)</a:t>
+            </a:r>
+            <a:endParaRPr lang="en-US" dirty="0"/>
+          </a:p>
+          <a:p>
+            <a:r>
+              <a:rPr lang="ru-RU" dirty="0" smtClean="0"/>
+              <a:t>Дистрибутив (</a:t>
+            </a:r>
+            <a:r>
+              <a:rPr lang="en-US" dirty="0" smtClean="0"/>
+              <a:t>Deployment</a:t>
+            </a:r>
+            <a:r>
+              <a:rPr lang="ru-RU" dirty="0" smtClean="0"/>
+              <a:t>)</a:t>
+            </a:r>
+            <a:endParaRPr lang="en-US" dirty="0" smtClean="0"/>
+          </a:p>
+          <a:p>
+            <a:r>
+              <a:rPr lang="ru-RU" dirty="0" smtClean="0"/>
+              <a:t>Сопровождение (</a:t>
+            </a:r>
+            <a:r>
+              <a:rPr lang="en-US" dirty="0" smtClean="0"/>
+              <a:t>Maintenance</a:t>
+            </a:r>
+            <a:r>
+              <a:rPr lang="ru-RU" dirty="0" smtClean="0"/>
+              <a:t>)</a:t>
+            </a:r>
+            <a:endParaRPr lang="en-US" dirty="0"/>
+          </a:p>
+        </p:txBody>
+      </p:sp>
+    </p:spTree>
+    <p:extLst>
+      <p:ext uri="{BB962C8B-B14F-4D97-AF65-F5344CB8AC3E}">
+        <p14:creationId xmlns:p14="http://schemas.microsoft.com/office/powerpoint/2010/main" val="3256343997"/>
+      </p:ext>
+    </p:extLst>
+  </p:cSld>
+  <p:clrMapOvr>
+    <a:masterClrMapping/>
+  </p:clrMapOvr>
+</p:sld>
+</file>
+
+<file path=ppt/slides/slide16.xml><?xml version="1.0" encoding="utf-8"?>
+<p:sld xmlns:a="http://schemas.openxmlformats.org/drawingml/2006/main" xmlns:r="http://schemas.openxmlformats.org/officeDocument/2006/relationships" xmlns:p="http://schemas.openxmlformats.org/presentationml/2006/main">
+  <p:cSld>
+    <p:spTree>
+      <p:nvGrpSpPr>
+        <p:cNvPr id="1" name=""/>
+        <p:cNvGrpSpPr/>
+        <p:nvPr/>
+      </p:nvGrpSpPr>
+      <p:grpSpPr>
+        <a:xfrm>
+          <a:off x="0" y="0"/>
+          <a:ext cx="0" cy="0"/>
+          <a:chOff x="0" y="0"/>
+          <a:chExt cx="0" cy="0"/>
+        </a:xfrm>
+      </p:grpSpPr>
+      <p:sp>
+        <p:nvSpPr>
+          <p:cNvPr id="2" name="Title 1"/>
+          <p:cNvSpPr>
+            <a:spLocks noGrp="1"/>
+          </p:cNvSpPr>
+          <p:nvPr>
+            <p:ph type="title"/>
+          </p:nvPr>
+        </p:nvSpPr>
+        <p:spPr/>
+        <p:txBody>
           <a:bodyPr>
             <a:normAutofit fontScale="90000"/>
           </a:bodyPr>
@@ -4020,7 +4135,7 @@
 </p:sld>
 </file>
 
-<file path=ppt/slides/slide16.xml><?xml version="1.0" encoding="utf-8"?>
+<file path=ppt/slides/slide17.xml><?xml version="1.0" encoding="utf-8"?>
 <p:sld xmlns:a="http://schemas.openxmlformats.org/drawingml/2006/main" xmlns:r="http://schemas.openxmlformats.org/officeDocument/2006/relationships" xmlns:p="http://schemas.openxmlformats.org/presentationml/2006/main">
   <p:cSld>
     <p:spTree>
@@ -4122,7 +4237,7 @@
 </p:sld>
 </file>
 
-<file path=ppt/slides/slide17.xml><?xml version="1.0" encoding="utf-8"?>
+<file path=ppt/slides/slide18.xml><?xml version="1.0" encoding="utf-8"?>
 <p:sld xmlns:a="http://schemas.openxmlformats.org/drawingml/2006/main" xmlns:r="http://schemas.openxmlformats.org/officeDocument/2006/relationships" xmlns:p="http://schemas.openxmlformats.org/presentationml/2006/main">
   <p:cSld>
     <p:bg>
@@ -4232,7 +4347,7 @@
 </p:sld>
 </file>
 
-<file path=ppt/slides/slide18.xml><?xml version="1.0" encoding="utf-8"?>
+<file path=ppt/slides/slide19.xml><?xml version="1.0" encoding="utf-8"?>
 <p:sld xmlns:a="http://schemas.openxmlformats.org/drawingml/2006/main" xmlns:r="http://schemas.openxmlformats.org/officeDocument/2006/relationships" xmlns:p="http://schemas.openxmlformats.org/presentationml/2006/main">
   <p:cSld>
     <p:bg>
@@ -4348,193 +4463,6 @@
 </p:sld>
 </file>
 
-<file path=ppt/slides/slide19.xml><?xml version="1.0" encoding="utf-8"?>
-<p:sld xmlns:a="http://schemas.openxmlformats.org/drawingml/2006/main" xmlns:r="http://schemas.openxmlformats.org/officeDocument/2006/relationships" xmlns:p="http://schemas.openxmlformats.org/presentationml/2006/main">
-  <p:cSld>
-    <p:spTree>
-      <p:nvGrpSpPr>
-        <p:cNvPr id="1" name=""/>
-        <p:cNvGrpSpPr/>
-        <p:nvPr/>
-      </p:nvGrpSpPr>
-      <p:grpSpPr>
-        <a:xfrm>
-          <a:off x="0" y="0"/>
-          <a:ext cx="0" cy="0"/>
-          <a:chOff x="0" y="0"/>
-          <a:chExt cx="0" cy="0"/>
-        </a:xfrm>
-      </p:grpSpPr>
-      <p:sp>
-        <p:nvSpPr>
-          <p:cNvPr id="2" name="Title 1"/>
-          <p:cNvSpPr>
-            <a:spLocks noGrp="1"/>
-          </p:cNvSpPr>
-          <p:nvPr>
-            <p:ph type="title"/>
-          </p:nvPr>
-        </p:nvSpPr>
-        <p:spPr/>
-        <p:txBody>
-          <a:bodyPr/>
-          <a:lstStyle/>
-          <a:p>
-            <a:r>
-              <a:rPr lang="ru-RU" dirty="0" smtClean="0"/>
-              <a:t>Процесс разработки ПО</a:t>
-            </a:r>
-            <a:endParaRPr lang="en-US" dirty="0"/>
-          </a:p>
-        </p:txBody>
-      </p:sp>
-      <p:sp>
-        <p:nvSpPr>
-          <p:cNvPr id="3" name="Content Placeholder 2"/>
-          <p:cNvSpPr>
-            <a:spLocks noGrp="1"/>
-          </p:cNvSpPr>
-          <p:nvPr>
-            <p:ph idx="1"/>
-          </p:nvPr>
-        </p:nvSpPr>
-        <p:spPr/>
-        <p:txBody>
-          <a:bodyPr>
-            <a:normAutofit fontScale="92500" lnSpcReduction="20000"/>
-          </a:bodyPr>
-          <a:lstStyle/>
-          <a:p>
-            <a:r>
-              <a:rPr lang="en-US" dirty="0" smtClean="0"/>
-              <a:t>Version (source) control (</a:t>
-            </a:r>
-            <a:r>
-              <a:rPr lang="ru-RU" dirty="0" smtClean="0"/>
-              <a:t>Система </a:t>
-            </a:r>
-            <a:r>
-              <a:rPr lang="ru-RU" dirty="0"/>
-              <a:t>управления </a:t>
-            </a:r>
-            <a:r>
-              <a:rPr lang="ru-RU" dirty="0" smtClean="0"/>
-              <a:t>версиями</a:t>
-            </a:r>
-            <a:r>
-              <a:rPr lang="en-US" dirty="0" smtClean="0"/>
-              <a:t>)</a:t>
-            </a:r>
-          </a:p>
-          <a:p>
-            <a:pPr lvl="1"/>
-            <a:r>
-              <a:rPr lang="en-US" dirty="0" smtClean="0"/>
-              <a:t>VSS, TFS, Subversion, </a:t>
-            </a:r>
-            <a:r>
-              <a:rPr lang="en-US" dirty="0" err="1" smtClean="0"/>
-              <a:t>Git</a:t>
-            </a:r>
-            <a:r>
-              <a:rPr lang="en-US" dirty="0" smtClean="0"/>
-              <a:t>, Mercurial </a:t>
-            </a:r>
-            <a:r>
-              <a:rPr lang="ru-RU" dirty="0" smtClean="0"/>
-              <a:t>и т.д.</a:t>
-            </a:r>
-            <a:endParaRPr lang="en-US" dirty="0" smtClean="0"/>
-          </a:p>
-          <a:p>
-            <a:r>
-              <a:rPr lang="en-US" dirty="0" smtClean="0"/>
-              <a:t>Test Driven Development (</a:t>
-            </a:r>
-            <a:r>
-              <a:rPr lang="ru-RU" dirty="0" smtClean="0"/>
-              <a:t>управляемое тестами)</a:t>
-            </a:r>
-          </a:p>
-          <a:p>
-            <a:pPr lvl="1"/>
-            <a:r>
-              <a:rPr lang="en-US" dirty="0" err="1" smtClean="0"/>
-              <a:t>NUnit</a:t>
-            </a:r>
-            <a:r>
-              <a:rPr lang="en-US" dirty="0" smtClean="0"/>
-              <a:t>, </a:t>
-            </a:r>
-            <a:r>
-              <a:rPr lang="en-US" dirty="0" err="1" smtClean="0"/>
-              <a:t>XUnit</a:t>
-            </a:r>
-            <a:r>
-              <a:rPr lang="en-US" dirty="0" smtClean="0"/>
-              <a:t>, </a:t>
-            </a:r>
-            <a:r>
-              <a:rPr lang="en-US" dirty="0" err="1" smtClean="0"/>
-              <a:t>MSTest</a:t>
-            </a:r>
-            <a:endParaRPr lang="en-US" dirty="0" smtClean="0"/>
-          </a:p>
-          <a:p>
-            <a:pPr lvl="1"/>
-            <a:r>
-              <a:rPr lang="ru-RU" dirty="0" smtClean="0"/>
-              <a:t>Книга: </a:t>
-            </a:r>
-            <a:r>
-              <a:rPr lang="en-US" dirty="0">
-                <a:hlinkClick r:id="rId2"/>
-              </a:rPr>
-              <a:t>The Art of Unit Testing: With Examples in </a:t>
-            </a:r>
-            <a:r>
-              <a:rPr lang="en-US" dirty="0" err="1">
-                <a:hlinkClick r:id="rId2"/>
-              </a:rPr>
-              <a:t>.Net</a:t>
-            </a:r>
-            <a:endParaRPr lang="ru-RU" dirty="0" smtClean="0"/>
-          </a:p>
-          <a:p>
-            <a:r>
-              <a:rPr lang="en-US" dirty="0" smtClean="0"/>
-              <a:t>Continuous Integration (CI)</a:t>
-            </a:r>
-          </a:p>
-          <a:p>
-            <a:pPr lvl="1"/>
-            <a:r>
-              <a:rPr lang="en-US" dirty="0" smtClean="0"/>
-              <a:t>TFS, Team City, CC.NET</a:t>
-            </a:r>
-          </a:p>
-          <a:p>
-            <a:r>
-              <a:rPr lang="en-US" dirty="0" smtClean="0"/>
-              <a:t>Continuous Deployment</a:t>
-            </a:r>
-            <a:endParaRPr lang="en-US" dirty="0"/>
-          </a:p>
-        </p:txBody>
-      </p:sp>
-    </p:spTree>
-    <p:extLst>
-      <p:ext uri="{BB962C8B-B14F-4D97-AF65-F5344CB8AC3E}">
-        <p14:creationId xmlns:p14="http://schemas.microsoft.com/office/powerpoint/2010/main" val="3800880669"/>
-      </p:ext>
-    </p:extLst>
-  </p:cSld>
-  <p:clrMapOvr>
-    <a:masterClrMapping/>
-  </p:clrMapOvr>
-</p:sld>
-</file>
-
 <file path=ppt/slides/slide2.xml><?xml version="1.0" encoding="utf-8"?>
 <p:sld xmlns:a="http://schemas.openxmlformats.org/drawingml/2006/main" xmlns:r="http://schemas.openxmlformats.org/officeDocument/2006/relationships" xmlns:p="http://schemas.openxmlformats.org/presentationml/2006/main">
   <p:cSld>
@@ -4623,6 +4551,193 @@
 </file>
 
 <file path=ppt/slides/slide20.xml><?xml version="1.0" encoding="utf-8"?>
+<p:sld xmlns:a="http://schemas.openxmlformats.org/drawingml/2006/main" xmlns:r="http://schemas.openxmlformats.org/officeDocument/2006/relationships" xmlns:p="http://schemas.openxmlformats.org/presentationml/2006/main">
+  <p:cSld>
+    <p:spTree>
+      <p:nvGrpSpPr>
+        <p:cNvPr id="1" name=""/>
+        <p:cNvGrpSpPr/>
+        <p:nvPr/>
+      </p:nvGrpSpPr>
+      <p:grpSpPr>
+        <a:xfrm>
+          <a:off x="0" y="0"/>
+          <a:ext cx="0" cy="0"/>
+          <a:chOff x="0" y="0"/>
+          <a:chExt cx="0" cy="0"/>
+        </a:xfrm>
+      </p:grpSpPr>
+      <p:sp>
+        <p:nvSpPr>
+          <p:cNvPr id="2" name="Title 1"/>
+          <p:cNvSpPr>
+            <a:spLocks noGrp="1"/>
+          </p:cNvSpPr>
+          <p:nvPr>
+            <p:ph type="title"/>
+          </p:nvPr>
+        </p:nvSpPr>
+        <p:spPr/>
+        <p:txBody>
+          <a:bodyPr/>
+          <a:lstStyle/>
+          <a:p>
+            <a:r>
+              <a:rPr lang="ru-RU" dirty="0" smtClean="0"/>
+              <a:t>Процесс разработки ПО</a:t>
+            </a:r>
+            <a:endParaRPr lang="en-US" dirty="0"/>
+          </a:p>
+        </p:txBody>
+      </p:sp>
+      <p:sp>
+        <p:nvSpPr>
+          <p:cNvPr id="3" name="Content Placeholder 2"/>
+          <p:cNvSpPr>
+            <a:spLocks noGrp="1"/>
+          </p:cNvSpPr>
+          <p:nvPr>
+            <p:ph idx="1"/>
+          </p:nvPr>
+        </p:nvSpPr>
+        <p:spPr/>
+        <p:txBody>
+          <a:bodyPr>
+            <a:normAutofit fontScale="92500" lnSpcReduction="20000"/>
+          </a:bodyPr>
+          <a:lstStyle/>
+          <a:p>
+            <a:r>
+              <a:rPr lang="en-US" dirty="0" smtClean="0"/>
+              <a:t>Version (source) control (</a:t>
+            </a:r>
+            <a:r>
+              <a:rPr lang="ru-RU" dirty="0" smtClean="0"/>
+              <a:t>Система </a:t>
+            </a:r>
+            <a:r>
+              <a:rPr lang="ru-RU" dirty="0"/>
+              <a:t>управления </a:t>
+            </a:r>
+            <a:r>
+              <a:rPr lang="ru-RU" dirty="0" smtClean="0"/>
+              <a:t>версиями</a:t>
+            </a:r>
+            <a:r>
+              <a:rPr lang="en-US" dirty="0" smtClean="0"/>
+              <a:t>)</a:t>
+            </a:r>
+          </a:p>
+          <a:p>
+            <a:pPr lvl="1"/>
+            <a:r>
+              <a:rPr lang="en-US" dirty="0" smtClean="0"/>
+              <a:t>VSS, TFS, Subversion, </a:t>
+            </a:r>
+            <a:r>
+              <a:rPr lang="en-US" dirty="0" err="1" smtClean="0"/>
+              <a:t>Git</a:t>
+            </a:r>
+            <a:r>
+              <a:rPr lang="en-US" dirty="0" smtClean="0"/>
+              <a:t>, Mercurial </a:t>
+            </a:r>
+            <a:r>
+              <a:rPr lang="ru-RU" dirty="0" smtClean="0"/>
+              <a:t>и т.д.</a:t>
+            </a:r>
+            <a:endParaRPr lang="en-US" dirty="0" smtClean="0"/>
+          </a:p>
+          <a:p>
+            <a:r>
+              <a:rPr lang="en-US" dirty="0" smtClean="0"/>
+              <a:t>Test Driven Development (</a:t>
+            </a:r>
+            <a:r>
+              <a:rPr lang="ru-RU" dirty="0" smtClean="0"/>
+              <a:t>управляемое тестами)</a:t>
+            </a:r>
+          </a:p>
+          <a:p>
+            <a:pPr lvl="1"/>
+            <a:r>
+              <a:rPr lang="en-US" dirty="0" err="1" smtClean="0"/>
+              <a:t>NUnit</a:t>
+            </a:r>
+            <a:r>
+              <a:rPr lang="en-US" dirty="0" smtClean="0"/>
+              <a:t>, </a:t>
+            </a:r>
+            <a:r>
+              <a:rPr lang="en-US" dirty="0" err="1" smtClean="0"/>
+              <a:t>XUnit</a:t>
+            </a:r>
+            <a:r>
+              <a:rPr lang="en-US" dirty="0" smtClean="0"/>
+              <a:t>, </a:t>
+            </a:r>
+            <a:r>
+              <a:rPr lang="en-US" dirty="0" err="1" smtClean="0"/>
+              <a:t>MSTest</a:t>
+            </a:r>
+            <a:endParaRPr lang="en-US" dirty="0" smtClean="0"/>
+          </a:p>
+          <a:p>
+            <a:pPr lvl="1"/>
+            <a:r>
+              <a:rPr lang="ru-RU" dirty="0" smtClean="0"/>
+              <a:t>Книга: </a:t>
+            </a:r>
+            <a:r>
+              <a:rPr lang="en-US" dirty="0">
+                <a:hlinkClick r:id="rId2"/>
+              </a:rPr>
+              <a:t>The Art of Unit Testing: With Examples in </a:t>
+            </a:r>
+            <a:r>
+              <a:rPr lang="en-US" dirty="0" err="1">
+                <a:hlinkClick r:id="rId2"/>
+              </a:rPr>
+              <a:t>.Net</a:t>
+            </a:r>
+            <a:endParaRPr lang="ru-RU" dirty="0" smtClean="0"/>
+          </a:p>
+          <a:p>
+            <a:r>
+              <a:rPr lang="en-US" dirty="0" smtClean="0"/>
+              <a:t>Continuous Integration (CI)</a:t>
+            </a:r>
+          </a:p>
+          <a:p>
+            <a:pPr lvl="1"/>
+            <a:r>
+              <a:rPr lang="en-US" dirty="0" smtClean="0"/>
+              <a:t>TFS, Team City, CC.NET</a:t>
+            </a:r>
+          </a:p>
+          <a:p>
+            <a:r>
+              <a:rPr lang="en-US" dirty="0" smtClean="0"/>
+              <a:t>Continuous Deployment</a:t>
+            </a:r>
+            <a:endParaRPr lang="en-US" dirty="0"/>
+          </a:p>
+        </p:txBody>
+      </p:sp>
+    </p:spTree>
+    <p:extLst>
+      <p:ext uri="{BB962C8B-B14F-4D97-AF65-F5344CB8AC3E}">
+        <p14:creationId xmlns:p14="http://schemas.microsoft.com/office/powerpoint/2010/main" val="3800880669"/>
+      </p:ext>
+    </p:extLst>
+  </p:cSld>
+  <p:clrMapOvr>
+    <a:masterClrMapping/>
+  </p:clrMapOvr>
+</p:sld>
+</file>
+
+<file path=ppt/slides/slide21.xml><?xml version="1.0" encoding="utf-8"?>
 <p:sld xmlns:a="http://schemas.openxmlformats.org/drawingml/2006/main" xmlns:r="http://schemas.openxmlformats.org/officeDocument/2006/relationships" xmlns:p="http://schemas.openxmlformats.org/presentationml/2006/main">
   <p:cSld>
     <p:spTree>
@@ -5446,7 +5561,13 @@
           <a:lstStyle/>
           <a:p>
             <a:r>
-              <a:rPr lang="ru-RU" dirty="0"/>
+              <a:rPr lang="en-US" dirty="0" smtClean="0"/>
+              <a:t>SOLID</a:t>
+            </a:r>
+          </a:p>
+          <a:p>
+            <a:r>
+              <a:rPr lang="ru-RU" dirty="0" smtClean="0"/>
               <a:t>Разделение </a:t>
             </a:r>
             <a:r>
@@ -5520,6 +5641,13 @@
   <p:clrMapOvr>
     <a:masterClrMapping/>
   </p:clrMapOvr>
+  <p:timing>
+    <p:tnLst>
+      <p:par>
+        <p:cTn id="1" dur="indefinite" restart="never" nodeType="tmRoot"/>
+      </p:par>
+    </p:tnLst>
+  </p:timing>
 </p:sld>
 </file>
 
@@ -5552,6 +5680,1278 @@
         </p:nvSpPr>
         <p:spPr/>
         <p:txBody>
+          <a:bodyPr/>
+          <a:lstStyle/>
+          <a:p>
+            <a:r>
+              <a:rPr lang="en-US" dirty="0" smtClean="0"/>
+              <a:t>SOLID</a:t>
+            </a:r>
+            <a:endParaRPr lang="ru-RU" dirty="0"/>
+          </a:p>
+        </p:txBody>
+      </p:sp>
+      <p:graphicFrame>
+        <p:nvGraphicFramePr>
+          <p:cNvPr id="4" name="Table 3"/>
+          <p:cNvGraphicFramePr>
+            <a:graphicFrameLocks noGrp="1"/>
+          </p:cNvGraphicFramePr>
+          <p:nvPr>
+            <p:extLst>
+              <p:ext uri="{D42A27DB-BD31-4B8C-83A1-F6EECF244321}">
+                <p14:modId xmlns:p14="http://schemas.microsoft.com/office/powerpoint/2010/main" val="562738248"/>
+              </p:ext>
+            </p:extLst>
+          </p:nvPr>
+        </p:nvGraphicFramePr>
+        <p:xfrm>
+          <a:off x="457200" y="1378457"/>
+          <a:ext cx="8219256" cy="5146887"/>
+        </p:xfrm>
+        <a:graphic>
+          <a:graphicData uri="http://schemas.openxmlformats.org/drawingml/2006/table">
+            <a:tbl>
+              <a:tblPr firstRow="1" bandRow="1">
+                <a:tableStyleId>{5C22544A-7EE6-4342-B048-85BDC9FD1C3A}</a:tableStyleId>
+              </a:tblPr>
+              <a:tblGrid>
+                <a:gridCol w="905704"/>
+                <a:gridCol w="3209096"/>
+                <a:gridCol w="4104456"/>
+              </a:tblGrid>
+              <a:tr h="760806">
+                <a:tc>
+                  <a:txBody>
+                    <a:bodyPr/>
+                    <a:lstStyle/>
+                    <a:p>
+                      <a:pPr algn="ctr"/>
+                      <a:r>
+                        <a:rPr lang="en-US" sz="2400" b="1" dirty="0" smtClean="0">
+                          <a:solidFill>
+                            <a:srgbClr val="002060"/>
+                          </a:solidFill>
+                        </a:rPr>
+                        <a:t>S</a:t>
+                      </a:r>
+                      <a:endParaRPr lang="ru-RU" sz="2400" b="1" dirty="0" smtClean="0">
+                        <a:solidFill>
+                          <a:srgbClr val="002060"/>
+                        </a:solidFill>
+                      </a:endParaRPr>
+                    </a:p>
+                  </a:txBody>
+                  <a:tcPr anchor="ctr">
+                    <a:lnL w="12700" cap="flat" cmpd="sng" algn="ctr">
+                      <a:solidFill>
+                        <a:srgbClr val="002060"/>
+                      </a:solidFill>
+                      <a:prstDash val="solid"/>
+                      <a:round/>
+                      <a:headEnd type="none" w="med" len="med"/>
+                      <a:tailEnd type="none" w="med" len="med"/>
+                    </a:lnL>
+                    <a:lnR w="12700" cap="flat" cmpd="sng" algn="ctr">
+                      <a:solidFill>
+                        <a:srgbClr val="002060"/>
+                      </a:solidFill>
+                      <a:prstDash val="solid"/>
+                      <a:round/>
+                      <a:headEnd type="none" w="med" len="med"/>
+                      <a:tailEnd type="none" w="med" len="med"/>
+                    </a:lnR>
+                    <a:lnT w="12700" cap="flat" cmpd="sng" algn="ctr">
+                      <a:solidFill>
+                        <a:srgbClr val="002060"/>
+                      </a:solidFill>
+                      <a:prstDash val="solid"/>
+                      <a:round/>
+                      <a:headEnd type="none" w="med" len="med"/>
+                      <a:tailEnd type="none" w="med" len="med"/>
+                    </a:lnT>
+                    <a:lnB w="12700" cap="flat" cmpd="sng" algn="ctr">
+                      <a:solidFill>
+                        <a:srgbClr val="002060"/>
+                      </a:solidFill>
+                      <a:prstDash val="solid"/>
+                      <a:round/>
+                      <a:headEnd type="none" w="med" len="med"/>
+                      <a:tailEnd type="none" w="med" len="med"/>
+                    </a:lnB>
+                    <a:lnTlToBr w="12700" cmpd="sng">
+                      <a:noFill/>
+                      <a:prstDash val="solid"/>
+                    </a:lnTlToBr>
+                    <a:lnBlToTr w="12700" cmpd="sng">
+                      <a:noFill/>
+                      <a:prstDash val="solid"/>
+                    </a:lnBlToTr>
+                  </a:tcPr>
+                </a:tc>
+                <a:tc>
+                  <a:txBody>
+                    <a:bodyPr/>
+                    <a:lstStyle/>
+                    <a:p>
+                      <a:r>
+                        <a:rPr lang="ru-RU" sz="1600" b="0" i="1" dirty="0" smtClean="0">
+                          <a:solidFill>
+                            <a:srgbClr val="002060"/>
+                          </a:solidFill>
+                        </a:rPr>
+                        <a:t>Single responsibility principle</a:t>
+                      </a:r>
+                      <a:endParaRPr lang="en-US" sz="1600" b="0" i="1" dirty="0" smtClean="0">
+                        <a:solidFill>
+                          <a:srgbClr val="002060"/>
+                        </a:solidFill>
+                      </a:endParaRPr>
+                    </a:p>
+                    <a:p>
+                      <a:r>
+                        <a:rPr lang="ru-RU" sz="1600" b="0" i="1" dirty="0" smtClean="0">
+                          <a:solidFill>
+                            <a:srgbClr val="002060"/>
+                          </a:solidFill>
+                        </a:rPr>
+                        <a:t>Принцип единственной обязанности</a:t>
+                      </a:r>
+                      <a:endParaRPr lang="ru-RU" sz="1600" b="0" i="1" dirty="0">
+                        <a:solidFill>
+                          <a:srgbClr val="002060"/>
+                        </a:solidFill>
+                      </a:endParaRPr>
+                    </a:p>
+                  </a:txBody>
+                  <a:tcPr>
+                    <a:lnL w="12700" cap="flat" cmpd="sng" algn="ctr">
+                      <a:solidFill>
+                        <a:srgbClr val="002060"/>
+                      </a:solidFill>
+                      <a:prstDash val="solid"/>
+                      <a:round/>
+                      <a:headEnd type="none" w="med" len="med"/>
+                      <a:tailEnd type="none" w="med" len="med"/>
+                    </a:lnL>
+                    <a:lnR w="12700" cap="flat" cmpd="sng" algn="ctr">
+                      <a:solidFill>
+                        <a:srgbClr val="002060"/>
+                      </a:solidFill>
+                      <a:prstDash val="solid"/>
+                      <a:round/>
+                      <a:headEnd type="none" w="med" len="med"/>
+                      <a:tailEnd type="none" w="med" len="med"/>
+                    </a:lnR>
+                    <a:lnT w="12700" cap="flat" cmpd="sng" algn="ctr">
+                      <a:solidFill>
+                        <a:srgbClr val="002060"/>
+                      </a:solidFill>
+                      <a:prstDash val="solid"/>
+                      <a:round/>
+                      <a:headEnd type="none" w="med" len="med"/>
+                      <a:tailEnd type="none" w="med" len="med"/>
+                    </a:lnT>
+                    <a:lnB w="12700" cap="flat" cmpd="sng" algn="ctr">
+                      <a:solidFill>
+                        <a:srgbClr val="002060"/>
+                      </a:solidFill>
+                      <a:prstDash val="solid"/>
+                      <a:round/>
+                      <a:headEnd type="none" w="med" len="med"/>
+                      <a:tailEnd type="none" w="med" len="med"/>
+                    </a:lnB>
+                    <a:lnTlToBr w="12700" cmpd="sng">
+                      <a:noFill/>
+                      <a:prstDash val="solid"/>
+                    </a:lnTlToBr>
+                    <a:lnBlToTr w="12700" cmpd="sng">
+                      <a:noFill/>
+                      <a:prstDash val="solid"/>
+                    </a:lnBlToTr>
+                  </a:tcPr>
+                </a:tc>
+                <a:tc>
+                  <a:txBody>
+                    <a:bodyPr/>
+                    <a:lstStyle/>
+                    <a:p>
+                      <a:r>
+                        <a:rPr lang="ru-RU" sz="1600" b="0" dirty="0" smtClean="0">
+                          <a:solidFill>
+                            <a:srgbClr val="002060"/>
+                          </a:solidFill>
+                        </a:rPr>
+                        <a:t>На каждый класс должна быть возложена одна единственная обязанность.</a:t>
+                      </a:r>
+                      <a:endParaRPr lang="ru-RU" sz="1600" b="0" dirty="0">
+                        <a:solidFill>
+                          <a:srgbClr val="002060"/>
+                        </a:solidFill>
+                      </a:endParaRPr>
+                    </a:p>
+                  </a:txBody>
+                  <a:tcPr>
+                    <a:lnL w="12700" cap="flat" cmpd="sng" algn="ctr">
+                      <a:solidFill>
+                        <a:srgbClr val="002060"/>
+                      </a:solidFill>
+                      <a:prstDash val="solid"/>
+                      <a:round/>
+                      <a:headEnd type="none" w="med" len="med"/>
+                      <a:tailEnd type="none" w="med" len="med"/>
+                    </a:lnL>
+                    <a:lnR w="12700" cap="flat" cmpd="sng" algn="ctr">
+                      <a:solidFill>
+                        <a:srgbClr val="002060"/>
+                      </a:solidFill>
+                      <a:prstDash val="solid"/>
+                      <a:round/>
+                      <a:headEnd type="none" w="med" len="med"/>
+                      <a:tailEnd type="none" w="med" len="med"/>
+                    </a:lnR>
+                    <a:lnT w="12700" cap="flat" cmpd="sng" algn="ctr">
+                      <a:solidFill>
+                        <a:srgbClr val="002060"/>
+                      </a:solidFill>
+                      <a:prstDash val="solid"/>
+                      <a:round/>
+                      <a:headEnd type="none" w="med" len="med"/>
+                      <a:tailEnd type="none" w="med" len="med"/>
+                    </a:lnT>
+                    <a:lnB w="12700" cap="flat" cmpd="sng" algn="ctr">
+                      <a:solidFill>
+                        <a:srgbClr val="002060"/>
+                      </a:solidFill>
+                      <a:prstDash val="solid"/>
+                      <a:round/>
+                      <a:headEnd type="none" w="med" len="med"/>
+                      <a:tailEnd type="none" w="med" len="med"/>
+                    </a:lnB>
+                    <a:lnTlToBr w="12700" cmpd="sng">
+                      <a:noFill/>
+                      <a:prstDash val="solid"/>
+                    </a:lnTlToBr>
+                    <a:lnBlToTr w="12700" cmpd="sng">
+                      <a:noFill/>
+                      <a:prstDash val="solid"/>
+                    </a:lnBlToTr>
+                  </a:tcPr>
+                </a:tc>
+              </a:tr>
+              <a:tr h="760806">
+                <a:tc>
+                  <a:txBody>
+                    <a:bodyPr/>
+                    <a:lstStyle/>
+                    <a:p>
+                      <a:pPr algn="ctr"/>
+                      <a:r>
+                        <a:rPr lang="en-US" sz="2400" b="1" dirty="0" smtClean="0">
+                          <a:solidFill>
+                            <a:srgbClr val="002060"/>
+                          </a:solidFill>
+                        </a:rPr>
+                        <a:t>O</a:t>
+                      </a:r>
+                      <a:endParaRPr lang="ru-RU" sz="2400" b="1" dirty="0">
+                        <a:solidFill>
+                          <a:srgbClr val="002060"/>
+                        </a:solidFill>
+                      </a:endParaRPr>
+                    </a:p>
+                  </a:txBody>
+                  <a:tcPr anchor="ctr">
+                    <a:lnL w="12700" cap="flat" cmpd="sng" algn="ctr">
+                      <a:solidFill>
+                        <a:srgbClr val="002060"/>
+                      </a:solidFill>
+                      <a:prstDash val="solid"/>
+                      <a:round/>
+                      <a:headEnd type="none" w="med" len="med"/>
+                      <a:tailEnd type="none" w="med" len="med"/>
+                    </a:lnL>
+                    <a:lnR w="12700" cap="flat" cmpd="sng" algn="ctr">
+                      <a:solidFill>
+                        <a:srgbClr val="002060"/>
+                      </a:solidFill>
+                      <a:prstDash val="solid"/>
+                      <a:round/>
+                      <a:headEnd type="none" w="med" len="med"/>
+                      <a:tailEnd type="none" w="med" len="med"/>
+                    </a:lnR>
+                    <a:lnT w="12700" cap="flat" cmpd="sng" algn="ctr">
+                      <a:solidFill>
+                        <a:srgbClr val="002060"/>
+                      </a:solidFill>
+                      <a:prstDash val="solid"/>
+                      <a:round/>
+                      <a:headEnd type="none" w="med" len="med"/>
+                      <a:tailEnd type="none" w="med" len="med"/>
+                    </a:lnT>
+                    <a:lnB w="12700" cap="flat" cmpd="sng" algn="ctr">
+                      <a:solidFill>
+                        <a:srgbClr val="002060"/>
+                      </a:solidFill>
+                      <a:prstDash val="solid"/>
+                      <a:round/>
+                      <a:headEnd type="none" w="med" len="med"/>
+                      <a:tailEnd type="none" w="med" len="med"/>
+                    </a:lnB>
+                    <a:lnTlToBr w="12700" cmpd="sng">
+                      <a:noFill/>
+                      <a:prstDash val="solid"/>
+                    </a:lnTlToBr>
+                    <a:lnBlToTr w="12700" cmpd="sng">
+                      <a:noFill/>
+                      <a:prstDash val="solid"/>
+                    </a:lnBlToTr>
+                  </a:tcPr>
+                </a:tc>
+                <a:tc>
+                  <a:txBody>
+                    <a:bodyPr/>
+                    <a:lstStyle/>
+                    <a:p>
+                      <a:r>
+                        <a:rPr lang="ru-RU" sz="1600" b="0" i="1" dirty="0" smtClean="0">
+                          <a:solidFill>
+                            <a:srgbClr val="002060"/>
+                          </a:solidFill>
+                        </a:rPr>
+                        <a:t>Open/closed principle</a:t>
+                      </a:r>
+                      <a:r>
+                        <a:rPr lang="en-US" sz="1600" b="0" i="1" dirty="0" smtClean="0">
+                          <a:solidFill>
+                            <a:srgbClr val="002060"/>
+                          </a:solidFill>
+                        </a:rPr>
+                        <a:t/>
+                      </a:r>
+                      <a:br>
+                        <a:rPr lang="en-US" sz="1600" b="0" i="1" dirty="0" smtClean="0">
+                          <a:solidFill>
+                            <a:srgbClr val="002060"/>
+                          </a:solidFill>
+                        </a:rPr>
+                      </a:br>
+                      <a:r>
+                        <a:rPr lang="ru-RU" sz="1600" b="0" i="1" dirty="0" smtClean="0">
+                          <a:solidFill>
+                            <a:srgbClr val="002060"/>
+                          </a:solidFill>
+                        </a:rPr>
+                        <a:t>Принцип открытости/закрытости</a:t>
+                      </a:r>
+                      <a:endParaRPr lang="ru-RU" sz="1600" b="0" i="1" dirty="0">
+                        <a:solidFill>
+                          <a:srgbClr val="002060"/>
+                        </a:solidFill>
+                      </a:endParaRPr>
+                    </a:p>
+                  </a:txBody>
+                  <a:tcPr>
+                    <a:lnL w="12700" cap="flat" cmpd="sng" algn="ctr">
+                      <a:solidFill>
+                        <a:srgbClr val="002060"/>
+                      </a:solidFill>
+                      <a:prstDash val="solid"/>
+                      <a:round/>
+                      <a:headEnd type="none" w="med" len="med"/>
+                      <a:tailEnd type="none" w="med" len="med"/>
+                    </a:lnL>
+                    <a:lnR w="12700" cap="flat" cmpd="sng" algn="ctr">
+                      <a:solidFill>
+                        <a:srgbClr val="002060"/>
+                      </a:solidFill>
+                      <a:prstDash val="solid"/>
+                      <a:round/>
+                      <a:headEnd type="none" w="med" len="med"/>
+                      <a:tailEnd type="none" w="med" len="med"/>
+                    </a:lnR>
+                    <a:lnT w="12700" cap="flat" cmpd="sng" algn="ctr">
+                      <a:solidFill>
+                        <a:srgbClr val="002060"/>
+                      </a:solidFill>
+                      <a:prstDash val="solid"/>
+                      <a:round/>
+                      <a:headEnd type="none" w="med" len="med"/>
+                      <a:tailEnd type="none" w="med" len="med"/>
+                    </a:lnT>
+                    <a:lnB w="12700" cap="flat" cmpd="sng" algn="ctr">
+                      <a:solidFill>
+                        <a:srgbClr val="002060"/>
+                      </a:solidFill>
+                      <a:prstDash val="solid"/>
+                      <a:round/>
+                      <a:headEnd type="none" w="med" len="med"/>
+                      <a:tailEnd type="none" w="med" len="med"/>
+                    </a:lnB>
+                    <a:lnTlToBr w="12700" cmpd="sng">
+                      <a:noFill/>
+                      <a:prstDash val="solid"/>
+                    </a:lnTlToBr>
+                    <a:lnBlToTr w="12700" cmpd="sng">
+                      <a:noFill/>
+                      <a:prstDash val="solid"/>
+                    </a:lnBlToTr>
+                  </a:tcPr>
+                </a:tc>
+                <a:tc>
+                  <a:txBody>
+                    <a:bodyPr/>
+                    <a:lstStyle/>
+                    <a:p>
+                      <a:r>
+                        <a:rPr lang="ru-RU" sz="1600" b="0" dirty="0" smtClean="0">
+                          <a:solidFill>
+                            <a:srgbClr val="002060"/>
+                          </a:solidFill>
+                        </a:rPr>
+                        <a:t>Программные сущности должны быть открыты для расширения, но закрыты для изменения.</a:t>
+                      </a:r>
+                      <a:endParaRPr lang="ru-RU" sz="1600" b="0" dirty="0">
+                        <a:solidFill>
+                          <a:srgbClr val="002060"/>
+                        </a:solidFill>
+                      </a:endParaRPr>
+                    </a:p>
+                  </a:txBody>
+                  <a:tcPr>
+                    <a:lnL w="12700" cap="flat" cmpd="sng" algn="ctr">
+                      <a:solidFill>
+                        <a:srgbClr val="002060"/>
+                      </a:solidFill>
+                      <a:prstDash val="solid"/>
+                      <a:round/>
+                      <a:headEnd type="none" w="med" len="med"/>
+                      <a:tailEnd type="none" w="med" len="med"/>
+                    </a:lnL>
+                    <a:lnR w="12700" cap="flat" cmpd="sng" algn="ctr">
+                      <a:solidFill>
+                        <a:srgbClr val="002060"/>
+                      </a:solidFill>
+                      <a:prstDash val="solid"/>
+                      <a:round/>
+                      <a:headEnd type="none" w="med" len="med"/>
+                      <a:tailEnd type="none" w="med" len="med"/>
+                    </a:lnR>
+                    <a:lnT w="12700" cap="flat" cmpd="sng" algn="ctr">
+                      <a:solidFill>
+                        <a:srgbClr val="002060"/>
+                      </a:solidFill>
+                      <a:prstDash val="solid"/>
+                      <a:round/>
+                      <a:headEnd type="none" w="med" len="med"/>
+                      <a:tailEnd type="none" w="med" len="med"/>
+                    </a:lnT>
+                    <a:lnB w="12700" cap="flat" cmpd="sng" algn="ctr">
+                      <a:solidFill>
+                        <a:srgbClr val="002060"/>
+                      </a:solidFill>
+                      <a:prstDash val="solid"/>
+                      <a:round/>
+                      <a:headEnd type="none" w="med" len="med"/>
+                      <a:tailEnd type="none" w="med" len="med"/>
+                    </a:lnB>
+                    <a:lnTlToBr w="12700" cmpd="sng">
+                      <a:noFill/>
+                      <a:prstDash val="solid"/>
+                    </a:lnTlToBr>
+                    <a:lnBlToTr w="12700" cmpd="sng">
+                      <a:noFill/>
+                      <a:prstDash val="solid"/>
+                    </a:lnBlToTr>
+                  </a:tcPr>
+                </a:tc>
+              </a:tr>
+              <a:tr h="986230">
+                <a:tc>
+                  <a:txBody>
+                    <a:bodyPr/>
+                    <a:lstStyle/>
+                    <a:p>
+                      <a:pPr algn="ctr"/>
+                      <a:r>
+                        <a:rPr lang="ru-RU" sz="2400" b="1" dirty="0" smtClean="0">
+                          <a:solidFill>
+                            <a:srgbClr val="002060"/>
+                          </a:solidFill>
+                        </a:rPr>
+                        <a:t>L</a:t>
+                      </a:r>
+                      <a:endParaRPr lang="ru-RU" sz="2400" b="1" dirty="0">
+                        <a:solidFill>
+                          <a:srgbClr val="002060"/>
+                        </a:solidFill>
+                      </a:endParaRPr>
+                    </a:p>
+                  </a:txBody>
+                  <a:tcPr anchor="ctr">
+                    <a:lnL w="12700" cap="flat" cmpd="sng" algn="ctr">
+                      <a:solidFill>
+                        <a:srgbClr val="002060"/>
+                      </a:solidFill>
+                      <a:prstDash val="solid"/>
+                      <a:round/>
+                      <a:headEnd type="none" w="med" len="med"/>
+                      <a:tailEnd type="none" w="med" len="med"/>
+                    </a:lnL>
+                    <a:lnR w="12700" cap="flat" cmpd="sng" algn="ctr">
+                      <a:solidFill>
+                        <a:srgbClr val="002060"/>
+                      </a:solidFill>
+                      <a:prstDash val="solid"/>
+                      <a:round/>
+                      <a:headEnd type="none" w="med" len="med"/>
+                      <a:tailEnd type="none" w="med" len="med"/>
+                    </a:lnR>
+                    <a:lnT w="12700" cap="flat" cmpd="sng" algn="ctr">
+                      <a:solidFill>
+                        <a:srgbClr val="002060"/>
+                      </a:solidFill>
+                      <a:prstDash val="solid"/>
+                      <a:round/>
+                      <a:headEnd type="none" w="med" len="med"/>
+                      <a:tailEnd type="none" w="med" len="med"/>
+                    </a:lnT>
+                    <a:lnB w="12700" cap="flat" cmpd="sng" algn="ctr">
+                      <a:solidFill>
+                        <a:srgbClr val="002060"/>
+                      </a:solidFill>
+                      <a:prstDash val="solid"/>
+                      <a:round/>
+                      <a:headEnd type="none" w="med" len="med"/>
+                      <a:tailEnd type="none" w="med" len="med"/>
+                    </a:lnB>
+                    <a:lnTlToBr w="12700" cmpd="sng">
+                      <a:noFill/>
+                      <a:prstDash val="solid"/>
+                    </a:lnTlToBr>
+                    <a:lnBlToTr w="12700" cmpd="sng">
+                      <a:noFill/>
+                      <a:prstDash val="solid"/>
+                    </a:lnBlToTr>
+                  </a:tcPr>
+                </a:tc>
+                <a:tc>
+                  <a:txBody>
+                    <a:bodyPr/>
+                    <a:lstStyle/>
+                    <a:p>
+                      <a:r>
+                        <a:rPr lang="ru-RU" sz="1600" b="0" i="1" dirty="0" smtClean="0">
+                          <a:solidFill>
+                            <a:srgbClr val="002060"/>
+                          </a:solidFill>
+                        </a:rPr>
+                        <a:t>Liskov substitution principle</a:t>
+                      </a:r>
+                      <a:r>
+                        <a:rPr lang="en-US" sz="1600" b="0" i="1" dirty="0" smtClean="0">
+                          <a:solidFill>
+                            <a:srgbClr val="002060"/>
+                          </a:solidFill>
+                        </a:rPr>
+                        <a:t/>
+                      </a:r>
+                      <a:br>
+                        <a:rPr lang="en-US" sz="1600" b="0" i="1" dirty="0" smtClean="0">
+                          <a:solidFill>
+                            <a:srgbClr val="002060"/>
+                          </a:solidFill>
+                        </a:rPr>
+                      </a:br>
+                      <a:r>
+                        <a:rPr lang="ru-RU" sz="1600" b="0" i="1" dirty="0" smtClean="0">
+                          <a:solidFill>
+                            <a:srgbClr val="002060"/>
+                          </a:solidFill>
+                        </a:rPr>
+                        <a:t>Принцип подстановки Барбары Лисков</a:t>
+                      </a:r>
+                      <a:endParaRPr lang="ru-RU" sz="1600" b="0" i="1" dirty="0">
+                        <a:solidFill>
+                          <a:srgbClr val="002060"/>
+                        </a:solidFill>
+                      </a:endParaRPr>
+                    </a:p>
+                  </a:txBody>
+                  <a:tcPr>
+                    <a:lnL w="12700" cap="flat" cmpd="sng" algn="ctr">
+                      <a:solidFill>
+                        <a:srgbClr val="002060"/>
+                      </a:solidFill>
+                      <a:prstDash val="solid"/>
+                      <a:round/>
+                      <a:headEnd type="none" w="med" len="med"/>
+                      <a:tailEnd type="none" w="med" len="med"/>
+                    </a:lnL>
+                    <a:lnR w="12700" cap="flat" cmpd="sng" algn="ctr">
+                      <a:solidFill>
+                        <a:srgbClr val="002060"/>
+                      </a:solidFill>
+                      <a:prstDash val="solid"/>
+                      <a:round/>
+                      <a:headEnd type="none" w="med" len="med"/>
+                      <a:tailEnd type="none" w="med" len="med"/>
+                    </a:lnR>
+                    <a:lnT w="12700" cap="flat" cmpd="sng" algn="ctr">
+                      <a:solidFill>
+                        <a:srgbClr val="002060"/>
+                      </a:solidFill>
+                      <a:prstDash val="solid"/>
+                      <a:round/>
+                      <a:headEnd type="none" w="med" len="med"/>
+                      <a:tailEnd type="none" w="med" len="med"/>
+                    </a:lnT>
+                    <a:lnB w="12700" cap="flat" cmpd="sng" algn="ctr">
+                      <a:solidFill>
+                        <a:srgbClr val="002060"/>
+                      </a:solidFill>
+                      <a:prstDash val="solid"/>
+                      <a:round/>
+                      <a:headEnd type="none" w="med" len="med"/>
+                      <a:tailEnd type="none" w="med" len="med"/>
+                    </a:lnB>
+                    <a:lnTlToBr w="12700" cmpd="sng">
+                      <a:noFill/>
+                      <a:prstDash val="solid"/>
+                    </a:lnTlToBr>
+                    <a:lnBlToTr w="12700" cmpd="sng">
+                      <a:noFill/>
+                      <a:prstDash val="solid"/>
+                    </a:lnBlToTr>
+                  </a:tcPr>
+                </a:tc>
+                <a:tc>
+                  <a:txBody>
+                    <a:bodyPr/>
+                    <a:lstStyle/>
+                    <a:p>
+                      <a:r>
+                        <a:rPr lang="ru-RU" sz="1600" b="0" dirty="0" smtClean="0">
+                          <a:solidFill>
+                            <a:srgbClr val="002060"/>
+                          </a:solidFill>
+                        </a:rPr>
+                        <a:t>Объекты в программе могут быть заменены их наследниками без изменения свойств программы. См. также контрактное программирование.</a:t>
+                      </a:r>
+                      <a:endParaRPr lang="ru-RU" sz="1600" b="0" dirty="0">
+                        <a:solidFill>
+                          <a:srgbClr val="002060"/>
+                        </a:solidFill>
+                      </a:endParaRPr>
+                    </a:p>
+                  </a:txBody>
+                  <a:tcPr>
+                    <a:lnL w="12700" cap="flat" cmpd="sng" algn="ctr">
+                      <a:solidFill>
+                        <a:srgbClr val="002060"/>
+                      </a:solidFill>
+                      <a:prstDash val="solid"/>
+                      <a:round/>
+                      <a:headEnd type="none" w="med" len="med"/>
+                      <a:tailEnd type="none" w="med" len="med"/>
+                    </a:lnL>
+                    <a:lnR w="12700" cap="flat" cmpd="sng" algn="ctr">
+                      <a:solidFill>
+                        <a:srgbClr val="002060"/>
+                      </a:solidFill>
+                      <a:prstDash val="solid"/>
+                      <a:round/>
+                      <a:headEnd type="none" w="med" len="med"/>
+                      <a:tailEnd type="none" w="med" len="med"/>
+                    </a:lnR>
+                    <a:lnT w="12700" cap="flat" cmpd="sng" algn="ctr">
+                      <a:solidFill>
+                        <a:srgbClr val="002060"/>
+                      </a:solidFill>
+                      <a:prstDash val="solid"/>
+                      <a:round/>
+                      <a:headEnd type="none" w="med" len="med"/>
+                      <a:tailEnd type="none" w="med" len="med"/>
+                    </a:lnT>
+                    <a:lnB w="12700" cap="flat" cmpd="sng" algn="ctr">
+                      <a:solidFill>
+                        <a:srgbClr val="002060"/>
+                      </a:solidFill>
+                      <a:prstDash val="solid"/>
+                      <a:round/>
+                      <a:headEnd type="none" w="med" len="med"/>
+                      <a:tailEnd type="none" w="med" len="med"/>
+                    </a:lnB>
+                    <a:lnTlToBr w="12700" cmpd="sng">
+                      <a:noFill/>
+                      <a:prstDash val="solid"/>
+                    </a:lnTlToBr>
+                    <a:lnBlToTr w="12700" cmpd="sng">
+                      <a:noFill/>
+                      <a:prstDash val="solid"/>
+                    </a:lnBlToTr>
+                  </a:tcPr>
+                </a:tc>
+              </a:tr>
+              <a:tr h="760806">
+                <a:tc>
+                  <a:txBody>
+                    <a:bodyPr/>
+                    <a:lstStyle/>
+                    <a:p>
+                      <a:pPr algn="ctr"/>
+                      <a:r>
+                        <a:rPr lang="ru-RU" sz="2400" b="1" dirty="0" smtClean="0">
+                          <a:solidFill>
+                            <a:srgbClr val="002060"/>
+                          </a:solidFill>
+                        </a:rPr>
+                        <a:t>I   	</a:t>
+                      </a:r>
+                      <a:endParaRPr lang="ru-RU" sz="2400" b="1" dirty="0">
+                        <a:solidFill>
+                          <a:srgbClr val="002060"/>
+                        </a:solidFill>
+                      </a:endParaRPr>
+                    </a:p>
+                  </a:txBody>
+                  <a:tcPr anchor="ctr">
+                    <a:lnL w="12700" cap="flat" cmpd="sng" algn="ctr">
+                      <a:solidFill>
+                        <a:srgbClr val="002060"/>
+                      </a:solidFill>
+                      <a:prstDash val="solid"/>
+                      <a:round/>
+                      <a:headEnd type="none" w="med" len="med"/>
+                      <a:tailEnd type="none" w="med" len="med"/>
+                    </a:lnL>
+                    <a:lnR w="12700" cap="flat" cmpd="sng" algn="ctr">
+                      <a:solidFill>
+                        <a:srgbClr val="002060"/>
+                      </a:solidFill>
+                      <a:prstDash val="solid"/>
+                      <a:round/>
+                      <a:headEnd type="none" w="med" len="med"/>
+                      <a:tailEnd type="none" w="med" len="med"/>
+                    </a:lnR>
+                    <a:lnT w="12700" cap="flat" cmpd="sng" algn="ctr">
+                      <a:solidFill>
+                        <a:srgbClr val="002060"/>
+                      </a:solidFill>
+                      <a:prstDash val="solid"/>
+                      <a:round/>
+                      <a:headEnd type="none" w="med" len="med"/>
+                      <a:tailEnd type="none" w="med" len="med"/>
+                    </a:lnT>
+                    <a:lnB w="12700" cap="flat" cmpd="sng" algn="ctr">
+                      <a:solidFill>
+                        <a:srgbClr val="002060"/>
+                      </a:solidFill>
+                      <a:prstDash val="solid"/>
+                      <a:round/>
+                      <a:headEnd type="none" w="med" len="med"/>
+                      <a:tailEnd type="none" w="med" len="med"/>
+                    </a:lnB>
+                    <a:lnTlToBr w="12700" cmpd="sng">
+                      <a:noFill/>
+                      <a:prstDash val="solid"/>
+                    </a:lnTlToBr>
+                    <a:lnBlToTr w="12700" cmpd="sng">
+                      <a:noFill/>
+                      <a:prstDash val="solid"/>
+                    </a:lnBlToTr>
+                  </a:tcPr>
+                </a:tc>
+                <a:tc>
+                  <a:txBody>
+                    <a:bodyPr/>
+                    <a:lstStyle/>
+                    <a:p>
+                      <a:r>
+                        <a:rPr lang="ru-RU" sz="1600" b="0" i="1" dirty="0" smtClean="0">
+                          <a:solidFill>
+                            <a:srgbClr val="002060"/>
+                          </a:solidFill>
+                        </a:rPr>
+                        <a:t>Interface segregation principle</a:t>
+                      </a:r>
+                      <a:r>
+                        <a:rPr lang="en-US" sz="1600" b="0" i="1" dirty="0" smtClean="0">
+                          <a:solidFill>
+                            <a:srgbClr val="002060"/>
+                          </a:solidFill>
+                        </a:rPr>
+                        <a:t/>
+                      </a:r>
+                      <a:br>
+                        <a:rPr lang="en-US" sz="1600" b="0" i="1" dirty="0" smtClean="0">
+                          <a:solidFill>
+                            <a:srgbClr val="002060"/>
+                          </a:solidFill>
+                        </a:rPr>
+                      </a:br>
+                      <a:r>
+                        <a:rPr lang="ru-RU" sz="1600" b="0" i="1" dirty="0" smtClean="0">
+                          <a:solidFill>
+                            <a:srgbClr val="002060"/>
+                          </a:solidFill>
+                        </a:rPr>
+                        <a:t>Принцип разделения интерфейса</a:t>
+                      </a:r>
+                      <a:endParaRPr lang="ru-RU" sz="1600" b="0" i="1" dirty="0">
+                        <a:solidFill>
+                          <a:srgbClr val="002060"/>
+                        </a:solidFill>
+                      </a:endParaRPr>
+                    </a:p>
+                  </a:txBody>
+                  <a:tcPr>
+                    <a:lnL w="12700" cap="flat" cmpd="sng" algn="ctr">
+                      <a:solidFill>
+                        <a:srgbClr val="002060"/>
+                      </a:solidFill>
+                      <a:prstDash val="solid"/>
+                      <a:round/>
+                      <a:headEnd type="none" w="med" len="med"/>
+                      <a:tailEnd type="none" w="med" len="med"/>
+                    </a:lnL>
+                    <a:lnR w="12700" cap="flat" cmpd="sng" algn="ctr">
+                      <a:solidFill>
+                        <a:srgbClr val="002060"/>
+                      </a:solidFill>
+                      <a:prstDash val="solid"/>
+                      <a:round/>
+                      <a:headEnd type="none" w="med" len="med"/>
+                      <a:tailEnd type="none" w="med" len="med"/>
+                    </a:lnR>
+                    <a:lnT w="12700" cap="flat" cmpd="sng" algn="ctr">
+                      <a:solidFill>
+                        <a:srgbClr val="002060"/>
+                      </a:solidFill>
+                      <a:prstDash val="solid"/>
+                      <a:round/>
+                      <a:headEnd type="none" w="med" len="med"/>
+                      <a:tailEnd type="none" w="med" len="med"/>
+                    </a:lnT>
+                    <a:lnB w="12700" cap="flat" cmpd="sng" algn="ctr">
+                      <a:solidFill>
+                        <a:srgbClr val="002060"/>
+                      </a:solidFill>
+                      <a:prstDash val="solid"/>
+                      <a:round/>
+                      <a:headEnd type="none" w="med" len="med"/>
+                      <a:tailEnd type="none" w="med" len="med"/>
+                    </a:lnB>
+                    <a:lnTlToBr w="12700" cmpd="sng">
+                      <a:noFill/>
+                      <a:prstDash val="solid"/>
+                    </a:lnTlToBr>
+                    <a:lnBlToTr w="12700" cmpd="sng">
+                      <a:noFill/>
+                      <a:prstDash val="solid"/>
+                    </a:lnBlToTr>
+                  </a:tcPr>
+                </a:tc>
+                <a:tc>
+                  <a:txBody>
+                    <a:bodyPr/>
+                    <a:lstStyle/>
+                    <a:p>
+                      <a:pPr marL="0" marR="0" indent="0" algn="l" defTabSz="914400" rtl="0" eaLnBrk="1" fontAlgn="auto" latinLnBrk="0" hangingPunct="1">
+                        <a:lnSpc>
+                          <a:spcPct val="100000"/>
+                        </a:lnSpc>
+                        <a:spcBef>
+                          <a:spcPts val="0"/>
+                        </a:spcBef>
+                        <a:spcAft>
+                          <a:spcPts val="0"/>
+                        </a:spcAft>
+                        <a:buClrTx/>
+                        <a:buSzTx/>
+                        <a:buFontTx/>
+                        <a:buNone/>
+                        <a:tabLst/>
+                        <a:defRPr/>
+                      </a:pPr>
+                      <a:r>
+                        <a:rPr lang="ru-RU" sz="1600" b="0" dirty="0" smtClean="0">
+                          <a:solidFill>
+                            <a:srgbClr val="002060"/>
+                          </a:solidFill>
+                        </a:rPr>
+                        <a:t>Много специализированных интерфейсов лучше, чем один универсальный.</a:t>
+                      </a:r>
+                    </a:p>
+                    <a:p>
+                      <a:endParaRPr lang="ru-RU" sz="1600" b="0" dirty="0">
+                        <a:solidFill>
+                          <a:srgbClr val="002060"/>
+                        </a:solidFill>
+                      </a:endParaRPr>
+                    </a:p>
+                  </a:txBody>
+                  <a:tcPr>
+                    <a:lnL w="12700" cap="flat" cmpd="sng" algn="ctr">
+                      <a:solidFill>
+                        <a:srgbClr val="002060"/>
+                      </a:solidFill>
+                      <a:prstDash val="solid"/>
+                      <a:round/>
+                      <a:headEnd type="none" w="med" len="med"/>
+                      <a:tailEnd type="none" w="med" len="med"/>
+                    </a:lnL>
+                    <a:lnR w="12700" cap="flat" cmpd="sng" algn="ctr">
+                      <a:solidFill>
+                        <a:srgbClr val="002060"/>
+                      </a:solidFill>
+                      <a:prstDash val="solid"/>
+                      <a:round/>
+                      <a:headEnd type="none" w="med" len="med"/>
+                      <a:tailEnd type="none" w="med" len="med"/>
+                    </a:lnR>
+                    <a:lnT w="12700" cap="flat" cmpd="sng" algn="ctr">
+                      <a:solidFill>
+                        <a:srgbClr val="002060"/>
+                      </a:solidFill>
+                      <a:prstDash val="solid"/>
+                      <a:round/>
+                      <a:headEnd type="none" w="med" len="med"/>
+                      <a:tailEnd type="none" w="med" len="med"/>
+                    </a:lnT>
+                    <a:lnB w="12700" cap="flat" cmpd="sng" algn="ctr">
+                      <a:solidFill>
+                        <a:srgbClr val="002060"/>
+                      </a:solidFill>
+                      <a:prstDash val="solid"/>
+                      <a:round/>
+                      <a:headEnd type="none" w="med" len="med"/>
+                      <a:tailEnd type="none" w="med" len="med"/>
+                    </a:lnB>
+                    <a:lnTlToBr w="12700" cmpd="sng">
+                      <a:noFill/>
+                      <a:prstDash val="solid"/>
+                    </a:lnTlToBr>
+                    <a:lnBlToTr w="12700" cmpd="sng">
+                      <a:noFill/>
+                      <a:prstDash val="solid"/>
+                    </a:lnBlToTr>
+                  </a:tcPr>
+                </a:tc>
+              </a:tr>
+              <a:tr h="1611207">
+                <a:tc>
+                  <a:txBody>
+                    <a:bodyPr/>
+                    <a:lstStyle/>
+                    <a:p>
+                      <a:pPr algn="ctr"/>
+                      <a:r>
+                        <a:rPr lang="en-US" sz="2400" b="1" dirty="0" smtClean="0">
+                          <a:solidFill>
+                            <a:srgbClr val="002060"/>
+                          </a:solidFill>
+                        </a:rPr>
+                        <a:t>D</a:t>
+                      </a:r>
+                      <a:endParaRPr lang="ru-RU" sz="2400" b="1" dirty="0">
+                        <a:solidFill>
+                          <a:srgbClr val="002060"/>
+                        </a:solidFill>
+                      </a:endParaRPr>
+                    </a:p>
+                  </a:txBody>
+                  <a:tcPr anchor="ctr">
+                    <a:lnL w="12700" cap="flat" cmpd="sng" algn="ctr">
+                      <a:solidFill>
+                        <a:srgbClr val="002060"/>
+                      </a:solidFill>
+                      <a:prstDash val="solid"/>
+                      <a:round/>
+                      <a:headEnd type="none" w="med" len="med"/>
+                      <a:tailEnd type="none" w="med" len="med"/>
+                    </a:lnL>
+                    <a:lnR w="12700" cap="flat" cmpd="sng" algn="ctr">
+                      <a:solidFill>
+                        <a:srgbClr val="002060"/>
+                      </a:solidFill>
+                      <a:prstDash val="solid"/>
+                      <a:round/>
+                      <a:headEnd type="none" w="med" len="med"/>
+                      <a:tailEnd type="none" w="med" len="med"/>
+                    </a:lnR>
+                    <a:lnT w="12700" cap="flat" cmpd="sng" algn="ctr">
+                      <a:solidFill>
+                        <a:srgbClr val="002060"/>
+                      </a:solidFill>
+                      <a:prstDash val="solid"/>
+                      <a:round/>
+                      <a:headEnd type="none" w="med" len="med"/>
+                      <a:tailEnd type="none" w="med" len="med"/>
+                    </a:lnT>
+                    <a:lnB w="12700" cap="flat" cmpd="sng" algn="ctr">
+                      <a:solidFill>
+                        <a:srgbClr val="002060"/>
+                      </a:solidFill>
+                      <a:prstDash val="solid"/>
+                      <a:round/>
+                      <a:headEnd type="none" w="med" len="med"/>
+                      <a:tailEnd type="none" w="med" len="med"/>
+                    </a:lnB>
+                    <a:lnTlToBr w="12700" cmpd="sng">
+                      <a:noFill/>
+                      <a:prstDash val="solid"/>
+                    </a:lnTlToBr>
+                    <a:lnBlToTr w="12700" cmpd="sng">
+                      <a:noFill/>
+                      <a:prstDash val="solid"/>
+                    </a:lnBlToTr>
+                  </a:tcPr>
+                </a:tc>
+                <a:tc>
+                  <a:txBody>
+                    <a:bodyPr/>
+                    <a:lstStyle/>
+                    <a:p>
+                      <a:r>
+                        <a:rPr lang="ru-RU" sz="1600" b="0" i="1" dirty="0" smtClean="0">
+                          <a:solidFill>
+                            <a:srgbClr val="002060"/>
+                          </a:solidFill>
+                        </a:rPr>
+                        <a:t>Dependency inversion principle</a:t>
+                      </a:r>
+                      <a:r>
+                        <a:rPr lang="en-US" sz="1600" b="0" i="1" dirty="0" smtClean="0">
+                          <a:solidFill>
+                            <a:srgbClr val="002060"/>
+                          </a:solidFill>
+                        </a:rPr>
+                        <a:t/>
+                      </a:r>
+                      <a:br>
+                        <a:rPr lang="en-US" sz="1600" b="0" i="1" dirty="0" smtClean="0">
+                          <a:solidFill>
+                            <a:srgbClr val="002060"/>
+                          </a:solidFill>
+                        </a:rPr>
+                      </a:br>
+                      <a:r>
+                        <a:rPr lang="ru-RU" sz="1600" b="0" i="1" dirty="0" smtClean="0">
+                          <a:solidFill>
+                            <a:srgbClr val="002060"/>
+                          </a:solidFill>
+                        </a:rPr>
+                        <a:t>Принцип инверсии зависимостей</a:t>
+                      </a:r>
+                      <a:endParaRPr lang="ru-RU" sz="1600" b="0" i="1" dirty="0">
+                        <a:solidFill>
+                          <a:srgbClr val="002060"/>
+                        </a:solidFill>
+                      </a:endParaRPr>
+                    </a:p>
+                  </a:txBody>
+                  <a:tcPr>
+                    <a:lnL w="12700" cap="flat" cmpd="sng" algn="ctr">
+                      <a:solidFill>
+                        <a:srgbClr val="002060"/>
+                      </a:solidFill>
+                      <a:prstDash val="solid"/>
+                      <a:round/>
+                      <a:headEnd type="none" w="med" len="med"/>
+                      <a:tailEnd type="none" w="med" len="med"/>
+                    </a:lnL>
+                    <a:lnR w="12700" cap="flat" cmpd="sng" algn="ctr">
+                      <a:solidFill>
+                        <a:srgbClr val="002060"/>
+                      </a:solidFill>
+                      <a:prstDash val="solid"/>
+                      <a:round/>
+                      <a:headEnd type="none" w="med" len="med"/>
+                      <a:tailEnd type="none" w="med" len="med"/>
+                    </a:lnR>
+                    <a:lnT w="12700" cap="flat" cmpd="sng" algn="ctr">
+                      <a:solidFill>
+                        <a:srgbClr val="002060"/>
+                      </a:solidFill>
+                      <a:prstDash val="solid"/>
+                      <a:round/>
+                      <a:headEnd type="none" w="med" len="med"/>
+                      <a:tailEnd type="none" w="med" len="med"/>
+                    </a:lnT>
+                    <a:lnB w="12700" cap="flat" cmpd="sng" algn="ctr">
+                      <a:solidFill>
+                        <a:srgbClr val="002060"/>
+                      </a:solidFill>
+                      <a:prstDash val="solid"/>
+                      <a:round/>
+                      <a:headEnd type="none" w="med" len="med"/>
+                      <a:tailEnd type="none" w="med" len="med"/>
+                    </a:lnB>
+                    <a:lnTlToBr w="12700" cmpd="sng">
+                      <a:noFill/>
+                      <a:prstDash val="solid"/>
+                    </a:lnTlToBr>
+                    <a:lnBlToTr w="12700" cmpd="sng">
+                      <a:noFill/>
+                      <a:prstDash val="solid"/>
+                    </a:lnBlToTr>
+                  </a:tcPr>
+                </a:tc>
+                <a:tc>
+                  <a:txBody>
+                    <a:bodyPr/>
+                    <a:lstStyle/>
+                    <a:p>
+                      <a:pPr marL="0" marR="0" indent="0" algn="l" defTabSz="914400" rtl="0" eaLnBrk="1" fontAlgn="auto" latinLnBrk="0" hangingPunct="1">
+                        <a:lnSpc>
+                          <a:spcPct val="100000"/>
+                        </a:lnSpc>
+                        <a:spcBef>
+                          <a:spcPts val="0"/>
+                        </a:spcBef>
+                        <a:spcAft>
+                          <a:spcPts val="0"/>
+                        </a:spcAft>
+                        <a:buClrTx/>
+                        <a:buSzTx/>
+                        <a:buFontTx/>
+                        <a:buNone/>
+                        <a:tabLst/>
+                        <a:defRPr/>
+                      </a:pPr>
+                      <a:r>
+                        <a:rPr lang="ru-RU" sz="1600" b="0" dirty="0" smtClean="0">
+                          <a:solidFill>
+                            <a:srgbClr val="002060"/>
+                          </a:solidFill>
+                        </a:rPr>
+                        <a:t>Зависимости внутри системы строятся на основе абстракций. Модули верхнего уровня не зависят от модулей нижнего уровня.</a:t>
+                      </a:r>
+                      <a:r>
+                        <a:rPr lang="en-US" sz="1600" b="0" baseline="0" dirty="0" smtClean="0">
+                          <a:solidFill>
+                            <a:srgbClr val="002060"/>
+                          </a:solidFill>
+                        </a:rPr>
+                        <a:t> </a:t>
+                      </a:r>
+                      <a:r>
+                        <a:rPr lang="ru-RU" sz="1600" b="0" dirty="0" smtClean="0">
+                          <a:solidFill>
+                            <a:srgbClr val="002060"/>
+                          </a:solidFill>
+                        </a:rPr>
+                        <a:t>Абстракции не должны зависеть от деталей. Детали должны зависеть от абстракций.</a:t>
+                      </a:r>
+                      <a:endParaRPr lang="ru-RU" sz="1600" b="0" dirty="0">
+                        <a:solidFill>
+                          <a:srgbClr val="002060"/>
+                        </a:solidFill>
+                      </a:endParaRPr>
+                    </a:p>
+                  </a:txBody>
+                  <a:tcPr>
+                    <a:lnL w="12700" cap="flat" cmpd="sng" algn="ctr">
+                      <a:solidFill>
+                        <a:srgbClr val="002060"/>
+                      </a:solidFill>
+                      <a:prstDash val="solid"/>
+                      <a:round/>
+                      <a:headEnd type="none" w="med" len="med"/>
+                      <a:tailEnd type="none" w="med" len="med"/>
+                    </a:lnL>
+                    <a:lnR w="12700" cap="flat" cmpd="sng" algn="ctr">
+                      <a:solidFill>
+                        <a:srgbClr val="002060"/>
+                      </a:solidFill>
+                      <a:prstDash val="solid"/>
+                      <a:round/>
+                      <a:headEnd type="none" w="med" len="med"/>
+                      <a:tailEnd type="none" w="med" len="med"/>
+                    </a:lnR>
+                    <a:lnT w="12700" cap="flat" cmpd="sng" algn="ctr">
+                      <a:solidFill>
+                        <a:srgbClr val="002060"/>
+                      </a:solidFill>
+                      <a:prstDash val="solid"/>
+                      <a:round/>
+                      <a:headEnd type="none" w="med" len="med"/>
+                      <a:tailEnd type="none" w="med" len="med"/>
+                    </a:lnT>
+                    <a:lnB w="12700" cap="flat" cmpd="sng" algn="ctr">
+                      <a:solidFill>
+                        <a:srgbClr val="002060"/>
+                      </a:solidFill>
+                      <a:prstDash val="solid"/>
+                      <a:round/>
+                      <a:headEnd type="none" w="med" len="med"/>
+                      <a:tailEnd type="none" w="med" len="med"/>
+                    </a:lnB>
+                    <a:lnTlToBr w="12700" cmpd="sng">
+                      <a:noFill/>
+                      <a:prstDash val="solid"/>
+                    </a:lnTlToBr>
+                    <a:lnBlToTr w="12700" cmpd="sng">
+                      <a:noFill/>
+                      <a:prstDash val="solid"/>
+                    </a:lnBlToTr>
+                  </a:tcPr>
+                </a:tc>
+              </a:tr>
+            </a:tbl>
+          </a:graphicData>
+        </a:graphic>
+      </p:graphicFrame>
+    </p:spTree>
+    <p:extLst>
+      <p:ext uri="{BB962C8B-B14F-4D97-AF65-F5344CB8AC3E}">
+        <p14:creationId xmlns:p14="http://schemas.microsoft.com/office/powerpoint/2010/main" val="216396094"/>
+      </p:ext>
+    </p:extLst>
+  </p:cSld>
+  <p:clrMapOvr>
+    <a:masterClrMapping/>
+  </p:clrMapOvr>
+  <p:timing>
+    <p:tnLst>
+      <p:par>
+        <p:cTn id="1" dur="indefinite" restart="never" nodeType="tmRoot"/>
+      </p:par>
+    </p:tnLst>
+  </p:timing>
+</p:sld>
+</file>
+
+<file path=ppt/slides/slide9.xml><?xml version="1.0" encoding="utf-8"?>
+<p:sld xmlns:a="http://schemas.openxmlformats.org/drawingml/2006/main" xmlns:r="http://schemas.openxmlformats.org/officeDocument/2006/relationships" xmlns:p="http://schemas.openxmlformats.org/presentationml/2006/main">
+  <p:cSld>
+    <p:spTree>
+      <p:nvGrpSpPr>
+        <p:cNvPr id="1" name=""/>
+        <p:cNvGrpSpPr/>
+        <p:nvPr/>
+      </p:nvGrpSpPr>
+      <p:grpSpPr>
+        <a:xfrm>
+          <a:off x="0" y="0"/>
+          <a:ext cx="0" cy="0"/>
+          <a:chOff x="0" y="0"/>
+          <a:chExt cx="0" cy="0"/>
+        </a:xfrm>
+      </p:grpSpPr>
+      <p:sp>
+        <p:nvSpPr>
+          <p:cNvPr id="2" name="Title 1"/>
+          <p:cNvSpPr>
+            <a:spLocks noGrp="1"/>
+          </p:cNvSpPr>
+          <p:nvPr>
+            <p:ph type="title"/>
+          </p:nvPr>
+        </p:nvSpPr>
+        <p:spPr/>
+        <p:txBody>
           <a:bodyPr>
             <a:normAutofit/>
           </a:bodyPr>
@@ -5596,11 +6996,7 @@
             </a:r>
             <a:r>
               <a:rPr lang="en-US" b="1" dirty="0" smtClean="0"/>
-              <a:t> (</a:t>
-            </a:r>
-            <a:r>
-              <a:rPr lang="en-US" b="1" dirty="0" smtClean="0"/>
-              <a:t>Separation of concerns)</a:t>
+              <a:t> (Separation of concerns)</a:t>
             </a:r>
             <a:r>
               <a:rPr lang="en-US" dirty="0" smtClean="0"/>
@@ -5620,121 +7016,13 @@
   <p:clrMapOvr>
     <a:masterClrMapping/>
   </p:clrMapOvr>
-</p:sld>
-</file>
-
-<file path=ppt/slides/slide9.xml><?xml version="1.0" encoding="utf-8"?>
-<p:sld xmlns:a="http://schemas.openxmlformats.org/drawingml/2006/main" xmlns:r="http://schemas.openxmlformats.org/officeDocument/2006/relationships" xmlns:p="http://schemas.openxmlformats.org/presentationml/2006/main">
-  <p:cSld>
-    <p:bg>
-      <p:bgPr>
-        <a:solidFill>
-          <a:schemeClr val="accent1"/>
-        </a:solidFill>
-        <a:effectLst/>
-      </p:bgPr>
-    </p:bg>
-    <p:spTree>
-      <p:nvGrpSpPr>
-        <p:cNvPr id="1" name=""/>
-        <p:cNvGrpSpPr/>
-        <p:nvPr/>
-      </p:nvGrpSpPr>
-      <p:grpSpPr>
-        <a:xfrm>
-          <a:off x="0" y="0"/>
-          <a:ext cx="0" cy="0"/>
-          <a:chOff x="0" y="0"/>
-          <a:chExt cx="0" cy="0"/>
-        </a:xfrm>
-      </p:grpSpPr>
-      <p:pic>
-        <p:nvPicPr>
-          <p:cNvPr id="3074" name="Picture 2" descr="Ee658124.b8220f0d-f76a-40d6-8b1b-5279f7cdcee9(en-us,PandP.10).png"/>
-          <p:cNvPicPr>
-            <a:picLocks noChangeAspect="1" noChangeArrowheads="1"/>
-          </p:cNvPicPr>
-          <p:nvPr/>
-        </p:nvPicPr>
-        <p:blipFill>
-          <a:blip r:embed="rId2">
-            <a:extLst>
-              <a:ext uri="{28A0092B-C50C-407E-A947-70E740481C1C}">
-                <a14:useLocalDpi xmlns:a14="http://schemas.microsoft.com/office/drawing/2010/main" val="0"/>
-              </a:ext>
-            </a:extLst>
-          </a:blip>
-          <a:srcRect/>
-          <a:stretch>
-            <a:fillRect/>
-          </a:stretch>
-        </p:blipFill>
-        <p:spPr bwMode="auto">
-          <a:xfrm>
-            <a:off x="2147888" y="1361652"/>
-            <a:ext cx="4848225" cy="5019676"/>
-          </a:xfrm>
-          <a:prstGeom prst="rect">
-            <a:avLst/>
-          </a:prstGeom>
-          <a:noFill/>
-          <a:extLst>
-            <a:ext uri="{909E8E84-426E-40DD-AFC4-6F175D3DCCD1}">
-              <a14:hiddenFill xmlns:a14="http://schemas.microsoft.com/office/drawing/2010/main">
-                <a:solidFill>
-                  <a:srgbClr val="FFFFFF"/>
-                </a:solidFill>
-              </a14:hiddenFill>
-            </a:ext>
-          </a:extLst>
-        </p:spPr>
-      </p:pic>
-      <p:sp>
-        <p:nvSpPr>
-          <p:cNvPr id="5" name="Title 1"/>
-          <p:cNvSpPr>
-            <a:spLocks noGrp="1"/>
-          </p:cNvSpPr>
-          <p:nvPr>
-            <p:ph type="title"/>
-          </p:nvPr>
-        </p:nvSpPr>
-        <p:spPr>
-          <a:xfrm>
-            <a:off x="457200" y="274638"/>
-            <a:ext cx="8229600" cy="1143000"/>
-          </a:xfrm>
-        </p:spPr>
-        <p:txBody>
-          <a:bodyPr/>
-          <a:lstStyle/>
-          <a:p>
-            <a:r>
-              <a:rPr lang="ru-RU" dirty="0" smtClean="0">
-                <a:solidFill>
-                  <a:srgbClr val="000000"/>
-                </a:solidFill>
-              </a:rPr>
-              <a:t>Типичная архитектура</a:t>
-            </a:r>
-            <a:endParaRPr lang="en-US" dirty="0">
-              <a:solidFill>
-                <a:srgbClr val="000000"/>
-              </a:solidFill>
-            </a:endParaRPr>
-          </a:p>
-        </p:txBody>
-      </p:sp>
-    </p:spTree>
-    <p:extLst>
-      <p:ext uri="{BB962C8B-B14F-4D97-AF65-F5344CB8AC3E}">
-        <p14:creationId xmlns:p14="http://schemas.microsoft.com/office/powerpoint/2010/main" val="3185773920"/>
-      </p:ext>
-    </p:extLst>
-  </p:cSld>
-  <p:clrMapOvr>
-    <a:masterClrMapping/>
-  </p:clrMapOvr>
+  <p:timing>
+    <p:tnLst>
+      <p:par>
+        <p:cTn id="1" dur="indefinite" restart="never" nodeType="tmRoot"/>
+      </p:par>
+    </p:tnLst>
+  </p:timing>
 </p:sld>
 </file>
 

--- a/Presentation/lesson-14-architecture.pptx
+++ b/Presentation/lesson-14-architecture.pptx
@@ -127,6 +127,22 @@
       </a:defRPr>
     </a:lvl9pPr>
   </p:defaultTextStyle>
+  <p:extLst>
+    <p:ext uri="{EFAFB233-063F-42B5-8137-9DF3F51BA10A}">
+      <p15:sldGuideLst xmlns:p15="http://schemas.microsoft.com/office/powerpoint/2012/main">
+        <p15:guide id="1" orient="horz" pos="2160">
+          <p15:clr>
+            <a:srgbClr val="A4A3A4"/>
+          </p15:clr>
+        </p15:guide>
+        <p15:guide id="2" pos="2880">
+          <p15:clr>
+            <a:srgbClr val="A4A3A4"/>
+          </p15:clr>
+        </p15:guide>
+      </p15:sldGuideLst>
+    </p:ext>
+  </p:extLst>
 </p:presentation>
 </file>
 
@@ -212,7 +228,7 @@
           <a:p>
             <a:fld id="{B24A7054-7FFB-49F4-A126-5DF6E687FF53}" type="datetimeFigureOut">
               <a:rPr lang="ru-RU" smtClean="0"/>
-              <a:t>05.09.2014</a:t>
+              <a:t>01.07.2018</a:t>
             </a:fld>
             <a:endParaRPr lang="ru-RU"/>
           </a:p>
@@ -276,35 +292,35 @@
           <a:p>
             <a:pPr lvl="0"/>
             <a:r>
-              <a:rPr lang="en-US" smtClean="0"/>
+              <a:rPr lang="en-US"/>
               <a:t>Click to edit Master text styles</a:t>
             </a:r>
           </a:p>
           <a:p>
             <a:pPr lvl="1"/>
             <a:r>
-              <a:rPr lang="en-US" smtClean="0"/>
+              <a:rPr lang="en-US"/>
               <a:t>Second level</a:t>
             </a:r>
           </a:p>
           <a:p>
             <a:pPr lvl="2"/>
             <a:r>
-              <a:rPr lang="en-US" smtClean="0"/>
+              <a:rPr lang="en-US"/>
               <a:t>Third level</a:t>
             </a:r>
           </a:p>
           <a:p>
             <a:pPr lvl="3"/>
             <a:r>
-              <a:rPr lang="en-US" smtClean="0"/>
+              <a:rPr lang="en-US"/>
               <a:t>Fourth level</a:t>
             </a:r>
           </a:p>
           <a:p>
             <a:pPr lvl="4"/>
             <a:r>
-              <a:rPr lang="en-US" smtClean="0"/>
+              <a:rPr lang="en-US"/>
               <a:t>Fifth level</a:t>
             </a:r>
             <a:endParaRPr lang="ru-RU"/>
@@ -520,7 +536,7 @@
           <a:p>
             <a:pPr algn="ctr"/>
             <a:r>
-              <a:rPr lang="ru-RU" sz="3600" b="1" i="1" dirty="0" smtClean="0">
+              <a:rPr lang="ru-RU" sz="3600" b="1" i="1" dirty="0">
                 <a:solidFill>
                   <a:schemeClr val="bg1"/>
                 </a:solidFill>
@@ -528,7 +544,7 @@
               <a:t>Основы программирования на </a:t>
             </a:r>
             <a:r>
-              <a:rPr lang="en-US" sz="3600" b="1" i="1" dirty="0" smtClean="0">
+              <a:rPr lang="en-US" sz="3600" b="1" i="1" dirty="0">
                 <a:solidFill>
                   <a:schemeClr val="bg1"/>
                 </a:solidFill>
@@ -635,18 +651,10 @@
                   <a:schemeClr val="bg1"/>
                 </a:solidFill>
               </a:rPr>
-              <a:t>Занятие </a:t>
-            </a:r>
-            <a:r>
-              <a:rPr lang="ru-RU" sz="2400" dirty="0" smtClean="0">
-                <a:solidFill>
-                  <a:schemeClr val="bg1"/>
-                </a:solidFill>
-              </a:rPr>
-              <a:t>№</a:t>
-            </a:r>
-            <a:r>
-              <a:rPr lang="en-US" sz="2400" dirty="0" smtClean="0">
+              <a:t>Занятие №</a:t>
+            </a:r>
+            <a:r>
+              <a:rPr lang="en-US" sz="2400" dirty="0">
                 <a:solidFill>
                   <a:schemeClr val="bg1"/>
                 </a:solidFill>
@@ -654,7 +662,7 @@
               <a:t>?</a:t>
             </a:r>
             <a:r>
-              <a:rPr lang="ru-RU" sz="2400" dirty="0" smtClean="0">
+              <a:rPr lang="ru-RU" sz="2400" dirty="0">
                 <a:solidFill>
                   <a:schemeClr val="bg1"/>
                 </a:solidFill>
@@ -724,7 +732,7 @@
           </a:lstStyle>
           <a:p>
             <a:r>
-              <a:rPr lang="en-US" smtClean="0"/>
+              <a:rPr lang="en-US"/>
               <a:t>Click to edit Master title style</a:t>
             </a:r>
             <a:endParaRPr lang="ru-RU" dirty="0"/>
@@ -789,7 +797,7 @@
           </a:lstStyle>
           <a:p>
             <a:r>
-              <a:rPr lang="en-US" smtClean="0"/>
+              <a:rPr lang="en-US"/>
               <a:t>Click icon to add picture</a:t>
             </a:r>
             <a:endParaRPr lang="ru-RU"/>
@@ -855,7 +863,7 @@
           <a:p>
             <a:pPr lvl="0"/>
             <a:r>
-              <a:rPr lang="en-US" smtClean="0"/>
+              <a:rPr lang="en-US"/>
               <a:t>Click to edit Master text styles</a:t>
             </a:r>
           </a:p>
@@ -907,7 +915,7 @@
           <a:lstStyle/>
           <a:p>
             <a:r>
-              <a:rPr lang="en-US" smtClean="0"/>
+              <a:rPr lang="en-US"/>
               <a:t>Click to edit Master title style</a:t>
             </a:r>
             <a:endParaRPr lang="ru-RU" dirty="0"/>
@@ -931,35 +939,35 @@
           <a:p>
             <a:pPr lvl="0"/>
             <a:r>
-              <a:rPr lang="en-US" smtClean="0"/>
+              <a:rPr lang="en-US"/>
               <a:t>Click to edit Master text styles</a:t>
             </a:r>
           </a:p>
           <a:p>
             <a:pPr lvl="1"/>
             <a:r>
-              <a:rPr lang="en-US" smtClean="0"/>
+              <a:rPr lang="en-US"/>
               <a:t>Second level</a:t>
             </a:r>
           </a:p>
           <a:p>
             <a:pPr lvl="2"/>
             <a:r>
-              <a:rPr lang="en-US" smtClean="0"/>
+              <a:rPr lang="en-US"/>
               <a:t>Third level</a:t>
             </a:r>
           </a:p>
           <a:p>
             <a:pPr lvl="3"/>
             <a:r>
-              <a:rPr lang="en-US" smtClean="0"/>
+              <a:rPr lang="en-US"/>
               <a:t>Fourth level</a:t>
             </a:r>
           </a:p>
           <a:p>
             <a:pPr lvl="4"/>
             <a:r>
-              <a:rPr lang="en-US" smtClean="0"/>
+              <a:rPr lang="en-US"/>
               <a:t>Fifth level</a:t>
             </a:r>
             <a:endParaRPr lang="ru-RU" dirty="0"/>
@@ -1017,7 +1025,7 @@
           <a:lstStyle/>
           <a:p>
             <a:r>
-              <a:rPr lang="en-US" smtClean="0"/>
+              <a:rPr lang="en-US"/>
               <a:t>Click to edit Master title style</a:t>
             </a:r>
             <a:endParaRPr lang="ru-RU" dirty="0"/>
@@ -1046,35 +1054,35 @@
           <a:p>
             <a:pPr lvl="0"/>
             <a:r>
-              <a:rPr lang="en-US" smtClean="0"/>
+              <a:rPr lang="en-US"/>
               <a:t>Click to edit Master text styles</a:t>
             </a:r>
           </a:p>
           <a:p>
             <a:pPr lvl="1"/>
             <a:r>
-              <a:rPr lang="en-US" smtClean="0"/>
+              <a:rPr lang="en-US"/>
               <a:t>Second level</a:t>
             </a:r>
           </a:p>
           <a:p>
             <a:pPr lvl="2"/>
             <a:r>
-              <a:rPr lang="en-US" smtClean="0"/>
+              <a:rPr lang="en-US"/>
               <a:t>Third level</a:t>
             </a:r>
           </a:p>
           <a:p>
             <a:pPr lvl="3"/>
             <a:r>
-              <a:rPr lang="en-US" smtClean="0"/>
+              <a:rPr lang="en-US"/>
               <a:t>Fourth level</a:t>
             </a:r>
           </a:p>
           <a:p>
             <a:pPr lvl="4"/>
             <a:r>
-              <a:rPr lang="en-US" smtClean="0"/>
+              <a:rPr lang="en-US"/>
               <a:t>Fifth level</a:t>
             </a:r>
             <a:endParaRPr lang="ru-RU" dirty="0"/>
@@ -1132,7 +1140,7 @@
           <a:lstStyle/>
           <a:p>
             <a:r>
-              <a:rPr lang="en-US" smtClean="0"/>
+              <a:rPr lang="en-US"/>
               <a:t>Click to edit Master title style</a:t>
             </a:r>
             <a:endParaRPr lang="ru-RU"/>
@@ -1251,7 +1259,7 @@
           </a:lstStyle>
           <a:p>
             <a:r>
-              <a:rPr lang="en-US" smtClean="0"/>
+              <a:rPr lang="en-US"/>
               <a:t>Click to edit Master subtitle style</a:t>
             </a:r>
             <a:endParaRPr lang="ru-RU"/>
@@ -1275,7 +1283,7 @@
           <a:p>
             <a:fld id="{8E6E6A2A-E9D3-4A0D-B04A-ABDD367A1E08}" type="datetimeFigureOut">
               <a:rPr lang="ru-RU" smtClean="0"/>
-              <a:t>05.09.2014</a:t>
+              <a:t>01.07.2018</a:t>
             </a:fld>
             <a:endParaRPr lang="ru-RU"/>
           </a:p>
@@ -1369,7 +1377,7 @@
           <a:lstStyle/>
           <a:p>
             <a:r>
-              <a:rPr lang="en-US" smtClean="0"/>
+              <a:rPr lang="en-US"/>
               <a:t>Click to edit Master title style</a:t>
             </a:r>
             <a:endParaRPr lang="ru-RU" dirty="0"/>
@@ -1393,35 +1401,35 @@
           <a:p>
             <a:pPr lvl="0"/>
             <a:r>
-              <a:rPr lang="en-US" smtClean="0"/>
+              <a:rPr lang="en-US"/>
               <a:t>Click to edit Master text styles</a:t>
             </a:r>
           </a:p>
           <a:p>
             <a:pPr lvl="1"/>
             <a:r>
-              <a:rPr lang="en-US" smtClean="0"/>
+              <a:rPr lang="en-US"/>
               <a:t>Second level</a:t>
             </a:r>
           </a:p>
           <a:p>
             <a:pPr lvl="2"/>
             <a:r>
-              <a:rPr lang="en-US" smtClean="0"/>
+              <a:rPr lang="en-US"/>
               <a:t>Third level</a:t>
             </a:r>
           </a:p>
           <a:p>
             <a:pPr lvl="3"/>
             <a:r>
-              <a:rPr lang="en-US" smtClean="0"/>
+              <a:rPr lang="en-US"/>
               <a:t>Fourth level</a:t>
             </a:r>
           </a:p>
           <a:p>
             <a:pPr lvl="4"/>
             <a:r>
-              <a:rPr lang="en-US" smtClean="0"/>
+              <a:rPr lang="en-US"/>
               <a:t>Fifth level</a:t>
             </a:r>
             <a:endParaRPr lang="ru-RU" dirty="0"/>
@@ -1483,7 +1491,7 @@
           </a:lstStyle>
           <a:p>
             <a:r>
-              <a:rPr lang="en-US" smtClean="0"/>
+              <a:rPr lang="en-US"/>
               <a:t>Click to edit Master title style</a:t>
             </a:r>
             <a:endParaRPr lang="ru-RU" dirty="0"/>
@@ -1603,7 +1611,7 @@
           <a:p>
             <a:pPr lvl="0"/>
             <a:r>
-              <a:rPr lang="en-US" smtClean="0"/>
+              <a:rPr lang="en-US"/>
               <a:t>Click to edit Master text styles</a:t>
             </a:r>
           </a:p>
@@ -1655,7 +1663,7 @@
           <a:lstStyle/>
           <a:p>
             <a:r>
-              <a:rPr lang="en-US" smtClean="0"/>
+              <a:rPr lang="en-US"/>
               <a:t>Click to edit Master title style</a:t>
             </a:r>
             <a:endParaRPr lang="ru-RU" dirty="0"/>
@@ -1712,35 +1720,35 @@
           <a:p>
             <a:pPr lvl="0"/>
             <a:r>
-              <a:rPr lang="en-US" smtClean="0"/>
+              <a:rPr lang="en-US"/>
               <a:t>Click to edit Master text styles</a:t>
             </a:r>
           </a:p>
           <a:p>
             <a:pPr lvl="1"/>
             <a:r>
-              <a:rPr lang="en-US" smtClean="0"/>
+              <a:rPr lang="en-US"/>
               <a:t>Second level</a:t>
             </a:r>
           </a:p>
           <a:p>
             <a:pPr lvl="2"/>
             <a:r>
-              <a:rPr lang="en-US" smtClean="0"/>
+              <a:rPr lang="en-US"/>
               <a:t>Third level</a:t>
             </a:r>
           </a:p>
           <a:p>
             <a:pPr lvl="3"/>
             <a:r>
-              <a:rPr lang="en-US" smtClean="0"/>
+              <a:rPr lang="en-US"/>
               <a:t>Fourth level</a:t>
             </a:r>
           </a:p>
           <a:p>
             <a:pPr lvl="4"/>
             <a:r>
-              <a:rPr lang="en-US" smtClean="0"/>
+              <a:rPr lang="en-US"/>
               <a:t>Fifth level</a:t>
             </a:r>
             <a:endParaRPr lang="ru-RU" dirty="0"/>
@@ -1797,35 +1805,35 @@
           <a:p>
             <a:pPr lvl="0"/>
             <a:r>
-              <a:rPr lang="en-US" smtClean="0"/>
+              <a:rPr lang="en-US"/>
               <a:t>Click to edit Master text styles</a:t>
             </a:r>
           </a:p>
           <a:p>
             <a:pPr lvl="1"/>
             <a:r>
-              <a:rPr lang="en-US" smtClean="0"/>
+              <a:rPr lang="en-US"/>
               <a:t>Second level</a:t>
             </a:r>
           </a:p>
           <a:p>
             <a:pPr lvl="2"/>
             <a:r>
-              <a:rPr lang="en-US" smtClean="0"/>
+              <a:rPr lang="en-US"/>
               <a:t>Third level</a:t>
             </a:r>
           </a:p>
           <a:p>
             <a:pPr lvl="3"/>
             <a:r>
-              <a:rPr lang="en-US" smtClean="0"/>
+              <a:rPr lang="en-US"/>
               <a:t>Fourth level</a:t>
             </a:r>
           </a:p>
           <a:p>
             <a:pPr lvl="4"/>
             <a:r>
-              <a:rPr lang="en-US" smtClean="0"/>
+              <a:rPr lang="en-US"/>
               <a:t>Fifth level</a:t>
             </a:r>
             <a:endParaRPr lang="ru-RU" dirty="0"/>
@@ -1882,7 +1890,7 @@
           </a:lstStyle>
           <a:p>
             <a:r>
-              <a:rPr lang="en-US" smtClean="0"/>
+              <a:rPr lang="en-US"/>
               <a:t>Click to edit Master title style</a:t>
             </a:r>
             <a:endParaRPr lang="ru-RU" dirty="0"/>
@@ -1948,7 +1956,7 @@
           <a:p>
             <a:pPr lvl="0"/>
             <a:r>
-              <a:rPr lang="en-US" smtClean="0"/>
+              <a:rPr lang="en-US"/>
               <a:t>Click to edit Master text styles</a:t>
             </a:r>
           </a:p>
@@ -2004,35 +2012,35 @@
           <a:p>
             <a:pPr lvl="0"/>
             <a:r>
-              <a:rPr lang="en-US" smtClean="0"/>
+              <a:rPr lang="en-US"/>
               <a:t>Click to edit Master text styles</a:t>
             </a:r>
           </a:p>
           <a:p>
             <a:pPr lvl="1"/>
             <a:r>
-              <a:rPr lang="en-US" smtClean="0"/>
+              <a:rPr lang="en-US"/>
               <a:t>Second level</a:t>
             </a:r>
           </a:p>
           <a:p>
             <a:pPr lvl="2"/>
             <a:r>
-              <a:rPr lang="en-US" smtClean="0"/>
+              <a:rPr lang="en-US"/>
               <a:t>Third level</a:t>
             </a:r>
           </a:p>
           <a:p>
             <a:pPr lvl="3"/>
             <a:r>
-              <a:rPr lang="en-US" smtClean="0"/>
+              <a:rPr lang="en-US"/>
               <a:t>Fourth level</a:t>
             </a:r>
           </a:p>
           <a:p>
             <a:pPr lvl="4"/>
             <a:r>
-              <a:rPr lang="en-US" smtClean="0"/>
+              <a:rPr lang="en-US"/>
               <a:t>Fifth level</a:t>
             </a:r>
             <a:endParaRPr lang="ru-RU" dirty="0"/>
@@ -2098,7 +2106,7 @@
           <a:p>
             <a:pPr lvl="0"/>
             <a:r>
-              <a:rPr lang="en-US" smtClean="0"/>
+              <a:rPr lang="en-US"/>
               <a:t>Click to edit Master text styles</a:t>
             </a:r>
           </a:p>
@@ -2154,35 +2162,35 @@
           <a:p>
             <a:pPr lvl="0"/>
             <a:r>
-              <a:rPr lang="en-US" smtClean="0"/>
+              <a:rPr lang="en-US"/>
               <a:t>Click to edit Master text styles</a:t>
             </a:r>
           </a:p>
           <a:p>
             <a:pPr lvl="1"/>
             <a:r>
-              <a:rPr lang="en-US" smtClean="0"/>
+              <a:rPr lang="en-US"/>
               <a:t>Second level</a:t>
             </a:r>
           </a:p>
           <a:p>
             <a:pPr lvl="2"/>
             <a:r>
-              <a:rPr lang="en-US" smtClean="0"/>
+              <a:rPr lang="en-US"/>
               <a:t>Third level</a:t>
             </a:r>
           </a:p>
           <a:p>
             <a:pPr lvl="3"/>
             <a:r>
-              <a:rPr lang="en-US" smtClean="0"/>
+              <a:rPr lang="en-US"/>
               <a:t>Fourth level</a:t>
             </a:r>
           </a:p>
           <a:p>
             <a:pPr lvl="4"/>
             <a:r>
-              <a:rPr lang="en-US" smtClean="0"/>
+              <a:rPr lang="en-US"/>
               <a:t>Fifth level</a:t>
             </a:r>
             <a:endParaRPr lang="ru-RU" dirty="0"/>
@@ -2235,7 +2243,7 @@
           <a:lstStyle/>
           <a:p>
             <a:r>
-              <a:rPr lang="en-US" smtClean="0"/>
+              <a:rPr lang="en-US"/>
               <a:t>Click to edit Master title style</a:t>
             </a:r>
             <a:endParaRPr lang="ru-RU" dirty="0"/>
@@ -2296,14 +2304,14 @@
           <a:p>
             <a:pPr algn="ctr"/>
             <a:r>
-              <a:rPr lang="ru-RU" sz="3200" dirty="0" smtClean="0"/>
+              <a:rPr lang="ru-RU" sz="3200" dirty="0"/>
               <a:t>Название.</a:t>
             </a:r>
             <a:r>
-              <a:rPr lang="ru-RU" sz="3200" baseline="0" dirty="0" smtClean="0"/>
+              <a:rPr lang="ru-RU" sz="3200" baseline="0" dirty="0"/>
               <a:t> Демонстрация.</a:t>
             </a:r>
-            <a:endParaRPr lang="ru-RU" sz="3200" dirty="0" smtClean="0"/>
+            <a:endParaRPr lang="ru-RU" sz="3200" dirty="0"/>
           </a:p>
         </p:txBody>
       </p:sp>
@@ -2392,7 +2400,7 @@
           </a:lstStyle>
           <a:p>
             <a:r>
-              <a:rPr lang="en-US" smtClean="0"/>
+              <a:rPr lang="en-US"/>
               <a:t>Click to edit Master title style</a:t>
             </a:r>
             <a:endParaRPr lang="ru-RU" dirty="0"/>
@@ -2449,35 +2457,35 @@
           <a:p>
             <a:pPr lvl="0"/>
             <a:r>
-              <a:rPr lang="en-US" smtClean="0"/>
+              <a:rPr lang="en-US"/>
               <a:t>Click to edit Master text styles</a:t>
             </a:r>
           </a:p>
           <a:p>
             <a:pPr lvl="1"/>
             <a:r>
-              <a:rPr lang="en-US" smtClean="0"/>
+              <a:rPr lang="en-US"/>
               <a:t>Second level</a:t>
             </a:r>
           </a:p>
           <a:p>
             <a:pPr lvl="2"/>
             <a:r>
-              <a:rPr lang="en-US" smtClean="0"/>
+              <a:rPr lang="en-US"/>
               <a:t>Third level</a:t>
             </a:r>
           </a:p>
           <a:p>
             <a:pPr lvl="3"/>
             <a:r>
-              <a:rPr lang="en-US" smtClean="0"/>
+              <a:rPr lang="en-US"/>
               <a:t>Fourth level</a:t>
             </a:r>
           </a:p>
           <a:p>
             <a:pPr lvl="4"/>
             <a:r>
-              <a:rPr lang="en-US" smtClean="0"/>
+              <a:rPr lang="en-US"/>
               <a:t>Fifth level</a:t>
             </a:r>
             <a:endParaRPr lang="ru-RU" dirty="0"/>
@@ -2543,7 +2551,7 @@
           <a:p>
             <a:pPr lvl="0"/>
             <a:r>
-              <a:rPr lang="en-US" smtClean="0"/>
+              <a:rPr lang="en-US"/>
               <a:t>Click to edit Master text styles</a:t>
             </a:r>
           </a:p>
@@ -2619,7 +2627,7 @@
           <a:lstStyle/>
           <a:p>
             <a:r>
-              <a:rPr lang="en-US" smtClean="0"/>
+              <a:rPr lang="en-US"/>
               <a:t>Click to edit Master title style</a:t>
             </a:r>
             <a:endParaRPr lang="ru-RU"/>
@@ -2653,35 +2661,35 @@
           <a:p>
             <a:pPr lvl="0"/>
             <a:r>
-              <a:rPr lang="en-US" smtClean="0"/>
+              <a:rPr lang="en-US"/>
               <a:t>Click to edit Master text styles</a:t>
             </a:r>
           </a:p>
           <a:p>
             <a:pPr lvl="1"/>
             <a:r>
-              <a:rPr lang="en-US" smtClean="0"/>
+              <a:rPr lang="en-US"/>
               <a:t>Second level</a:t>
             </a:r>
           </a:p>
           <a:p>
             <a:pPr lvl="2"/>
             <a:r>
-              <a:rPr lang="en-US" smtClean="0"/>
+              <a:rPr lang="en-US"/>
               <a:t>Third level</a:t>
             </a:r>
           </a:p>
           <a:p>
             <a:pPr lvl="3"/>
             <a:r>
-              <a:rPr lang="en-US" smtClean="0"/>
+              <a:rPr lang="en-US"/>
               <a:t>Fourth level</a:t>
             </a:r>
           </a:p>
           <a:p>
             <a:pPr lvl="4"/>
             <a:r>
-              <a:rPr lang="en-US" smtClean="0"/>
+              <a:rPr lang="en-US"/>
               <a:t>Fifth level</a:t>
             </a:r>
             <a:endParaRPr lang="ru-RU"/>
@@ -2723,7 +2731,7 @@
           <a:p>
             <a:fld id="{AC3D3127-B7C4-45E3-9797-C527EC9FDD78}" type="datetimeFigureOut">
               <a:rPr lang="ru-RU" smtClean="0"/>
-              <a:t>05.09.2014</a:t>
+              <a:t>01.07.2018</a:t>
             </a:fld>
             <a:endParaRPr lang="ru-RU"/>
           </a:p>
@@ -3109,7 +3117,7 @@
         <p:spPr>
           <a:xfrm>
             <a:off x="143508" y="1304764"/>
-            <a:ext cx="8856984" cy="646331"/>
+            <a:ext cx="8856984" cy="523220"/>
           </a:xfrm>
           <a:prstGeom prst="rect">
             <a:avLst/>
@@ -3123,7 +3131,7 @@
           <a:p>
             <a:pPr algn="ctr"/>
             <a:r>
-              <a:rPr lang="ru-RU" sz="3600" b="1" i="1" dirty="0" smtClean="0">
+              <a:rPr lang="ru-RU" sz="2800" i="1" dirty="0">
                 <a:solidFill>
                   <a:schemeClr val="bg1"/>
                 </a:solidFill>
@@ -3131,14 +3139,14 @@
               <a:t>Основы программирования на </a:t>
             </a:r>
             <a:r>
-              <a:rPr lang="en-US" sz="3600" b="1" i="1" dirty="0" smtClean="0">
+              <a:rPr lang="en-US" sz="2800" i="1" dirty="0">
                 <a:solidFill>
                   <a:schemeClr val="bg1"/>
                 </a:solidFill>
               </a:rPr>
               <a:t>C#</a:t>
             </a:r>
-            <a:endParaRPr lang="ru-RU" sz="3600" b="1" i="1" dirty="0">
+            <a:endParaRPr lang="ru-RU" sz="2800" i="1" dirty="0">
               <a:solidFill>
                 <a:schemeClr val="bg1"/>
               </a:solidFill>
@@ -3146,70 +3154,6 @@
           </a:p>
         </p:txBody>
       </p:sp>
-      <p:pic>
-        <p:nvPicPr>
-          <p:cNvPr id="6" name="Picture 5"/>
-          <p:cNvPicPr>
-            <a:picLocks noChangeAspect="1" noChangeArrowheads="1"/>
-          </p:cNvPicPr>
-          <p:nvPr/>
-        </p:nvPicPr>
-        <p:blipFill>
-          <a:blip r:embed="rId2">
-            <a:extLst>
-              <a:ext uri="{28A0092B-C50C-407E-A947-70E740481C1C}">
-                <a14:useLocalDpi xmlns:a14="http://schemas.microsoft.com/office/drawing/2010/main" val="0"/>
-              </a:ext>
-            </a:extLst>
-          </a:blip>
-          <a:srcRect/>
-          <a:stretch>
-            <a:fillRect/>
-          </a:stretch>
-        </p:blipFill>
-        <p:spPr bwMode="auto">
-          <a:xfrm>
-            <a:off x="1638300" y="3829211"/>
-            <a:ext cx="5867400" cy="1724025"/>
-          </a:xfrm>
-          <a:prstGeom prst="rect">
-            <a:avLst/>
-          </a:prstGeom>
-          <a:noFill/>
-          <a:ln>
-            <a:noFill/>
-          </a:ln>
-          <a:effectLst/>
-          <a:extLst>
-            <a:ext uri="{909E8E84-426E-40DD-AFC4-6F175D3DCCD1}">
-              <a14:hiddenFill xmlns:a14="http://schemas.microsoft.com/office/drawing/2010/main">
-                <a:solidFill>
-                  <a:schemeClr val="accent1"/>
-                </a:solidFill>
-              </a14:hiddenFill>
-            </a:ext>
-            <a:ext uri="{91240B29-F687-4F45-9708-019B960494DF}">
-              <a14:hiddenLine xmlns:a14="http://schemas.microsoft.com/office/drawing/2010/main" w="9525">
-                <a:solidFill>
-                  <a:schemeClr val="tx1"/>
-                </a:solidFill>
-                <a:miter lim="800000"/>
-                <a:headEnd/>
-                <a:tailEnd/>
-              </a14:hiddenLine>
-            </a:ext>
-            <a:ext uri="{AF507438-7753-43E0-B8FC-AC1667EBCBE1}">
-              <a14:hiddenEffects xmlns:a14="http://schemas.microsoft.com/office/drawing/2010/main">
-                <a:effectLst>
-                  <a:outerShdw dist="35921" dir="2700000" algn="ctr" rotWithShape="0">
-                    <a:schemeClr val="bg2"/>
-                  </a:outerShdw>
-                </a:effectLst>
-              </a14:hiddenEffects>
-            </a:ext>
-          </a:extLst>
-        </p:spPr>
-      </p:pic>
       <p:sp>
         <p:nvSpPr>
           <p:cNvPr id="7" name="TextBox 6"/>
@@ -3219,7 +3163,7 @@
         <p:spPr>
           <a:xfrm>
             <a:off x="143508" y="2528900"/>
-            <a:ext cx="8856984" cy="461665"/>
+            <a:ext cx="8856984" cy="646331"/>
           </a:xfrm>
           <a:prstGeom prst="rect">
             <a:avLst/>
@@ -3234,33 +3178,127 @@
           <a:p>
             <a:pPr algn="ctr"/>
             <a:r>
-              <a:rPr lang="ru-RU" sz="2400" dirty="0" smtClean="0">
+              <a:rPr lang="ru-RU" sz="3600" b="1" dirty="0">
                 <a:solidFill>
                   <a:schemeClr val="bg1"/>
                 </a:solidFill>
+                <a:latin typeface="Footlight MT Light" panose="0204060206030A020304" pitchFamily="18" charset="77"/>
               </a:rPr>
-              <a:t>Занятие №</a:t>
-            </a:r>
-            <a:r>
-              <a:rPr lang="en-US" sz="2400" dirty="0" smtClean="0">
+              <a:t>§ Архитектура приложений</a:t>
+            </a:r>
+          </a:p>
+        </p:txBody>
+      </p:sp>
+      <p:sp>
+        <p:nvSpPr>
+          <p:cNvPr id="8" name="TextBox 7">
+            <a:extLst>
+              <a:ext uri="{FF2B5EF4-FFF2-40B4-BE49-F238E27FC236}">
+                <a16:creationId xmlns:a16="http://schemas.microsoft.com/office/drawing/2014/main" id="{004E68F4-DDDD-B648-AB75-570D6E258F92}"/>
+              </a:ext>
+            </a:extLst>
+          </p:cNvPr>
+          <p:cNvSpPr txBox="1"/>
+          <p:nvPr/>
+        </p:nvSpPr>
+        <p:spPr>
+          <a:xfrm>
+            <a:off x="2339752" y="4984720"/>
+            <a:ext cx="4464496" cy="1138773"/>
+          </a:xfrm>
+          <a:prstGeom prst="rect">
+            <a:avLst/>
+          </a:prstGeom>
+          <a:noFill/>
+        </p:spPr>
+        <p:txBody>
+          <a:bodyPr wrap="square" rtlCol="0">
+            <a:spAutoFit/>
+          </a:bodyPr>
+          <a:lstStyle/>
+          <a:p>
+            <a:r>
+              <a:rPr lang="ru-RU" sz="2000" dirty="0">
                 <a:solidFill>
                   <a:schemeClr val="bg1"/>
                 </a:solidFill>
+                <a:effectLst>
+                  <a:outerShdw blurRad="50800" dist="38100" dir="5400000" algn="t" rotWithShape="0">
+                    <a:prstClr val="black">
+                      <a:alpha val="40000"/>
+                    </a:prstClr>
+                  </a:outerShdw>
+                </a:effectLst>
+                <a:latin typeface="Segoe Print" panose="02000800000000000000" pitchFamily="2" charset="0"/>
               </a:rPr>
-              <a:t>14</a:t>
-            </a:r>
-            <a:r>
-              <a:rPr lang="ru-RU" sz="2400" dirty="0">
+              <a:t>Центр Обучающих Технологий</a:t>
+            </a:r>
+          </a:p>
+          <a:p>
+            <a:pPr algn="ctr"/>
+            <a:r>
+              <a:rPr lang="ru-RU" sz="1600" dirty="0">
                 <a:solidFill>
                   <a:schemeClr val="bg1"/>
                 </a:solidFill>
+                <a:effectLst>
+                  <a:outerShdw blurRad="50800" dist="38100" dir="5400000" algn="t" rotWithShape="0">
+                    <a:prstClr val="black">
+                      <a:alpha val="40000"/>
+                    </a:prstClr>
+                  </a:outerShdw>
+                </a:effectLst>
+                <a:latin typeface="Segoe Print" panose="02000800000000000000" pitchFamily="2" charset="0"/>
               </a:rPr>
-              <a:t>. Архитектура приложений</a:t>
-            </a:r>
-            <a:endParaRPr lang="en-US" sz="2400" dirty="0">
+              <a:t>основан в 2002 году</a:t>
+            </a:r>
+          </a:p>
+          <a:p>
+            <a:pPr algn="ctr"/>
+            <a:endParaRPr lang="ru-RU" sz="1600" dirty="0">
               <a:solidFill>
                 <a:schemeClr val="bg1"/>
               </a:solidFill>
+              <a:effectLst>
+                <a:outerShdw blurRad="50800" dist="38100" dir="5400000" algn="t" rotWithShape="0">
+                  <a:prstClr val="black">
+                    <a:alpha val="40000"/>
+                  </a:prstClr>
+                </a:outerShdw>
+              </a:effectLst>
+              <a:latin typeface="Segoe Print" panose="02000800000000000000" pitchFamily="2" charset="0"/>
+            </a:endParaRPr>
+          </a:p>
+          <a:p>
+            <a:pPr algn="ctr"/>
+            <a:r>
+              <a:rPr lang="en-US" sz="1600" dirty="0" err="1">
+                <a:solidFill>
+                  <a:schemeClr val="bg1"/>
+                </a:solidFill>
+                <a:effectLst>
+                  <a:outerShdw blurRad="50800" dist="38100" dir="5400000" algn="t" rotWithShape="0">
+                    <a:prstClr val="black">
+                      <a:alpha val="40000"/>
+                    </a:prstClr>
+                  </a:outerShdw>
+                </a:effectLst>
+                <a:latin typeface="Segoe Print" panose="02000800000000000000" pitchFamily="2" charset="0"/>
+              </a:rPr>
+              <a:t>trainingcenter.by</a:t>
+            </a:r>
+            <a:endParaRPr lang="en-US" sz="1600" dirty="0">
+              <a:solidFill>
+                <a:schemeClr val="bg1"/>
+              </a:solidFill>
+              <a:effectLst>
+                <a:outerShdw blurRad="50800" dist="38100" dir="5400000" algn="t" rotWithShape="0">
+                  <a:prstClr val="black">
+                    <a:alpha val="40000"/>
+                  </a:prstClr>
+                </a:outerShdw>
+              </a:effectLst>
+              <a:latin typeface="Segoe Print" panose="02000800000000000000" pitchFamily="2" charset="0"/>
             </a:endParaRPr>
           </a:p>
         </p:txBody>
@@ -3275,13 +3313,6 @@
   <p:clrMapOvr>
     <a:masterClrMapping/>
   </p:clrMapOvr>
-  <p:timing>
-    <p:tnLst>
-      <p:par>
-        <p:cTn id="1" dur="indefinite" restart="never" nodeType="tmRoot"/>
-      </p:par>
-    </p:tnLst>
-  </p:timing>
 </p:sld>
 </file>
 
@@ -3372,7 +3403,7 @@
           <a:lstStyle/>
           <a:p>
             <a:r>
-              <a:rPr lang="ru-RU" dirty="0" smtClean="0">
+              <a:rPr lang="ru-RU" dirty="0">
                 <a:solidFill>
                   <a:srgbClr val="000000"/>
                 </a:solidFill>
@@ -3397,13 +3428,6 @@
   <p:clrMapOvr>
     <a:masterClrMapping/>
   </p:clrMapOvr>
-  <p:timing>
-    <p:tnLst>
-      <p:par>
-        <p:cTn id="1" dur="indefinite" restart="never" nodeType="tmRoot"/>
-      </p:par>
-    </p:tnLst>
-  </p:timing>
 </p:sld>
 </file>
 
@@ -3446,12 +3470,8 @@
               <a:buAutoNum type="arabicPeriod" startAt="2"/>
             </a:pPr>
             <a:r>
-              <a:rPr lang="ru-RU" dirty="0" smtClean="0"/>
-              <a:t>Принцип </a:t>
-            </a:r>
-            <a:r>
               <a:rPr lang="ru-RU" dirty="0"/>
-              <a:t>единственной обязанности</a:t>
+              <a:t>Принцип единственной обязанности</a:t>
             </a:r>
             <a:endParaRPr lang="en-US" dirty="0"/>
           </a:p>
@@ -3476,18 +3496,14 @@
           <a:p>
             <a:r>
               <a:rPr lang="ru-RU" b="1" dirty="0"/>
-              <a:t>Принцип единственной </a:t>
-            </a:r>
-            <a:r>
-              <a:rPr lang="ru-RU" b="1" dirty="0" smtClean="0"/>
-              <a:t>обязанности</a:t>
-            </a:r>
-            <a:r>
-              <a:rPr lang="en-US" b="1" dirty="0" smtClean="0"/>
+              <a:t>Принцип единственной обязанности</a:t>
+            </a:r>
+            <a:r>
+              <a:rPr lang="en-US" b="1" dirty="0"/>
               <a:t> (Single Responsibility principle)</a:t>
             </a:r>
             <a:r>
-              <a:rPr lang="en-US" dirty="0" smtClean="0"/>
+              <a:rPr lang="en-US" dirty="0"/>
               <a:t>. Each component or module should be responsible for only a specific feature or functionality, or aggregation of cohesive functionality.</a:t>
             </a:r>
           </a:p>
@@ -3548,7 +3564,7 @@
               <a:buAutoNum type="arabicPeriod" startAt="3"/>
             </a:pPr>
             <a:r>
-              <a:rPr lang="ru-RU" dirty="0" smtClean="0"/>
+              <a:rPr lang="ru-RU" dirty="0"/>
               <a:t>Основополагающие принципы</a:t>
             </a:r>
             <a:endParaRPr lang="en-US" dirty="0"/>
@@ -3573,12 +3589,8 @@
           <a:lstStyle/>
           <a:p>
             <a:r>
-              <a:rPr lang="en-US" b="1" dirty="0" smtClean="0"/>
-              <a:t>Principle </a:t>
-            </a:r>
-            <a:r>
               <a:rPr lang="en-US" b="1" dirty="0"/>
-              <a:t>of Least Knowledge </a:t>
+              <a:t>Principle of Least Knowledge </a:t>
             </a:r>
             <a:r>
               <a:rPr lang="en-US" dirty="0"/>
@@ -3651,17 +3663,12 @@
             </a:pPr>
             <a:r>
               <a:rPr lang="ru-RU" dirty="0"/>
-              <a:t>Не </a:t>
-            </a:r>
-            <a:r>
-              <a:rPr lang="ru-RU" dirty="0" smtClean="0"/>
-              <a:t>повторяйся</a:t>
-            </a:r>
-            <a:r>
-              <a:rPr lang="en-US" dirty="0" smtClean="0"/>
+              <a:t>Не повторяйся</a:t>
+            </a:r>
+            <a:r>
+              <a:rPr lang="en-US" dirty="0"/>
               <a:t>!</a:t>
             </a:r>
-            <a:endParaRPr lang="en-US" dirty="0"/>
           </a:p>
         </p:txBody>
       </p:sp>
@@ -3684,27 +3691,11 @@
           <a:p>
             <a:r>
               <a:rPr lang="ru-RU" b="1" dirty="0"/>
-              <a:t>Не </a:t>
-            </a:r>
-            <a:r>
-              <a:rPr lang="ru-RU" b="1" dirty="0" smtClean="0"/>
-              <a:t>повторяйся</a:t>
-            </a:r>
-            <a:r>
-              <a:rPr lang="en-US" b="1" dirty="0" smtClean="0"/>
-              <a:t> (Don’t </a:t>
+              <a:t>Не повторяйся</a:t>
             </a:r>
             <a:r>
               <a:rPr lang="en-US" b="1" dirty="0"/>
-              <a:t>repeat yourself </a:t>
-            </a:r>
-            <a:r>
-              <a:rPr lang="en-US" b="1" dirty="0" smtClean="0"/>
-              <a:t>- DRY</a:t>
-            </a:r>
-            <a:r>
-              <a:rPr lang="en-US" b="1" dirty="0"/>
-              <a:t>)</a:t>
+              <a:t> (Don’t repeat yourself - DRY)</a:t>
             </a:r>
             <a:r>
               <a:rPr lang="en-US" dirty="0"/>
@@ -3768,7 +3759,7 @@
               <a:buAutoNum type="arabicPeriod" startAt="5"/>
             </a:pPr>
             <a:r>
-              <a:rPr lang="ru-RU" dirty="0" smtClean="0"/>
+              <a:rPr lang="ru-RU" dirty="0"/>
               <a:t>Основополагающие принципы</a:t>
             </a:r>
             <a:endParaRPr lang="en-US" dirty="0"/>
@@ -3793,12 +3784,8 @@
           <a:lstStyle/>
           <a:p>
             <a:r>
-              <a:rPr lang="en-US" b="1" dirty="0" smtClean="0"/>
-              <a:t>Minimize </a:t>
-            </a:r>
-            <a:r>
               <a:rPr lang="en-US" b="1" dirty="0"/>
-              <a:t>upfront design. </a:t>
+              <a:t>Minimize upfront design. </a:t>
             </a:r>
             <a:r>
               <a:rPr lang="en-US" dirty="0"/>
@@ -3872,7 +3859,7 @@
           <a:lstStyle/>
           <a:p>
             <a:r>
-              <a:rPr lang="ru-RU" dirty="0" smtClean="0"/>
+              <a:rPr lang="ru-RU" dirty="0"/>
               <a:t>Жизненный цикл ПО</a:t>
             </a:r>
             <a:endParaRPr lang="en-US" dirty="0"/>
@@ -3897,135 +3884,135 @@
           <a:lstStyle/>
           <a:p>
             <a:r>
-              <a:rPr lang="ru-RU" dirty="0" smtClean="0"/>
+              <a:rPr lang="ru-RU" dirty="0"/>
               <a:t>Требования (</a:t>
             </a:r>
             <a:r>
-              <a:rPr lang="en-US" dirty="0" smtClean="0"/>
+              <a:rPr lang="en-US" dirty="0"/>
               <a:t>Requirements</a:t>
             </a:r>
             <a:r>
-              <a:rPr lang="ru-RU" dirty="0" smtClean="0"/>
+              <a:rPr lang="ru-RU" dirty="0"/>
               <a:t>)</a:t>
             </a:r>
             <a:endParaRPr lang="en-US" dirty="0"/>
           </a:p>
           <a:p>
             <a:r>
-              <a:rPr lang="ru-RU" dirty="0" smtClean="0"/>
+              <a:rPr lang="ru-RU" dirty="0"/>
               <a:t>Спецификация (</a:t>
             </a:r>
             <a:r>
-              <a:rPr lang="en-US" dirty="0" smtClean="0"/>
+              <a:rPr lang="en-US" dirty="0"/>
               <a:t>Specification</a:t>
             </a:r>
             <a:r>
-              <a:rPr lang="ru-RU" dirty="0" smtClean="0"/>
+              <a:rPr lang="ru-RU" dirty="0"/>
               <a:t>)</a:t>
             </a:r>
             <a:endParaRPr lang="en-US" dirty="0"/>
           </a:p>
           <a:p>
             <a:r>
-              <a:rPr lang="ru-RU" dirty="0" smtClean="0"/>
+              <a:rPr lang="ru-RU" dirty="0"/>
               <a:t>Архитектура (</a:t>
             </a:r>
             <a:r>
-              <a:rPr lang="en-US" dirty="0" smtClean="0"/>
+              <a:rPr lang="en-US" dirty="0"/>
               <a:t>Architecture</a:t>
             </a:r>
             <a:r>
-              <a:rPr lang="ru-RU" dirty="0" smtClean="0"/>
+              <a:rPr lang="ru-RU" dirty="0"/>
               <a:t>)</a:t>
             </a:r>
             <a:endParaRPr lang="en-US" dirty="0"/>
           </a:p>
           <a:p>
             <a:r>
-              <a:rPr lang="ru-RU" dirty="0" smtClean="0"/>
+              <a:rPr lang="ru-RU" dirty="0"/>
               <a:t>Дизайн (</a:t>
             </a:r>
             <a:r>
-              <a:rPr lang="en-US" dirty="0" smtClean="0"/>
+              <a:rPr lang="en-US" dirty="0"/>
               <a:t>Design</a:t>
             </a:r>
             <a:r>
-              <a:rPr lang="ru-RU" dirty="0" smtClean="0"/>
+              <a:rPr lang="ru-RU" dirty="0"/>
               <a:t>)</a:t>
             </a:r>
             <a:endParaRPr lang="en-US" dirty="0"/>
           </a:p>
           <a:p>
             <a:r>
-              <a:rPr lang="ru-RU" dirty="0" smtClean="0"/>
+              <a:rPr lang="ru-RU" dirty="0"/>
               <a:t>Программирование (</a:t>
             </a:r>
             <a:r>
-              <a:rPr lang="en-US" dirty="0" smtClean="0"/>
+              <a:rPr lang="en-US" dirty="0"/>
               <a:t>Implementation</a:t>
             </a:r>
             <a:r>
-              <a:rPr lang="ru-RU" dirty="0" smtClean="0"/>
+              <a:rPr lang="ru-RU" dirty="0"/>
               <a:t>)</a:t>
             </a:r>
             <a:endParaRPr lang="en-US" dirty="0"/>
           </a:p>
           <a:p>
             <a:r>
-              <a:rPr lang="ru-RU" dirty="0" smtClean="0"/>
+              <a:rPr lang="ru-RU" dirty="0"/>
               <a:t>Тестирование (</a:t>
             </a:r>
             <a:r>
-              <a:rPr lang="en-US" dirty="0" smtClean="0"/>
+              <a:rPr lang="en-US" dirty="0"/>
               <a:t>Testing</a:t>
             </a:r>
             <a:r>
-              <a:rPr lang="ru-RU" dirty="0" smtClean="0"/>
+              <a:rPr lang="ru-RU" dirty="0"/>
               <a:t>)</a:t>
             </a:r>
             <a:endParaRPr lang="en-US" dirty="0"/>
           </a:p>
           <a:p>
             <a:r>
-              <a:rPr lang="ru-RU" dirty="0" smtClean="0"/>
+              <a:rPr lang="ru-RU" dirty="0"/>
               <a:t>Отладка (</a:t>
             </a:r>
             <a:r>
-              <a:rPr lang="en-US" dirty="0" smtClean="0"/>
+              <a:rPr lang="en-US" dirty="0"/>
               <a:t>Debugging</a:t>
             </a:r>
             <a:r>
-              <a:rPr lang="ru-RU" dirty="0" smtClean="0"/>
+              <a:rPr lang="ru-RU" dirty="0"/>
               <a:t>)</a:t>
             </a:r>
             <a:endParaRPr lang="en-US" dirty="0"/>
           </a:p>
           <a:p>
             <a:r>
-              <a:rPr lang="ru-RU" dirty="0" smtClean="0"/>
+              <a:rPr lang="ru-RU" dirty="0"/>
               <a:t>Дистрибутив (</a:t>
             </a:r>
             <a:r>
-              <a:rPr lang="en-US" dirty="0" smtClean="0"/>
+              <a:rPr lang="en-US" dirty="0"/>
               <a:t>Deployment</a:t>
             </a:r>
             <a:r>
-              <a:rPr lang="ru-RU" dirty="0" smtClean="0"/>
+              <a:rPr lang="ru-RU" dirty="0"/>
               <a:t>)</a:t>
             </a:r>
-            <a:endParaRPr lang="en-US" dirty="0" smtClean="0"/>
-          </a:p>
-          <a:p>
-            <a:r>
-              <a:rPr lang="ru-RU" dirty="0" smtClean="0"/>
+            <a:endParaRPr lang="en-US" dirty="0"/>
+          </a:p>
+          <a:p>
+            <a:r>
+              <a:rPr lang="ru-RU" dirty="0"/>
               <a:t>Сопровождение (</a:t>
             </a:r>
             <a:r>
-              <a:rPr lang="en-US" dirty="0" smtClean="0"/>
+              <a:rPr lang="en-US" dirty="0"/>
               <a:t>Maintenance</a:t>
             </a:r>
             <a:r>
-              <a:rPr lang="ru-RU" dirty="0" smtClean="0"/>
+              <a:rPr lang="ru-RU" dirty="0"/>
               <a:t>)</a:t>
             </a:r>
             <a:endParaRPr lang="en-US" dirty="0"/>
@@ -4103,19 +4090,19 @@
           <a:lstStyle/>
           <a:p>
             <a:r>
-              <a:rPr lang="ru-RU" dirty="0" smtClean="0"/>
+              <a:rPr lang="ru-RU" dirty="0"/>
               <a:t>Водопад</a:t>
             </a:r>
           </a:p>
           <a:p>
             <a:r>
-              <a:rPr lang="ru-RU" dirty="0" smtClean="0"/>
+              <a:rPr lang="ru-RU" dirty="0"/>
               <a:t>Спираль</a:t>
             </a:r>
           </a:p>
           <a:p>
             <a:r>
-              <a:rPr lang="ru-RU" dirty="0" smtClean="0"/>
+              <a:rPr lang="ru-RU" dirty="0"/>
               <a:t>Гибкая модель</a:t>
             </a:r>
             <a:endParaRPr lang="en-US" dirty="0"/>
@@ -4168,15 +4155,15 @@
           <a:lstStyle/>
           <a:p>
             <a:r>
-              <a:rPr lang="ru-RU" dirty="0" smtClean="0"/>
+              <a:rPr lang="ru-RU" dirty="0"/>
               <a:t>«Водопад» (</a:t>
             </a:r>
             <a:r>
-              <a:rPr lang="en-US" dirty="0" smtClean="0"/>
+              <a:rPr lang="en-US" dirty="0"/>
               <a:t>Waterfall</a:t>
             </a:r>
             <a:r>
-              <a:rPr lang="ru-RU" dirty="0" smtClean="0"/>
+              <a:rPr lang="ru-RU" dirty="0"/>
               <a:t>)</a:t>
             </a:r>
             <a:endParaRPr lang="en-US" dirty="0"/>
@@ -4278,7 +4265,7 @@
           <a:lstStyle/>
           <a:p>
             <a:r>
-              <a:rPr lang="ru-RU" dirty="0" smtClean="0">
+              <a:rPr lang="ru-RU" dirty="0">
                 <a:solidFill>
                   <a:srgbClr val="000000"/>
                 </a:solidFill>
@@ -4388,7 +4375,7 @@
           <a:lstStyle/>
           <a:p>
             <a:r>
-              <a:rPr lang="ru-RU" dirty="0" smtClean="0">
+              <a:rPr lang="ru-RU" dirty="0">
                 <a:solidFill>
                   <a:srgbClr val="000000"/>
                 </a:solidFill>
@@ -4396,18 +4383,13 @@
               <a:t>Гибкая модель </a:t>
             </a:r>
             <a:r>
-              <a:rPr lang="en-US" dirty="0" smtClean="0">
+              <a:rPr lang="en-US" dirty="0">
                 <a:solidFill>
                   <a:srgbClr val="000000"/>
                 </a:solidFill>
               </a:rPr>
               <a:t>(Agile)</a:t>
             </a:r>
-            <a:endParaRPr lang="en-US" dirty="0">
-              <a:solidFill>
-                <a:srgbClr val="000000"/>
-              </a:solidFill>
-            </a:endParaRPr>
           </a:p>
         </p:txBody>
       </p:sp>
@@ -4496,7 +4478,7 @@
           <a:lstStyle/>
           <a:p>
             <a:r>
-              <a:rPr lang="ru-RU" dirty="0" smtClean="0"/>
+              <a:rPr lang="ru-RU" dirty="0"/>
               <a:t>Ссылки</a:t>
             </a:r>
             <a:endParaRPr lang="en-US" dirty="0"/>
@@ -4522,15 +4504,9 @@
               <a:rPr lang="en-US" dirty="0">
                 <a:hlinkClick r:id="rId2"/>
               </a:rPr>
-              <a:t>Microsoft Application Architecture Guide, 2nd </a:t>
-            </a:r>
-            <a:r>
-              <a:rPr lang="en-US" dirty="0" smtClean="0">
-                <a:hlinkClick r:id="rId2"/>
-              </a:rPr>
-              <a:t>Edition</a:t>
-            </a:r>
-            <a:endParaRPr lang="ru-RU" dirty="0" smtClean="0"/>
+              <a:t>Microsoft Application Architecture Guide, 2nd Edition</a:t>
+            </a:r>
+            <a:endParaRPr lang="ru-RU" dirty="0"/>
           </a:p>
           <a:p>
             <a:endParaRPr lang="en-US" dirty="0"/>
@@ -4583,7 +4559,7 @@
           <a:lstStyle/>
           <a:p>
             <a:r>
-              <a:rPr lang="ru-RU" dirty="0" smtClean="0"/>
+              <a:rPr lang="ru-RU" dirty="0"/>
               <a:t>Процесс разработки ПО</a:t>
             </a:r>
             <a:endParaRPr lang="en-US" dirty="0"/>
@@ -4608,84 +4584,76 @@
           <a:lstStyle/>
           <a:p>
             <a:r>
-              <a:rPr lang="en-US" dirty="0" smtClean="0"/>
+              <a:rPr lang="en-US" dirty="0"/>
               <a:t>Version (source) control (</a:t>
             </a:r>
             <a:r>
-              <a:rPr lang="ru-RU" dirty="0" smtClean="0"/>
-              <a:t>Система </a:t>
-            </a:r>
-            <a:r>
               <a:rPr lang="ru-RU" dirty="0"/>
-              <a:t>управления </a:t>
-            </a:r>
-            <a:r>
-              <a:rPr lang="ru-RU" dirty="0" smtClean="0"/>
-              <a:t>версиями</a:t>
-            </a:r>
-            <a:r>
-              <a:rPr lang="en-US" dirty="0" smtClean="0"/>
+              <a:t>Система управления версиями</a:t>
+            </a:r>
+            <a:r>
+              <a:rPr lang="en-US" dirty="0"/>
               <a:t>)</a:t>
             </a:r>
           </a:p>
           <a:p>
             <a:pPr lvl="1"/>
             <a:r>
-              <a:rPr lang="en-US" dirty="0" smtClean="0"/>
+              <a:rPr lang="en-US" dirty="0"/>
               <a:t>VSS, TFS, Subversion, </a:t>
             </a:r>
             <a:r>
-              <a:rPr lang="en-US" dirty="0" err="1" smtClean="0"/>
+              <a:rPr lang="en-US" dirty="0" err="1"/>
               <a:t>Git</a:t>
             </a:r>
             <a:r>
-              <a:rPr lang="en-US" dirty="0" smtClean="0"/>
+              <a:rPr lang="en-US" dirty="0"/>
               <a:t>, Mercurial </a:t>
             </a:r>
             <a:r>
-              <a:rPr lang="ru-RU" dirty="0" smtClean="0"/>
+              <a:rPr lang="ru-RU" dirty="0"/>
               <a:t>и т.д.</a:t>
             </a:r>
-            <a:endParaRPr lang="en-US" dirty="0" smtClean="0"/>
-          </a:p>
-          <a:p>
-            <a:r>
-              <a:rPr lang="en-US" dirty="0" smtClean="0"/>
+            <a:endParaRPr lang="en-US" dirty="0"/>
+          </a:p>
+          <a:p>
+            <a:r>
+              <a:rPr lang="en-US" dirty="0"/>
               <a:t>Test Driven Development (</a:t>
             </a:r>
             <a:r>
-              <a:rPr lang="ru-RU" dirty="0" smtClean="0"/>
+              <a:rPr lang="ru-RU" dirty="0"/>
               <a:t>управляемое тестами)</a:t>
             </a:r>
           </a:p>
           <a:p>
             <a:pPr lvl="1"/>
             <a:r>
-              <a:rPr lang="en-US" dirty="0" err="1" smtClean="0"/>
+              <a:rPr lang="en-US" dirty="0" err="1"/>
               <a:t>NUnit</a:t>
             </a:r>
             <a:r>
-              <a:rPr lang="en-US" dirty="0" smtClean="0"/>
+              <a:rPr lang="en-US" dirty="0"/>
               <a:t>, </a:t>
             </a:r>
             <a:r>
-              <a:rPr lang="en-US" dirty="0" err="1" smtClean="0"/>
+              <a:rPr lang="en-US" dirty="0" err="1"/>
               <a:t>XUnit</a:t>
             </a:r>
             <a:r>
-              <a:rPr lang="en-US" dirty="0" smtClean="0"/>
+              <a:rPr lang="en-US" dirty="0"/>
               <a:t>, </a:t>
             </a:r>
             <a:r>
-              <a:rPr lang="en-US" dirty="0" err="1" smtClean="0"/>
+              <a:rPr lang="en-US" dirty="0" err="1"/>
               <a:t>MSTest</a:t>
             </a:r>
-            <a:endParaRPr lang="en-US" dirty="0" smtClean="0"/>
+            <a:endParaRPr lang="en-US" dirty="0"/>
           </a:p>
           <a:p>
             <a:pPr lvl="1"/>
             <a:r>
-              <a:rPr lang="ru-RU" dirty="0" smtClean="0"/>
+              <a:rPr lang="ru-RU" dirty="0"/>
               <a:t>Книга: </a:t>
             </a:r>
             <a:r>
@@ -4700,27 +4668,26 @@
               </a:rPr>
               <a:t>.Net</a:t>
             </a:r>
-            <a:endParaRPr lang="ru-RU" dirty="0" smtClean="0"/>
-          </a:p>
-          <a:p>
-            <a:r>
-              <a:rPr lang="en-US" dirty="0" smtClean="0"/>
+            <a:endParaRPr lang="ru-RU" dirty="0"/>
+          </a:p>
+          <a:p>
+            <a:r>
+              <a:rPr lang="en-US" dirty="0"/>
               <a:t>Continuous Integration (CI)</a:t>
             </a:r>
           </a:p>
           <a:p>
             <a:pPr lvl="1"/>
             <a:r>
-              <a:rPr lang="en-US" dirty="0" smtClean="0"/>
+              <a:rPr lang="en-US" dirty="0"/>
               <a:t>TFS, Team City, CC.NET</a:t>
             </a:r>
           </a:p>
           <a:p>
             <a:r>
-              <a:rPr lang="en-US" dirty="0" smtClean="0"/>
+              <a:rPr lang="en-US" dirty="0"/>
               <a:t>Continuous Deployment</a:t>
             </a:r>
-            <a:endParaRPr lang="en-US" dirty="0"/>
           </a:p>
         </p:txBody>
       </p:sp>
@@ -4770,7 +4737,7 @@
           <a:lstStyle/>
           <a:p>
             <a:r>
-              <a:rPr lang="ru-RU" dirty="0" smtClean="0"/>
+              <a:rPr lang="ru-RU" dirty="0"/>
               <a:t>Тест Джоеля</a:t>
             </a:r>
             <a:endParaRPr lang="en-US" dirty="0"/>
@@ -4800,11 +4767,7 @@
             </a:pPr>
             <a:r>
               <a:rPr lang="ru-RU" dirty="0"/>
-              <a:t>Пользуетесь ли вы системой контроля </a:t>
-            </a:r>
-            <a:r>
-              <a:rPr lang="ru-RU" dirty="0" smtClean="0"/>
-              <a:t>версий?</a:t>
+              <a:t>Пользуетесь ли вы системой контроля версий?</a:t>
             </a:r>
           </a:p>
           <a:p>
@@ -4813,16 +4776,8 @@
               <a:buAutoNum type="arabicPeriod"/>
             </a:pPr>
             <a:r>
-              <a:rPr lang="ru-RU" dirty="0" smtClean="0"/>
-              <a:t>Можете </a:t>
-            </a:r>
-            <a:r>
               <a:rPr lang="ru-RU" dirty="0"/>
-              <a:t>ли вы собрать продукт за один </a:t>
-            </a:r>
-            <a:r>
-              <a:rPr lang="ru-RU" dirty="0" smtClean="0"/>
-              <a:t>шаг?</a:t>
+              <a:t>Можете ли вы собрать продукт за один шаг?</a:t>
             </a:r>
           </a:p>
           <a:p>
@@ -4831,16 +4786,8 @@
               <a:buAutoNum type="arabicPeriod"/>
             </a:pPr>
             <a:r>
-              <a:rPr lang="ru-RU" dirty="0" smtClean="0"/>
-              <a:t>Выполняете </a:t>
-            </a:r>
-            <a:r>
               <a:rPr lang="ru-RU" dirty="0"/>
-              <a:t>ли вы ежедневные </a:t>
-            </a:r>
-            <a:r>
-              <a:rPr lang="ru-RU" dirty="0" smtClean="0"/>
-              <a:t>билды?</a:t>
+              <a:t>Выполняете ли вы ежедневные билды?</a:t>
             </a:r>
           </a:p>
           <a:p>
@@ -4849,16 +4796,8 @@
               <a:buAutoNum type="arabicPeriod"/>
             </a:pPr>
             <a:r>
-              <a:rPr lang="ru-RU" dirty="0" smtClean="0"/>
-              <a:t>Используете </a:t>
-            </a:r>
-            <a:r>
               <a:rPr lang="ru-RU" dirty="0"/>
-              <a:t>ли вы базу данных </a:t>
-            </a:r>
-            <a:r>
-              <a:rPr lang="ru-RU" dirty="0" smtClean="0"/>
-              <a:t>ошибок?</a:t>
+              <a:t>Используете ли вы базу данных ошибок?</a:t>
             </a:r>
           </a:p>
           <a:p>
@@ -4867,16 +4806,8 @@
               <a:buAutoNum type="arabicPeriod"/>
             </a:pPr>
             <a:r>
-              <a:rPr lang="ru-RU" dirty="0" smtClean="0"/>
-              <a:t>Исправляете </a:t>
-            </a:r>
-            <a:r>
               <a:rPr lang="ru-RU" dirty="0"/>
-              <a:t>ли вы ошибки перед написанием нового </a:t>
-            </a:r>
-            <a:r>
-              <a:rPr lang="ru-RU" dirty="0" smtClean="0"/>
-              <a:t>кода?</a:t>
+              <a:t>Исправляете ли вы ошибки перед написанием нового кода?</a:t>
             </a:r>
           </a:p>
           <a:p>
@@ -4885,16 +4816,8 @@
               <a:buAutoNum type="arabicPeriod"/>
             </a:pPr>
             <a:r>
-              <a:rPr lang="ru-RU" dirty="0" smtClean="0"/>
-              <a:t>Есть </a:t>
-            </a:r>
-            <a:r>
               <a:rPr lang="ru-RU" dirty="0"/>
-              <a:t>ли у вас актуальный план </a:t>
-            </a:r>
-            <a:r>
-              <a:rPr lang="ru-RU" dirty="0" smtClean="0"/>
-              <a:t>работ?</a:t>
+              <a:t>Есть ли у вас актуальный план работ?</a:t>
             </a:r>
           </a:p>
           <a:p>
@@ -4903,16 +4826,8 @@
               <a:buAutoNum type="arabicPeriod"/>
             </a:pPr>
             <a:r>
-              <a:rPr lang="ru-RU" dirty="0" smtClean="0"/>
-              <a:t>Есть </a:t>
-            </a:r>
-            <a:r>
               <a:rPr lang="ru-RU" dirty="0"/>
-              <a:t>ли у вас </a:t>
-            </a:r>
-            <a:r>
-              <a:rPr lang="ru-RU" dirty="0" smtClean="0"/>
-              <a:t>спецификация?</a:t>
+              <a:t>Есть ли у вас спецификация?</a:t>
             </a:r>
           </a:p>
           <a:p>
@@ -4921,16 +4836,8 @@
               <a:buAutoNum type="arabicPeriod"/>
             </a:pPr>
             <a:r>
-              <a:rPr lang="ru-RU" dirty="0" smtClean="0"/>
-              <a:t>Предоставлены </a:t>
-            </a:r>
-            <a:r>
               <a:rPr lang="ru-RU" dirty="0"/>
-              <a:t>ли вашим программистам спокойные условия для </a:t>
-            </a:r>
-            <a:r>
-              <a:rPr lang="ru-RU" dirty="0" smtClean="0"/>
-              <a:t>работы?</a:t>
+              <a:t>Предоставлены ли вашим программистам спокойные условия для работы?</a:t>
             </a:r>
           </a:p>
           <a:p>
@@ -4939,16 +4846,8 @@
               <a:buAutoNum type="arabicPeriod"/>
             </a:pPr>
             <a:r>
-              <a:rPr lang="ru-RU" dirty="0" smtClean="0"/>
-              <a:t>Используете </a:t>
-            </a:r>
-            <a:r>
               <a:rPr lang="ru-RU" dirty="0"/>
-              <a:t>ли вы новейшее дорогое </a:t>
-            </a:r>
-            <a:r>
-              <a:rPr lang="ru-RU" dirty="0" smtClean="0"/>
-              <a:t>оборудование/ПО?</a:t>
+              <a:t>Используете ли вы новейшее дорогое оборудование/ПО?</a:t>
             </a:r>
           </a:p>
           <a:p>
@@ -4957,16 +4856,8 @@
               <a:buAutoNum type="arabicPeriod"/>
             </a:pPr>
             <a:r>
-              <a:rPr lang="ru-RU" dirty="0" smtClean="0"/>
-              <a:t>Есть </a:t>
-            </a:r>
-            <a:r>
               <a:rPr lang="ru-RU" dirty="0"/>
-              <a:t>ли у вас </a:t>
-            </a:r>
-            <a:r>
-              <a:rPr lang="ru-RU" dirty="0" smtClean="0"/>
-              <a:t>тестеры?</a:t>
+              <a:t>Есть ли у вас тестеры?</a:t>
             </a:r>
           </a:p>
           <a:p>
@@ -4975,16 +4866,8 @@
               <a:buAutoNum type="arabicPeriod"/>
             </a:pPr>
             <a:r>
-              <a:rPr lang="ru-RU" dirty="0" smtClean="0"/>
-              <a:t>Пишут </a:t>
-            </a:r>
-            <a:r>
               <a:rPr lang="ru-RU" dirty="0"/>
-              <a:t>ли кандидаты на работу код во время </a:t>
-            </a:r>
-            <a:r>
-              <a:rPr lang="ru-RU" dirty="0" smtClean="0"/>
-              <a:t>собеседования?</a:t>
+              <a:t>Пишут ли кандидаты на работу код во время собеседования?</a:t>
             </a:r>
           </a:p>
           <a:p>
@@ -4993,20 +4876,15 @@
               <a:buAutoNum type="arabicPeriod"/>
             </a:pPr>
             <a:r>
-              <a:rPr lang="ru-RU" dirty="0" smtClean="0"/>
-              <a:t>Проводите </a:t>
-            </a:r>
-            <a:r>
               <a:rPr lang="ru-RU" dirty="0"/>
-              <a:t>ли вы коридорное тестирование удобства использования программ? </a:t>
-            </a:r>
-            <a:endParaRPr lang="ru-RU" dirty="0" smtClean="0"/>
+              <a:t>Проводите ли вы коридорное тестирование удобства использования программ? </a:t>
+            </a:r>
           </a:p>
           <a:p>
             <a:pPr marL="0" indent="0">
               <a:buNone/>
             </a:pPr>
-            <a:endParaRPr lang="ru-RU" dirty="0" smtClean="0"/>
+            <a:endParaRPr lang="ru-RU" dirty="0"/>
           </a:p>
           <a:p>
             <a:pPr marL="0" indent="0">
@@ -5028,13 +4906,7 @@
               <a:rPr lang="en-US" dirty="0">
                 <a:hlinkClick r:id="rId3"/>
               </a:rPr>
-              <a:t>http://</a:t>
-            </a:r>
-            <a:r>
-              <a:rPr lang="en-US" dirty="0" smtClean="0">
-                <a:hlinkClick r:id="rId3"/>
-              </a:rPr>
-              <a:t>www.joelonsoftware.com/articles/fog0000000043.html</a:t>
+              <a:t>http://www.joelonsoftware.com/articles/fog0000000043.html</a:t>
             </a:r>
             <a:endParaRPr lang="en-US" dirty="0"/>
           </a:p>
@@ -5123,34 +4995,17 @@
                 </a:solidFill>
                 <a:hlinkClick r:id="rId2"/>
               </a:rPr>
-              <a:t>https://</a:t>
-            </a:r>
-            <a:r>
-              <a:rPr lang="en-US" dirty="0" smtClean="0">
-                <a:solidFill>
-                  <a:schemeClr val="bg1"/>
-                </a:solidFill>
-                <a:hlinkClick r:id="rId2"/>
-              </a:rPr>
-              <a:t>github.com/bazile/Training</a:t>
-            </a:r>
-            <a:r>
-              <a:rPr lang="en-US" dirty="0" smtClean="0">
-                <a:solidFill>
-                  <a:schemeClr val="bg1"/>
-                </a:solidFill>
-              </a:rPr>
-              <a:t/>
+              <a:t>https://github.com/bazile/Training</a:t>
             </a:r>
             <a:br>
-              <a:rPr lang="en-US" dirty="0" smtClean="0">
+              <a:rPr lang="en-US" dirty="0">
                 <a:solidFill>
                   <a:schemeClr val="bg1"/>
                 </a:solidFill>
               </a:rPr>
             </a:br>
             <a:r>
-              <a:rPr lang="ru-RU" dirty="0" smtClean="0">
+              <a:rPr lang="ru-RU" dirty="0">
                 <a:solidFill>
                   <a:schemeClr val="bg1"/>
                 </a:solidFill>
@@ -5159,7 +5014,7 @@
             </a:r>
           </a:p>
           <a:p>
-            <a:endParaRPr lang="ru-RU" dirty="0" smtClean="0">
+            <a:endParaRPr lang="ru-RU" dirty="0">
               <a:solidFill>
                 <a:schemeClr val="bg1"/>
               </a:solidFill>
@@ -5173,45 +5028,23 @@
                 </a:solidFill>
                 <a:hlinkClick r:id="rId3"/>
               </a:rPr>
-              <a:t>http://belhard.nullptr.ru</a:t>
-            </a:r>
-            <a:r>
-              <a:rPr lang="en-US" dirty="0" smtClean="0">
-                <a:solidFill>
-                  <a:schemeClr val="bg1"/>
-                </a:solidFill>
-                <a:hlinkClick r:id="rId3"/>
-              </a:rPr>
-              <a:t>/</a:t>
-            </a:r>
-            <a:r>
-              <a:rPr lang="ru-RU" dirty="0" smtClean="0">
-                <a:solidFill>
-                  <a:schemeClr val="bg1"/>
-                </a:solidFill>
-              </a:rPr>
-              <a:t/>
+              <a:t>http://belhard.nullptr.ru/</a:t>
             </a:r>
             <a:br>
-              <a:rPr lang="ru-RU" dirty="0" smtClean="0">
+              <a:rPr lang="ru-RU" dirty="0">
                 <a:solidFill>
                   <a:schemeClr val="bg1"/>
                 </a:solidFill>
               </a:rPr>
             </a:br>
             <a:r>
-              <a:rPr lang="ru-RU" dirty="0" smtClean="0">
+              <a:rPr lang="ru-RU" dirty="0">
                 <a:solidFill>
                   <a:schemeClr val="bg1"/>
                 </a:solidFill>
               </a:rPr>
               <a:t>Книги, примеры к ним и другие полезные файлы.</a:t>
             </a:r>
-            <a:endParaRPr lang="ru-RU" dirty="0">
-              <a:solidFill>
-                <a:schemeClr val="bg1"/>
-              </a:solidFill>
-            </a:endParaRPr>
           </a:p>
           <a:p>
             <a:endParaRPr lang="en-US" dirty="0"/>
@@ -5264,7 +5097,7 @@
           <a:lstStyle/>
           <a:p>
             <a:r>
-              <a:rPr lang="ru-RU" dirty="0" smtClean="0"/>
+              <a:rPr lang="ru-RU" dirty="0"/>
               <a:t>Архитектура ПО</a:t>
             </a:r>
             <a:endParaRPr lang="en-US" dirty="0"/>
@@ -5292,7 +5125,7 @@
               <a:buNone/>
             </a:pPr>
             <a:r>
-              <a:rPr lang="ru-RU" dirty="0" smtClean="0"/>
+              <a:rPr lang="ru-RU" dirty="0"/>
               <a:t>Процесс определения структурированного решения отвечающего техническим и функциональным требованиям, одновременно учитывающему классические признаки качества такие как производительность, безопасность и управляемость. Включает в себя серию решений принятых на основе большого количества факторов. Причем каждое такое решение может сильно влиять на качество, производительность, управляемость и общий успех приложения в целом.</a:t>
             </a:r>
             <a:endParaRPr lang="en-US" dirty="0"/>
@@ -5478,7 +5311,7 @@
           <a:lstStyle/>
           <a:p>
             <a:r>
-              <a:rPr lang="ru-RU" dirty="0" smtClean="0">
+              <a:rPr lang="ru-RU" dirty="0">
                 <a:solidFill>
                   <a:srgbClr val="000000"/>
                 </a:solidFill>
@@ -5561,70 +5394,50 @@
           <a:lstStyle/>
           <a:p>
             <a:r>
-              <a:rPr lang="en-US" dirty="0" smtClean="0"/>
+              <a:rPr lang="en-US" dirty="0"/>
               <a:t>SOLID</a:t>
             </a:r>
           </a:p>
           <a:p>
             <a:r>
-              <a:rPr lang="ru-RU" dirty="0" smtClean="0"/>
-              <a:t>Разделение </a:t>
-            </a:r>
-            <a:r>
-              <a:rPr lang="ru-RU" dirty="0" smtClean="0"/>
-              <a:t>ответственности</a:t>
-            </a:r>
-          </a:p>
-          <a:p>
-            <a:r>
               <a:rPr lang="ru-RU" dirty="0"/>
-              <a:t>Принцип единственной </a:t>
-            </a:r>
-            <a:r>
-              <a:rPr lang="ru-RU" dirty="0" smtClean="0"/>
-              <a:t>обязанности</a:t>
+              <a:t>Разделение ответственности</a:t>
+            </a:r>
+          </a:p>
+          <a:p>
+            <a:r>
+              <a:rPr lang="ru-RU" dirty="0"/>
+              <a:t>Принцип единственной обязанности</a:t>
             </a:r>
           </a:p>
           <a:p>
             <a:r>
               <a:rPr lang="en-US" dirty="0"/>
-              <a:t>Principle of Least </a:t>
-            </a:r>
-            <a:r>
-              <a:rPr lang="en-US" dirty="0" smtClean="0"/>
-              <a:t>Knowledge</a:t>
-            </a:r>
-            <a:endParaRPr lang="ru-RU" dirty="0" smtClean="0"/>
+              <a:t>Principle of Least Knowledge</a:t>
+            </a:r>
+            <a:endParaRPr lang="ru-RU" dirty="0"/>
           </a:p>
           <a:p>
             <a:r>
               <a:rPr lang="ru-RU" dirty="0"/>
-              <a:t>Не </a:t>
-            </a:r>
-            <a:r>
-              <a:rPr lang="ru-RU" dirty="0" smtClean="0"/>
-              <a:t>повторяйся</a:t>
+              <a:t>Не повторяйся</a:t>
             </a:r>
           </a:p>
           <a:p>
             <a:r>
               <a:rPr lang="en-US" dirty="0"/>
-              <a:t>Minimize upfront </a:t>
-            </a:r>
-            <a:r>
-              <a:rPr lang="en-US" dirty="0" smtClean="0"/>
-              <a:t>design</a:t>
-            </a:r>
-            <a:endParaRPr lang="ru-RU" dirty="0" smtClean="0"/>
-          </a:p>
-          <a:p>
-            <a:endParaRPr lang="ru-RU" dirty="0" smtClean="0"/>
-          </a:p>
-          <a:p>
-            <a:endParaRPr lang="ru-RU" dirty="0" smtClean="0"/>
-          </a:p>
-          <a:p>
-            <a:endParaRPr lang="ru-RU" dirty="0" smtClean="0"/>
+              <a:t>Minimize upfront design</a:t>
+            </a:r>
+            <a:endParaRPr lang="ru-RU" dirty="0"/>
+          </a:p>
+          <a:p>
+            <a:endParaRPr lang="ru-RU" dirty="0"/>
+          </a:p>
+          <a:p>
+            <a:endParaRPr lang="ru-RU" dirty="0"/>
+          </a:p>
+          <a:p>
+            <a:endParaRPr lang="ru-RU" dirty="0"/>
           </a:p>
           <a:p>
             <a:endParaRPr lang="ru-RU" dirty="0"/>
@@ -5641,13 +5454,6 @@
   <p:clrMapOvr>
     <a:masterClrMapping/>
   </p:clrMapOvr>
-  <p:timing>
-    <p:tnLst>
-      <p:par>
-        <p:cTn id="1" dur="indefinite" restart="never" nodeType="tmRoot"/>
-      </p:par>
-    </p:tnLst>
-  </p:timing>
 </p:sld>
 </file>
 
@@ -5684,7 +5490,7 @@
           <a:lstStyle/>
           <a:p>
             <a:r>
-              <a:rPr lang="en-US" dirty="0" smtClean="0"/>
+              <a:rPr lang="en-US" dirty="0"/>
               <a:t>SOLID</a:t>
             </a:r>
             <a:endParaRPr lang="ru-RU" dirty="0"/>
@@ -5716,9 +5522,27 @@
                 <a:tableStyleId>{5C22544A-7EE6-4342-B048-85BDC9FD1C3A}</a:tableStyleId>
               </a:tblPr>
               <a:tblGrid>
-                <a:gridCol w="905704"/>
-                <a:gridCol w="3209096"/>
-                <a:gridCol w="4104456"/>
+                <a:gridCol w="905704">
+                  <a:extLst>
+                    <a:ext uri="{9D8B030D-6E8A-4147-A177-3AD203B41FA5}">
+                      <a16:colId xmlns:a16="http://schemas.microsoft.com/office/drawing/2014/main" val="20000"/>
+                    </a:ext>
+                  </a:extLst>
+                </a:gridCol>
+                <a:gridCol w="3209096">
+                  <a:extLst>
+                    <a:ext uri="{9D8B030D-6E8A-4147-A177-3AD203B41FA5}">
+                      <a16:colId xmlns:a16="http://schemas.microsoft.com/office/drawing/2014/main" val="20001"/>
+                    </a:ext>
+                  </a:extLst>
+                </a:gridCol>
+                <a:gridCol w="4104456">
+                  <a:extLst>
+                    <a:ext uri="{9D8B030D-6E8A-4147-A177-3AD203B41FA5}">
+                      <a16:colId xmlns:a16="http://schemas.microsoft.com/office/drawing/2014/main" val="20002"/>
+                    </a:ext>
+                  </a:extLst>
+                </a:gridCol>
               </a:tblGrid>
               <a:tr h="760806">
                 <a:tc>
@@ -5728,14 +5552,14 @@
                     <a:p>
                       <a:pPr algn="ctr"/>
                       <a:r>
-                        <a:rPr lang="en-US" sz="2400" b="1" dirty="0" smtClean="0">
+                        <a:rPr lang="en-US" sz="2400" b="1" dirty="0">
                           <a:solidFill>
                             <a:srgbClr val="002060"/>
                           </a:solidFill>
                         </a:rPr>
                         <a:t>S</a:t>
                       </a:r>
-                      <a:endParaRPr lang="ru-RU" sz="2400" b="1" dirty="0" smtClean="0">
+                      <a:endParaRPr lang="ru-RU" sz="2400" b="1" dirty="0">
                         <a:solidFill>
                           <a:srgbClr val="002060"/>
                         </a:solidFill>
@@ -5795,14 +5619,14 @@
                     <a:lstStyle/>
                     <a:p>
                       <a:r>
-                        <a:rPr lang="ru-RU" sz="1600" b="0" i="1" dirty="0" smtClean="0">
+                        <a:rPr lang="ru-RU" sz="1600" b="0" i="1" dirty="0">
                           <a:solidFill>
                             <a:srgbClr val="002060"/>
                           </a:solidFill>
                         </a:rPr>
                         <a:t>Single responsibility principle</a:t>
                       </a:r>
-                      <a:endParaRPr lang="en-US" sz="1600" b="0" i="1" dirty="0" smtClean="0">
+                      <a:endParaRPr lang="en-US" sz="1600" b="0" i="1" dirty="0">
                         <a:solidFill>
                           <a:srgbClr val="002060"/>
                         </a:solidFill>
@@ -5810,18 +5634,13 @@
                     </a:p>
                     <a:p>
                       <a:r>
-                        <a:rPr lang="ru-RU" sz="1600" b="0" i="1" dirty="0" smtClean="0">
+                        <a:rPr lang="ru-RU" sz="1600" b="0" i="1" dirty="0">
                           <a:solidFill>
                             <a:srgbClr val="002060"/>
                           </a:solidFill>
                         </a:rPr>
                         <a:t>Принцип единственной обязанности</a:t>
                       </a:r>
-                      <a:endParaRPr lang="ru-RU" sz="1600" b="0" i="1" dirty="0">
-                        <a:solidFill>
-                          <a:srgbClr val="002060"/>
-                        </a:solidFill>
-                      </a:endParaRPr>
                     </a:p>
                   </a:txBody>
                   <a:tcPr>
@@ -5877,18 +5696,13 @@
                     <a:lstStyle/>
                     <a:p>
                       <a:r>
-                        <a:rPr lang="ru-RU" sz="1600" b="0" dirty="0" smtClean="0">
+                        <a:rPr lang="ru-RU" sz="1600" b="0" dirty="0">
                           <a:solidFill>
                             <a:srgbClr val="002060"/>
                           </a:solidFill>
                         </a:rPr>
                         <a:t>На каждый класс должна быть возложена одна единственная обязанность.</a:t>
                       </a:r>
-                      <a:endParaRPr lang="ru-RU" sz="1600" b="0" dirty="0">
-                        <a:solidFill>
-                          <a:srgbClr val="002060"/>
-                        </a:solidFill>
-                      </a:endParaRPr>
                     </a:p>
                   </a:txBody>
                   <a:tcPr>
@@ -5938,6 +5752,11 @@
                     </a:lnBlToTr>
                   </a:tcPr>
                 </a:tc>
+                <a:extLst>
+                  <a:ext uri="{0D108BD9-81ED-4DB2-BD59-A6C34878D82A}">
+                    <a16:rowId xmlns:a16="http://schemas.microsoft.com/office/drawing/2014/main" val="10000"/>
+                  </a:ext>
+                </a:extLst>
               </a:tr>
               <a:tr h="760806">
                 <a:tc>
@@ -5947,7 +5766,7 @@
                     <a:p>
                       <a:pPr algn="ctr"/>
                       <a:r>
-                        <a:rPr lang="en-US" sz="2400" b="1" dirty="0" smtClean="0">
+                        <a:rPr lang="en-US" sz="2400" b="1" dirty="0">
                           <a:solidFill>
                             <a:srgbClr val="002060"/>
                           </a:solidFill>
@@ -6014,41 +5833,28 @@
                     <a:lstStyle/>
                     <a:p>
                       <a:r>
-                        <a:rPr lang="ru-RU" sz="1600" b="0" i="1" dirty="0" smtClean="0">
+                        <a:rPr lang="ru-RU" sz="1600" b="0" i="1" dirty="0">
                           <a:solidFill>
                             <a:srgbClr val="002060"/>
                           </a:solidFill>
                         </a:rPr>
                         <a:t>Open/closed principle</a:t>
                       </a:r>
-                      <a:r>
-                        <a:rPr lang="en-US" sz="1600" b="0" i="1" dirty="0" smtClean="0">
-                          <a:solidFill>
-                            <a:srgbClr val="002060"/>
-                          </a:solidFill>
-                        </a:rPr>
-                        <a:t/>
-                      </a:r>
                       <a:br>
-                        <a:rPr lang="en-US" sz="1600" b="0" i="1" dirty="0" smtClean="0">
+                        <a:rPr lang="en-US" sz="1600" b="0" i="1" dirty="0">
                           <a:solidFill>
                             <a:srgbClr val="002060"/>
                           </a:solidFill>
                         </a:rPr>
                       </a:br>
                       <a:r>
-                        <a:rPr lang="ru-RU" sz="1600" b="0" i="1" dirty="0" smtClean="0">
+                        <a:rPr lang="ru-RU" sz="1600" b="0" i="1" dirty="0">
                           <a:solidFill>
                             <a:srgbClr val="002060"/>
                           </a:solidFill>
                         </a:rPr>
                         <a:t>Принцип открытости/закрытости</a:t>
                       </a:r>
-                      <a:endParaRPr lang="ru-RU" sz="1600" b="0" i="1" dirty="0">
-                        <a:solidFill>
-                          <a:srgbClr val="002060"/>
-                        </a:solidFill>
-                      </a:endParaRPr>
                     </a:p>
                   </a:txBody>
                   <a:tcPr>
@@ -6104,18 +5910,13 @@
                     <a:lstStyle/>
                     <a:p>
                       <a:r>
-                        <a:rPr lang="ru-RU" sz="1600" b="0" dirty="0" smtClean="0">
+                        <a:rPr lang="ru-RU" sz="1600" b="0" dirty="0">
                           <a:solidFill>
                             <a:srgbClr val="002060"/>
                           </a:solidFill>
                         </a:rPr>
                         <a:t>Программные сущности должны быть открыты для расширения, но закрыты для изменения.</a:t>
                       </a:r>
-                      <a:endParaRPr lang="ru-RU" sz="1600" b="0" dirty="0">
-                        <a:solidFill>
-                          <a:srgbClr val="002060"/>
-                        </a:solidFill>
-                      </a:endParaRPr>
                     </a:p>
                   </a:txBody>
                   <a:tcPr>
@@ -6165,6 +5966,11 @@
                     </a:lnBlToTr>
                   </a:tcPr>
                 </a:tc>
+                <a:extLst>
+                  <a:ext uri="{0D108BD9-81ED-4DB2-BD59-A6C34878D82A}">
+                    <a16:rowId xmlns:a16="http://schemas.microsoft.com/office/drawing/2014/main" val="10001"/>
+                  </a:ext>
+                </a:extLst>
               </a:tr>
               <a:tr h="986230">
                 <a:tc>
@@ -6174,18 +5980,13 @@
                     <a:p>
                       <a:pPr algn="ctr"/>
                       <a:r>
-                        <a:rPr lang="ru-RU" sz="2400" b="1" dirty="0" smtClean="0">
+                        <a:rPr lang="ru-RU" sz="2400" b="1" dirty="0">
                           <a:solidFill>
                             <a:srgbClr val="002060"/>
                           </a:solidFill>
                         </a:rPr>
                         <a:t>L</a:t>
                       </a:r>
-                      <a:endParaRPr lang="ru-RU" sz="2400" b="1" dirty="0">
-                        <a:solidFill>
-                          <a:srgbClr val="002060"/>
-                        </a:solidFill>
-                      </a:endParaRPr>
                     </a:p>
                   </a:txBody>
                   <a:tcPr anchor="ctr">
@@ -6241,41 +6042,28 @@
                     <a:lstStyle/>
                     <a:p>
                       <a:r>
-                        <a:rPr lang="ru-RU" sz="1600" b="0" i="1" dirty="0" smtClean="0">
+                        <a:rPr lang="ru-RU" sz="1600" b="0" i="1" dirty="0">
                           <a:solidFill>
                             <a:srgbClr val="002060"/>
                           </a:solidFill>
                         </a:rPr>
                         <a:t>Liskov substitution principle</a:t>
                       </a:r>
-                      <a:r>
-                        <a:rPr lang="en-US" sz="1600" b="0" i="1" dirty="0" smtClean="0">
-                          <a:solidFill>
-                            <a:srgbClr val="002060"/>
-                          </a:solidFill>
-                        </a:rPr>
-                        <a:t/>
-                      </a:r>
                       <a:br>
-                        <a:rPr lang="en-US" sz="1600" b="0" i="1" dirty="0" smtClean="0">
+                        <a:rPr lang="en-US" sz="1600" b="0" i="1" dirty="0">
                           <a:solidFill>
                             <a:srgbClr val="002060"/>
                           </a:solidFill>
                         </a:rPr>
                       </a:br>
                       <a:r>
-                        <a:rPr lang="ru-RU" sz="1600" b="0" i="1" dirty="0" smtClean="0">
+                        <a:rPr lang="ru-RU" sz="1600" b="0" i="1" dirty="0">
                           <a:solidFill>
                             <a:srgbClr val="002060"/>
                           </a:solidFill>
                         </a:rPr>
                         <a:t>Принцип подстановки Барбары Лисков</a:t>
                       </a:r>
-                      <a:endParaRPr lang="ru-RU" sz="1600" b="0" i="1" dirty="0">
-                        <a:solidFill>
-                          <a:srgbClr val="002060"/>
-                        </a:solidFill>
-                      </a:endParaRPr>
                     </a:p>
                   </a:txBody>
                   <a:tcPr>
@@ -6331,18 +6119,13 @@
                     <a:lstStyle/>
                     <a:p>
                       <a:r>
-                        <a:rPr lang="ru-RU" sz="1600" b="0" dirty="0" smtClean="0">
+                        <a:rPr lang="ru-RU" sz="1600" b="0" dirty="0">
                           <a:solidFill>
                             <a:srgbClr val="002060"/>
                           </a:solidFill>
                         </a:rPr>
                         <a:t>Объекты в программе могут быть заменены их наследниками без изменения свойств программы. См. также контрактное программирование.</a:t>
                       </a:r>
-                      <a:endParaRPr lang="ru-RU" sz="1600" b="0" dirty="0">
-                        <a:solidFill>
-                          <a:srgbClr val="002060"/>
-                        </a:solidFill>
-                      </a:endParaRPr>
                     </a:p>
                   </a:txBody>
                   <a:tcPr>
@@ -6392,6 +6175,11 @@
                     </a:lnBlToTr>
                   </a:tcPr>
                 </a:tc>
+                <a:extLst>
+                  <a:ext uri="{0D108BD9-81ED-4DB2-BD59-A6C34878D82A}">
+                    <a16:rowId xmlns:a16="http://schemas.microsoft.com/office/drawing/2014/main" val="10002"/>
+                  </a:ext>
+                </a:extLst>
               </a:tr>
               <a:tr h="760806">
                 <a:tc>
@@ -6401,18 +6189,13 @@
                     <a:p>
                       <a:pPr algn="ctr"/>
                       <a:r>
-                        <a:rPr lang="ru-RU" sz="2400" b="1" dirty="0" smtClean="0">
+                        <a:rPr lang="ru-RU" sz="2400" b="1" dirty="0">
                           <a:solidFill>
                             <a:srgbClr val="002060"/>
                           </a:solidFill>
                         </a:rPr>
                         <a:t>I   	</a:t>
                       </a:r>
-                      <a:endParaRPr lang="ru-RU" sz="2400" b="1" dirty="0">
-                        <a:solidFill>
-                          <a:srgbClr val="002060"/>
-                        </a:solidFill>
-                      </a:endParaRPr>
                     </a:p>
                   </a:txBody>
                   <a:tcPr anchor="ctr">
@@ -6468,41 +6251,28 @@
                     <a:lstStyle/>
                     <a:p>
                       <a:r>
-                        <a:rPr lang="ru-RU" sz="1600" b="0" i="1" dirty="0" smtClean="0">
+                        <a:rPr lang="ru-RU" sz="1600" b="0" i="1" dirty="0">
                           <a:solidFill>
                             <a:srgbClr val="002060"/>
                           </a:solidFill>
                         </a:rPr>
                         <a:t>Interface segregation principle</a:t>
                       </a:r>
-                      <a:r>
-                        <a:rPr lang="en-US" sz="1600" b="0" i="1" dirty="0" smtClean="0">
-                          <a:solidFill>
-                            <a:srgbClr val="002060"/>
-                          </a:solidFill>
-                        </a:rPr>
-                        <a:t/>
-                      </a:r>
                       <a:br>
-                        <a:rPr lang="en-US" sz="1600" b="0" i="1" dirty="0" smtClean="0">
+                        <a:rPr lang="en-US" sz="1600" b="0" i="1" dirty="0">
                           <a:solidFill>
                             <a:srgbClr val="002060"/>
                           </a:solidFill>
                         </a:rPr>
                       </a:br>
                       <a:r>
-                        <a:rPr lang="ru-RU" sz="1600" b="0" i="1" dirty="0" smtClean="0">
+                        <a:rPr lang="ru-RU" sz="1600" b="0" i="1" dirty="0">
                           <a:solidFill>
                             <a:srgbClr val="002060"/>
                           </a:solidFill>
                         </a:rPr>
                         <a:t>Принцип разделения интерфейса</a:t>
                       </a:r>
-                      <a:endParaRPr lang="ru-RU" sz="1600" b="0" i="1" dirty="0">
-                        <a:solidFill>
-                          <a:srgbClr val="002060"/>
-                        </a:solidFill>
-                      </a:endParaRPr>
                     </a:p>
                   </a:txBody>
                   <a:tcPr>
@@ -6575,7 +6345,7 @@
                         <a:defRPr/>
                       </a:pPr>
                       <a:r>
-                        <a:rPr lang="ru-RU" sz="1600" b="0" dirty="0" smtClean="0">
+                        <a:rPr lang="ru-RU" sz="1600" b="0" dirty="0">
                           <a:solidFill>
                             <a:srgbClr val="002060"/>
                           </a:solidFill>
@@ -6638,6 +6408,11 @@
                     </a:lnBlToTr>
                   </a:tcPr>
                 </a:tc>
+                <a:extLst>
+                  <a:ext uri="{0D108BD9-81ED-4DB2-BD59-A6C34878D82A}">
+                    <a16:rowId xmlns:a16="http://schemas.microsoft.com/office/drawing/2014/main" val="10003"/>
+                  </a:ext>
+                </a:extLst>
               </a:tr>
               <a:tr h="1611207">
                 <a:tc>
@@ -6647,7 +6422,7 @@
                     <a:p>
                       <a:pPr algn="ctr"/>
                       <a:r>
-                        <a:rPr lang="en-US" sz="2400" b="1" dirty="0" smtClean="0">
+                        <a:rPr lang="en-US" sz="2400" b="1" dirty="0">
                           <a:solidFill>
                             <a:srgbClr val="002060"/>
                           </a:solidFill>
@@ -6714,41 +6489,28 @@
                     <a:lstStyle/>
                     <a:p>
                       <a:r>
-                        <a:rPr lang="ru-RU" sz="1600" b="0" i="1" dirty="0" smtClean="0">
+                        <a:rPr lang="ru-RU" sz="1600" b="0" i="1" dirty="0">
                           <a:solidFill>
                             <a:srgbClr val="002060"/>
                           </a:solidFill>
                         </a:rPr>
                         <a:t>Dependency inversion principle</a:t>
                       </a:r>
-                      <a:r>
-                        <a:rPr lang="en-US" sz="1600" b="0" i="1" dirty="0" smtClean="0">
-                          <a:solidFill>
-                            <a:srgbClr val="002060"/>
-                          </a:solidFill>
-                        </a:rPr>
-                        <a:t/>
-                      </a:r>
                       <a:br>
-                        <a:rPr lang="en-US" sz="1600" b="0" i="1" dirty="0" smtClean="0">
+                        <a:rPr lang="en-US" sz="1600" b="0" i="1" dirty="0">
                           <a:solidFill>
                             <a:srgbClr val="002060"/>
                           </a:solidFill>
                         </a:rPr>
                       </a:br>
                       <a:r>
-                        <a:rPr lang="ru-RU" sz="1600" b="0" i="1" dirty="0" smtClean="0">
+                        <a:rPr lang="ru-RU" sz="1600" b="0" i="1" dirty="0">
                           <a:solidFill>
                             <a:srgbClr val="002060"/>
                           </a:solidFill>
                         </a:rPr>
                         <a:t>Принцип инверсии зависимостей</a:t>
                       </a:r>
-                      <a:endParaRPr lang="ru-RU" sz="1600" b="0" i="1" dirty="0">
-                        <a:solidFill>
-                          <a:srgbClr val="002060"/>
-                        </a:solidFill>
-                      </a:endParaRPr>
                     </a:p>
                   </a:txBody>
                   <a:tcPr>
@@ -6821,7 +6583,7 @@
                         <a:defRPr/>
                       </a:pPr>
                       <a:r>
-                        <a:rPr lang="ru-RU" sz="1600" b="0" dirty="0" smtClean="0">
+                        <a:rPr lang="ru-RU" sz="1600" b="0" dirty="0">
                           <a:solidFill>
                             <a:srgbClr val="002060"/>
                           </a:solidFill>
@@ -6829,7 +6591,7 @@
                         <a:t>Зависимости внутри системы строятся на основе абстракций. Модули верхнего уровня не зависят от модулей нижнего уровня.</a:t>
                       </a:r>
                       <a:r>
-                        <a:rPr lang="en-US" sz="1600" b="0" baseline="0" dirty="0" smtClean="0">
+                        <a:rPr lang="en-US" sz="1600" b="0" baseline="0" dirty="0">
                           <a:solidFill>
                             <a:srgbClr val="002060"/>
                           </a:solidFill>
@@ -6837,18 +6599,13 @@
                         <a:t> </a:t>
                       </a:r>
                       <a:r>
-                        <a:rPr lang="ru-RU" sz="1600" b="0" dirty="0" smtClean="0">
+                        <a:rPr lang="ru-RU" sz="1600" b="0" dirty="0">
                           <a:solidFill>
                             <a:srgbClr val="002060"/>
                           </a:solidFill>
                         </a:rPr>
                         <a:t>Абстракции не должны зависеть от деталей. Детали должны зависеть от абстракций.</a:t>
                       </a:r>
-                      <a:endParaRPr lang="ru-RU" sz="1600" b="0" dirty="0">
-                        <a:solidFill>
-                          <a:srgbClr val="002060"/>
-                        </a:solidFill>
-                      </a:endParaRPr>
                     </a:p>
                   </a:txBody>
                   <a:tcPr>
@@ -6898,6 +6655,11 @@
                     </a:lnBlToTr>
                   </a:tcPr>
                 </a:tc>
+                <a:extLst>
+                  <a:ext uri="{0D108BD9-81ED-4DB2-BD59-A6C34878D82A}">
+                    <a16:rowId xmlns:a16="http://schemas.microsoft.com/office/drawing/2014/main" val="10004"/>
+                  </a:ext>
+                </a:extLst>
               </a:tr>
             </a:tbl>
           </a:graphicData>
@@ -6913,13 +6675,6 @@
   <p:clrMapOvr>
     <a:masterClrMapping/>
   </p:clrMapOvr>
-  <p:timing>
-    <p:tnLst>
-      <p:par>
-        <p:cTn id="1" dur="indefinite" restart="never" nodeType="tmRoot"/>
-      </p:par>
-    </p:tnLst>
-  </p:timing>
 </p:sld>
 </file>
 
@@ -6988,21 +6743,16 @@
           <a:p>
             <a:r>
               <a:rPr lang="ru-RU" b="1" dirty="0"/>
-              <a:t>Разделение </a:t>
-            </a:r>
-            <a:r>
-              <a:rPr lang="ru-RU" b="1" dirty="0" smtClean="0"/>
-              <a:t>ответственности</a:t>
-            </a:r>
-            <a:r>
-              <a:rPr lang="en-US" b="1" dirty="0" smtClean="0"/>
+              <a:t>Разделение ответственности</a:t>
+            </a:r>
+            <a:r>
+              <a:rPr lang="en-US" b="1" dirty="0"/>
               <a:t> (Separation of concerns)</a:t>
             </a:r>
             <a:r>
-              <a:rPr lang="en-US" dirty="0" smtClean="0"/>
+              <a:rPr lang="en-US" dirty="0"/>
               <a:t>. Divide your application into distinct features with as little overlap in functionality as possible. The important factor is minimization of interaction points to achieve high cohesion and low coupling. However, separating functionality at the wrong boundaries can result in high coupling and complexity between features even though the contained functionality within a feature does not significantly overlap.</a:t>
             </a:r>
-            <a:endParaRPr lang="en-US" dirty="0"/>
           </a:p>
         </p:txBody>
       </p:sp>
@@ -7016,13 +6766,6 @@
   <p:clrMapOvr>
     <a:masterClrMapping/>
   </p:clrMapOvr>
-  <p:timing>
-    <p:tnLst>
-      <p:par>
-        <p:cTn id="1" dur="indefinite" restart="never" nodeType="tmRoot"/>
-      </p:par>
-    </p:tnLst>
-  </p:timing>
 </p:sld>
 </file>
 

--- a/Presentation/lesson-14-architecture.pptx
+++ b/Presentation/lesson-14-architecture.pptx
@@ -129,7 +129,7 @@
   </p:defaultTextStyle>
   <p:extLst>
     <p:ext uri="{EFAFB233-063F-42B5-8137-9DF3F51BA10A}">
-      <p15:sldGuideLst xmlns:p15="http://schemas.microsoft.com/office/powerpoint/2012/main">
+      <p15:sldGuideLst xmlns:p15="http://schemas.microsoft.com/office/powerpoint/2012/main" xmlns="">
         <p15:guide id="1" orient="horz" pos="2160">
           <p15:clr>
             <a:srgbClr val="A4A3A4"/>
@@ -228,7 +228,7 @@
           <a:p>
             <a:fld id="{B24A7054-7FFB-49F4-A126-5DF6E687FF53}" type="datetimeFigureOut">
               <a:rPr lang="ru-RU" smtClean="0"/>
-              <a:t>01.07.2018</a:t>
+              <a:t>22.02.2019</a:t>
             </a:fld>
             <a:endParaRPr lang="ru-RU"/>
           </a:p>
@@ -497,8 +497,8 @@
 </file>
 
 <file path=ppt/slideLayouts/slideLayout1.xml><?xml version="1.0" encoding="utf-8"?>
-<p:sldLayout xmlns:a="http://schemas.openxmlformats.org/drawingml/2006/main" xmlns:r="http://schemas.openxmlformats.org/officeDocument/2006/relationships" xmlns:p="http://schemas.openxmlformats.org/presentationml/2006/main" preserve="1" userDrawn="1">
-  <p:cSld name="Title Slide">
+<p:sldLayout xmlns:a="http://schemas.openxmlformats.org/drawingml/2006/main" xmlns:r="http://schemas.openxmlformats.org/officeDocument/2006/relationships" xmlns:p="http://schemas.openxmlformats.org/presentationml/2006/main" type="obj" preserve="1">
+  <p:cSld name="Title and Content">
     <p:spTree>
       <p:nvGrpSpPr>
         <p:cNvPr id="1" name=""/>
@@ -515,172 +515,83 @@
       </p:grpSpPr>
       <p:sp>
         <p:nvSpPr>
-          <p:cNvPr id="7" name="Rectangle 6"/>
-          <p:cNvSpPr/>
-          <p:nvPr userDrawn="1"/>
-        </p:nvSpPr>
-        <p:spPr>
-          <a:xfrm>
-            <a:off x="143508" y="1304764"/>
-            <a:ext cx="8856984" cy="646331"/>
-          </a:xfrm>
-          <a:prstGeom prst="rect">
-            <a:avLst/>
-          </a:prstGeom>
-        </p:spPr>
-        <p:txBody>
-          <a:bodyPr wrap="square">
-            <a:spAutoFit/>
-          </a:bodyPr>
+          <p:cNvPr id="2" name="Title 1"/>
+          <p:cNvSpPr>
+            <a:spLocks noGrp="1"/>
+          </p:cNvSpPr>
+          <p:nvPr>
+            <p:ph type="title"/>
+          </p:nvPr>
+        </p:nvSpPr>
+        <p:spPr/>
+        <p:txBody>
+          <a:bodyPr/>
           <a:lstStyle/>
           <a:p>
-            <a:pPr algn="ctr"/>
-            <a:r>
-              <a:rPr lang="ru-RU" sz="3600" b="1" i="1" dirty="0">
-                <a:solidFill>
-                  <a:schemeClr val="bg1"/>
-                </a:solidFill>
-              </a:rPr>
-              <a:t>Основы программирования на </a:t>
-            </a:r>
-            <a:r>
-              <a:rPr lang="en-US" sz="3600" b="1" i="1" dirty="0">
-                <a:solidFill>
-                  <a:schemeClr val="bg1"/>
-                </a:solidFill>
-              </a:rPr>
-              <a:t>C#</a:t>
-            </a:r>
-            <a:endParaRPr lang="ru-RU" sz="3600" b="1" i="1" dirty="0">
-              <a:solidFill>
-                <a:schemeClr val="bg1"/>
-              </a:solidFill>
-            </a:endParaRPr>
-          </a:p>
-        </p:txBody>
-      </p:sp>
-      <p:pic>
-        <p:nvPicPr>
-          <p:cNvPr id="8" name="Picture 5"/>
-          <p:cNvPicPr>
-            <a:picLocks noChangeAspect="1" noChangeArrowheads="1"/>
-          </p:cNvPicPr>
-          <p:nvPr userDrawn="1"/>
-        </p:nvPicPr>
-        <p:blipFill>
-          <a:blip r:embed="rId2">
-            <a:extLst>
-              <a:ext uri="{28A0092B-C50C-407E-A947-70E740481C1C}">
-                <a14:useLocalDpi xmlns:a14="http://schemas.microsoft.com/office/drawing/2010/main" val="0"/>
-              </a:ext>
-            </a:extLst>
-          </a:blip>
-          <a:srcRect/>
-          <a:stretch>
-            <a:fillRect/>
-          </a:stretch>
-        </p:blipFill>
-        <p:spPr bwMode="auto">
-          <a:xfrm>
-            <a:off x="1638300" y="3829211"/>
-            <a:ext cx="5867400" cy="1724025"/>
-          </a:xfrm>
-          <a:prstGeom prst="rect">
-            <a:avLst/>
-          </a:prstGeom>
-          <a:noFill/>
-          <a:ln>
-            <a:noFill/>
-          </a:ln>
-          <a:effectLst/>
-          <a:extLst>
-            <a:ext uri="{909E8E84-426E-40DD-AFC4-6F175D3DCCD1}">
-              <a14:hiddenFill xmlns:a14="http://schemas.microsoft.com/office/drawing/2010/main">
-                <a:solidFill>
-                  <a:schemeClr val="accent1"/>
-                </a:solidFill>
-              </a14:hiddenFill>
-            </a:ext>
-            <a:ext uri="{91240B29-F687-4F45-9708-019B960494DF}">
-              <a14:hiddenLine xmlns:a14="http://schemas.microsoft.com/office/drawing/2010/main" w="9525">
-                <a:solidFill>
-                  <a:schemeClr val="tx1"/>
-                </a:solidFill>
-                <a:miter lim="800000"/>
-                <a:headEnd/>
-                <a:tailEnd/>
-              </a14:hiddenLine>
-            </a:ext>
-            <a:ext uri="{AF507438-7753-43E0-B8FC-AC1667EBCBE1}">
-              <a14:hiddenEffects xmlns:a14="http://schemas.microsoft.com/office/drawing/2010/main">
-                <a:effectLst>
-                  <a:outerShdw dist="35921" dir="2700000" algn="ctr" rotWithShape="0">
-                    <a:schemeClr val="bg2"/>
-                  </a:outerShdw>
-                </a:effectLst>
-              </a14:hiddenEffects>
-            </a:ext>
-          </a:extLst>
-        </p:spPr>
-      </p:pic>
-      <p:sp>
-        <p:nvSpPr>
-          <p:cNvPr id="9" name="TextBox 8"/>
-          <p:cNvSpPr txBox="1"/>
-          <p:nvPr userDrawn="1"/>
-        </p:nvSpPr>
-        <p:spPr>
-          <a:xfrm>
-            <a:off x="2774873" y="2528900"/>
-            <a:ext cx="4240263" cy="461665"/>
-          </a:xfrm>
-          <a:prstGeom prst="rect">
-            <a:avLst/>
-          </a:prstGeom>
-          <a:noFill/>
-        </p:spPr>
-        <p:txBody>
-          <a:bodyPr wrap="none" rtlCol="0">
-            <a:spAutoFit/>
-          </a:bodyPr>
+            <a:r>
+              <a:rPr lang="en-US"/>
+              <a:t>Click to edit Master title style</a:t>
+            </a:r>
+            <a:endParaRPr lang="ru-RU" dirty="0"/>
+          </a:p>
+        </p:txBody>
+      </p:sp>
+      <p:sp>
+        <p:nvSpPr>
+          <p:cNvPr id="3" name="Content Placeholder 2"/>
+          <p:cNvSpPr>
+            <a:spLocks noGrp="1"/>
+          </p:cNvSpPr>
+          <p:nvPr>
+            <p:ph idx="1"/>
+          </p:nvPr>
+        </p:nvSpPr>
+        <p:spPr/>
+        <p:txBody>
+          <a:bodyPr/>
           <a:lstStyle/>
           <a:p>
-            <a:r>
-              <a:rPr lang="ru-RU" sz="2400" dirty="0">
-                <a:solidFill>
-                  <a:schemeClr val="bg1"/>
-                </a:solidFill>
-              </a:rPr>
-              <a:t>Занятие №</a:t>
-            </a:r>
-            <a:r>
-              <a:rPr lang="en-US" sz="2400" dirty="0">
-                <a:solidFill>
-                  <a:schemeClr val="bg1"/>
-                </a:solidFill>
-              </a:rPr>
-              <a:t>?</a:t>
-            </a:r>
-            <a:r>
-              <a:rPr lang="ru-RU" sz="2400" dirty="0">
-                <a:solidFill>
-                  <a:schemeClr val="bg1"/>
-                </a:solidFill>
-              </a:rPr>
-              <a:t>. Название занятия</a:t>
-            </a:r>
-            <a:endParaRPr lang="en-US" sz="2400" dirty="0">
-              <a:solidFill>
-                <a:schemeClr val="bg1"/>
-              </a:solidFill>
-            </a:endParaRPr>
+            <a:pPr lvl="0"/>
+            <a:r>
+              <a:rPr lang="en-US"/>
+              <a:t>Click to edit Master text styles</a:t>
+            </a:r>
+          </a:p>
+          <a:p>
+            <a:pPr lvl="1"/>
+            <a:r>
+              <a:rPr lang="en-US"/>
+              <a:t>Second level</a:t>
+            </a:r>
+          </a:p>
+          <a:p>
+            <a:pPr lvl="2"/>
+            <a:r>
+              <a:rPr lang="en-US"/>
+              <a:t>Third level</a:t>
+            </a:r>
+          </a:p>
+          <a:p>
+            <a:pPr lvl="3"/>
+            <a:r>
+              <a:rPr lang="en-US"/>
+              <a:t>Fourth level</a:t>
+            </a:r>
+          </a:p>
+          <a:p>
+            <a:pPr lvl="4"/>
+            <a:r>
+              <a:rPr lang="en-US"/>
+              <a:t>Fifth level</a:t>
+            </a:r>
+            <a:endParaRPr lang="ru-RU" dirty="0"/>
           </a:p>
         </p:txBody>
       </p:sp>
     </p:spTree>
     <p:extLst>
       <p:ext uri="{BB962C8B-B14F-4D97-AF65-F5344CB8AC3E}">
-        <p14:creationId xmlns:p14="http://schemas.microsoft.com/office/powerpoint/2010/main" val="2062725571"/>
+        <p14:creationId xmlns:p14="http://schemas.microsoft.com/office/powerpoint/2010/main" val="3363467697"/>
       </p:ext>
     </p:extLst>
   </p:cSld>
@@ -691,198 +602,6 @@
 </file>
 
 <file path=ppt/slideLayouts/slideLayout10.xml><?xml version="1.0" encoding="utf-8"?>
-<p:sldLayout xmlns:a="http://schemas.openxmlformats.org/drawingml/2006/main" xmlns:r="http://schemas.openxmlformats.org/officeDocument/2006/relationships" xmlns:p="http://schemas.openxmlformats.org/presentationml/2006/main" type="picTx" preserve="1">
-  <p:cSld name="Picture with Caption">
-    <p:spTree>
-      <p:nvGrpSpPr>
-        <p:cNvPr id="1" name=""/>
-        <p:cNvGrpSpPr/>
-        <p:nvPr/>
-      </p:nvGrpSpPr>
-      <p:grpSpPr>
-        <a:xfrm>
-          <a:off x="0" y="0"/>
-          <a:ext cx="0" cy="0"/>
-          <a:chOff x="0" y="0"/>
-          <a:chExt cx="0" cy="0"/>
-        </a:xfrm>
-      </p:grpSpPr>
-      <p:sp>
-        <p:nvSpPr>
-          <p:cNvPr id="2" name="Title 1"/>
-          <p:cNvSpPr>
-            <a:spLocks noGrp="1"/>
-          </p:cNvSpPr>
-          <p:nvPr>
-            <p:ph type="title"/>
-          </p:nvPr>
-        </p:nvSpPr>
-        <p:spPr>
-          <a:xfrm>
-            <a:off x="1792288" y="4800600"/>
-            <a:ext cx="5486400" cy="566738"/>
-          </a:xfrm>
-        </p:spPr>
-        <p:txBody>
-          <a:bodyPr anchor="b"/>
-          <a:lstStyle>
-            <a:lvl1pPr algn="l">
-              <a:defRPr sz="2000" b="1"/>
-            </a:lvl1pPr>
-          </a:lstStyle>
-          <a:p>
-            <a:r>
-              <a:rPr lang="en-US"/>
-              <a:t>Click to edit Master title style</a:t>
-            </a:r>
-            <a:endParaRPr lang="ru-RU" dirty="0"/>
-          </a:p>
-        </p:txBody>
-      </p:sp>
-      <p:sp>
-        <p:nvSpPr>
-          <p:cNvPr id="3" name="Picture Placeholder 2"/>
-          <p:cNvSpPr>
-            <a:spLocks noGrp="1"/>
-          </p:cNvSpPr>
-          <p:nvPr>
-            <p:ph type="pic" idx="1"/>
-          </p:nvPr>
-        </p:nvSpPr>
-        <p:spPr>
-          <a:xfrm>
-            <a:off x="1792288" y="612775"/>
-            <a:ext cx="5486400" cy="4114800"/>
-          </a:xfrm>
-        </p:spPr>
-        <p:txBody>
-          <a:bodyPr/>
-          <a:lstStyle>
-            <a:lvl1pPr marL="0" indent="0">
-              <a:buNone/>
-              <a:defRPr sz="3200"/>
-            </a:lvl1pPr>
-            <a:lvl2pPr marL="457200" indent="0">
-              <a:buNone/>
-              <a:defRPr sz="2800"/>
-            </a:lvl2pPr>
-            <a:lvl3pPr marL="914400" indent="0">
-              <a:buNone/>
-              <a:defRPr sz="2400"/>
-            </a:lvl3pPr>
-            <a:lvl4pPr marL="1371600" indent="0">
-              <a:buNone/>
-              <a:defRPr sz="2000"/>
-            </a:lvl4pPr>
-            <a:lvl5pPr marL="1828800" indent="0">
-              <a:buNone/>
-              <a:defRPr sz="2000"/>
-            </a:lvl5pPr>
-            <a:lvl6pPr marL="2286000" indent="0">
-              <a:buNone/>
-              <a:defRPr sz="2000"/>
-            </a:lvl6pPr>
-            <a:lvl7pPr marL="2743200" indent="0">
-              <a:buNone/>
-              <a:defRPr sz="2000"/>
-            </a:lvl7pPr>
-            <a:lvl8pPr marL="3200400" indent="0">
-              <a:buNone/>
-              <a:defRPr sz="2000"/>
-            </a:lvl8pPr>
-            <a:lvl9pPr marL="3657600" indent="0">
-              <a:buNone/>
-              <a:defRPr sz="2000"/>
-            </a:lvl9pPr>
-          </a:lstStyle>
-          <a:p>
-            <a:r>
-              <a:rPr lang="en-US"/>
-              <a:t>Click icon to add picture</a:t>
-            </a:r>
-            <a:endParaRPr lang="ru-RU"/>
-          </a:p>
-        </p:txBody>
-      </p:sp>
-      <p:sp>
-        <p:nvSpPr>
-          <p:cNvPr id="4" name="Text Placeholder 3"/>
-          <p:cNvSpPr>
-            <a:spLocks noGrp="1"/>
-          </p:cNvSpPr>
-          <p:nvPr>
-            <p:ph type="body" sz="half" idx="2"/>
-          </p:nvPr>
-        </p:nvSpPr>
-        <p:spPr>
-          <a:xfrm>
-            <a:off x="1792288" y="5367338"/>
-            <a:ext cx="5486400" cy="804862"/>
-          </a:xfrm>
-        </p:spPr>
-        <p:txBody>
-          <a:bodyPr/>
-          <a:lstStyle>
-            <a:lvl1pPr marL="0" indent="0">
-              <a:buNone/>
-              <a:defRPr sz="1400"/>
-            </a:lvl1pPr>
-            <a:lvl2pPr marL="457200" indent="0">
-              <a:buNone/>
-              <a:defRPr sz="1200"/>
-            </a:lvl2pPr>
-            <a:lvl3pPr marL="914400" indent="0">
-              <a:buNone/>
-              <a:defRPr sz="1000"/>
-            </a:lvl3pPr>
-            <a:lvl4pPr marL="1371600" indent="0">
-              <a:buNone/>
-              <a:defRPr sz="900"/>
-            </a:lvl4pPr>
-            <a:lvl5pPr marL="1828800" indent="0">
-              <a:buNone/>
-              <a:defRPr sz="900"/>
-            </a:lvl5pPr>
-            <a:lvl6pPr marL="2286000" indent="0">
-              <a:buNone/>
-              <a:defRPr sz="900"/>
-            </a:lvl6pPr>
-            <a:lvl7pPr marL="2743200" indent="0">
-              <a:buNone/>
-              <a:defRPr sz="900"/>
-            </a:lvl7pPr>
-            <a:lvl8pPr marL="3200400" indent="0">
-              <a:buNone/>
-              <a:defRPr sz="900"/>
-            </a:lvl8pPr>
-            <a:lvl9pPr marL="3657600" indent="0">
-              <a:buNone/>
-              <a:defRPr sz="900"/>
-            </a:lvl9pPr>
-          </a:lstStyle>
-          <a:p>
-            <a:pPr lvl="0"/>
-            <a:r>
-              <a:rPr lang="en-US"/>
-              <a:t>Click to edit Master text styles</a:t>
-            </a:r>
-          </a:p>
-        </p:txBody>
-      </p:sp>
-    </p:spTree>
-    <p:extLst>
-      <p:ext uri="{BB962C8B-B14F-4D97-AF65-F5344CB8AC3E}">
-        <p14:creationId xmlns:p14="http://schemas.microsoft.com/office/powerpoint/2010/main" val="2103675460"/>
-      </p:ext>
-    </p:extLst>
-  </p:cSld>
-  <p:clrMapOvr>
-    <a:masterClrMapping/>
-  </p:clrMapOvr>
-</p:sldLayout>
-</file>
-
-<file path=ppt/slideLayouts/slideLayout11.xml><?xml version="1.0" encoding="utf-8"?>
 <p:sldLayout xmlns:a="http://schemas.openxmlformats.org/drawingml/2006/main" xmlns:r="http://schemas.openxmlformats.org/officeDocument/2006/relationships" xmlns:p="http://schemas.openxmlformats.org/presentationml/2006/main" type="vertTx" preserve="1">
   <p:cSld name="Title and Vertical Text">
     <p:spTree>
@@ -987,7 +706,7 @@
 </p:sldLayout>
 </file>
 
-<file path=ppt/slideLayouts/slideLayout12.xml><?xml version="1.0" encoding="utf-8"?>
+<file path=ppt/slideLayouts/slideLayout11.xml><?xml version="1.0" encoding="utf-8"?>
 <p:sldLayout xmlns:a="http://schemas.openxmlformats.org/drawingml/2006/main" xmlns:r="http://schemas.openxmlformats.org/officeDocument/2006/relationships" xmlns:p="http://schemas.openxmlformats.org/presentationml/2006/main" type="vertTitleAndTx" preserve="1">
   <p:cSld name="Vertical Title and Text">
     <p:spTree>
@@ -1102,7 +821,7 @@
 </p:sldLayout>
 </file>
 
-<file path=ppt/slideLayouts/slideLayout13.xml><?xml version="1.0" encoding="utf-8"?>
+<file path=ppt/slideLayouts/slideLayout12.xml><?xml version="1.0" encoding="utf-8"?>
 <p:sldLayout xmlns:a="http://schemas.openxmlformats.org/drawingml/2006/main" xmlns:r="http://schemas.openxmlformats.org/officeDocument/2006/relationships" xmlns:p="http://schemas.openxmlformats.org/presentationml/2006/main" type="title">
   <p:cSld name="2_Title Slide">
     <p:spTree>
@@ -1283,7 +1002,7 @@
           <a:p>
             <a:fld id="{8E6E6A2A-E9D3-4A0D-B04A-ABDD367A1E08}" type="datetimeFigureOut">
               <a:rPr lang="ru-RU" smtClean="0"/>
-              <a:t>01.07.2018</a:t>
+              <a:t>22.02.2019</a:t>
             </a:fld>
             <a:endParaRPr lang="ru-RU"/>
           </a:p>
@@ -1345,111 +1064,6 @@
 </file>
 
 <file path=ppt/slideLayouts/slideLayout2.xml><?xml version="1.0" encoding="utf-8"?>
-<p:sldLayout xmlns:a="http://schemas.openxmlformats.org/drawingml/2006/main" xmlns:r="http://schemas.openxmlformats.org/officeDocument/2006/relationships" xmlns:p="http://schemas.openxmlformats.org/presentationml/2006/main" type="obj" preserve="1">
-  <p:cSld name="Title and Content">
-    <p:spTree>
-      <p:nvGrpSpPr>
-        <p:cNvPr id="1" name=""/>
-        <p:cNvGrpSpPr/>
-        <p:nvPr/>
-      </p:nvGrpSpPr>
-      <p:grpSpPr>
-        <a:xfrm>
-          <a:off x="0" y="0"/>
-          <a:ext cx="0" cy="0"/>
-          <a:chOff x="0" y="0"/>
-          <a:chExt cx="0" cy="0"/>
-        </a:xfrm>
-      </p:grpSpPr>
-      <p:sp>
-        <p:nvSpPr>
-          <p:cNvPr id="2" name="Title 1"/>
-          <p:cNvSpPr>
-            <a:spLocks noGrp="1"/>
-          </p:cNvSpPr>
-          <p:nvPr>
-            <p:ph type="title"/>
-          </p:nvPr>
-        </p:nvSpPr>
-        <p:spPr/>
-        <p:txBody>
-          <a:bodyPr/>
-          <a:lstStyle/>
-          <a:p>
-            <a:r>
-              <a:rPr lang="en-US"/>
-              <a:t>Click to edit Master title style</a:t>
-            </a:r>
-            <a:endParaRPr lang="ru-RU" dirty="0"/>
-          </a:p>
-        </p:txBody>
-      </p:sp>
-      <p:sp>
-        <p:nvSpPr>
-          <p:cNvPr id="3" name="Content Placeholder 2"/>
-          <p:cNvSpPr>
-            <a:spLocks noGrp="1"/>
-          </p:cNvSpPr>
-          <p:nvPr>
-            <p:ph idx="1"/>
-          </p:nvPr>
-        </p:nvSpPr>
-        <p:spPr/>
-        <p:txBody>
-          <a:bodyPr/>
-          <a:lstStyle/>
-          <a:p>
-            <a:pPr lvl="0"/>
-            <a:r>
-              <a:rPr lang="en-US"/>
-              <a:t>Click to edit Master text styles</a:t>
-            </a:r>
-          </a:p>
-          <a:p>
-            <a:pPr lvl="1"/>
-            <a:r>
-              <a:rPr lang="en-US"/>
-              <a:t>Second level</a:t>
-            </a:r>
-          </a:p>
-          <a:p>
-            <a:pPr lvl="2"/>
-            <a:r>
-              <a:rPr lang="en-US"/>
-              <a:t>Third level</a:t>
-            </a:r>
-          </a:p>
-          <a:p>
-            <a:pPr lvl="3"/>
-            <a:r>
-              <a:rPr lang="en-US"/>
-              <a:t>Fourth level</a:t>
-            </a:r>
-          </a:p>
-          <a:p>
-            <a:pPr lvl="4"/>
-            <a:r>
-              <a:rPr lang="en-US"/>
-              <a:t>Fifth level</a:t>
-            </a:r>
-            <a:endParaRPr lang="ru-RU" dirty="0"/>
-          </a:p>
-        </p:txBody>
-      </p:sp>
-    </p:spTree>
-    <p:extLst>
-      <p:ext uri="{BB962C8B-B14F-4D97-AF65-F5344CB8AC3E}">
-        <p14:creationId xmlns:p14="http://schemas.microsoft.com/office/powerpoint/2010/main" val="3363467697"/>
-      </p:ext>
-    </p:extLst>
-  </p:cSld>
-  <p:clrMapOvr>
-    <a:masterClrMapping/>
-  </p:clrMapOvr>
-</p:sldLayout>
-</file>
-
-<file path=ppt/slideLayouts/slideLayout3.xml><?xml version="1.0" encoding="utf-8"?>
 <p:sldLayout xmlns:a="http://schemas.openxmlformats.org/drawingml/2006/main" xmlns:r="http://schemas.openxmlformats.org/officeDocument/2006/relationships" xmlns:p="http://schemas.openxmlformats.org/presentationml/2006/main" type="secHead" preserve="1">
   <p:cSld name="Section Header">
     <p:spTree>
@@ -1630,7 +1244,7 @@
 </p:sldLayout>
 </file>
 
-<file path=ppt/slideLayouts/slideLayout4.xml><?xml version="1.0" encoding="utf-8"?>
+<file path=ppt/slideLayouts/slideLayout3.xml><?xml version="1.0" encoding="utf-8"?>
 <p:sldLayout xmlns:a="http://schemas.openxmlformats.org/drawingml/2006/main" xmlns:r="http://schemas.openxmlformats.org/officeDocument/2006/relationships" xmlns:p="http://schemas.openxmlformats.org/presentationml/2006/main" type="twoObj" preserve="1">
   <p:cSld name="Two Content">
     <p:spTree>
@@ -1853,7 +1467,7 @@
 </p:sldLayout>
 </file>
 
-<file path=ppt/slideLayouts/slideLayout5.xml><?xml version="1.0" encoding="utf-8"?>
+<file path=ppt/slideLayouts/slideLayout4.xml><?xml version="1.0" encoding="utf-8"?>
 <p:sldLayout xmlns:a="http://schemas.openxmlformats.org/drawingml/2006/main" xmlns:r="http://schemas.openxmlformats.org/officeDocument/2006/relationships" xmlns:p="http://schemas.openxmlformats.org/presentationml/2006/main" type="twoTxTwoObj" preserve="1">
   <p:cSld name="Comparison">
     <p:spTree>
@@ -2210,7 +1824,7 @@
 </p:sldLayout>
 </file>
 
-<file path=ppt/slideLayouts/slideLayout6.xml><?xml version="1.0" encoding="utf-8"?>
+<file path=ppt/slideLayouts/slideLayout5.xml><?xml version="1.0" encoding="utf-8"?>
 <p:sldLayout xmlns:a="http://schemas.openxmlformats.org/drawingml/2006/main" xmlns:r="http://schemas.openxmlformats.org/officeDocument/2006/relationships" xmlns:p="http://schemas.openxmlformats.org/presentationml/2006/main" type="titleOnly" preserve="1">
   <p:cSld name="Title Only">
     <p:spTree>
@@ -2263,7 +1877,7 @@
 </p:sldLayout>
 </file>
 
-<file path=ppt/slideLayouts/slideLayout7.xml><?xml version="1.0" encoding="utf-8"?>
+<file path=ppt/slideLayouts/slideLayout6.xml><?xml version="1.0" encoding="utf-8"?>
 <p:sldLayout xmlns:a="http://schemas.openxmlformats.org/drawingml/2006/main" xmlns:r="http://schemas.openxmlformats.org/officeDocument/2006/relationships" xmlns:p="http://schemas.openxmlformats.org/presentationml/2006/main" preserve="1" userDrawn="1">
   <p:cSld name="Demo">
     <p:spTree>
@@ -2328,7 +1942,7 @@
 </p:sldLayout>
 </file>
 
-<file path=ppt/slideLayouts/slideLayout8.xml><?xml version="1.0" encoding="utf-8"?>
+<file path=ppt/slideLayouts/slideLayout7.xml><?xml version="1.0" encoding="utf-8"?>
 <p:sldLayout xmlns:a="http://schemas.openxmlformats.org/drawingml/2006/main" xmlns:r="http://schemas.openxmlformats.org/officeDocument/2006/relationships" xmlns:p="http://schemas.openxmlformats.org/presentationml/2006/main" type="blank" preserve="1">
   <p:cSld name="1_Blank">
     <p:spTree>
@@ -2358,7 +1972,7 @@
 </p:sldLayout>
 </file>
 
-<file path=ppt/slideLayouts/slideLayout9.xml><?xml version="1.0" encoding="utf-8"?>
+<file path=ppt/slideLayouts/slideLayout8.xml><?xml version="1.0" encoding="utf-8"?>
 <p:sldLayout xmlns:a="http://schemas.openxmlformats.org/drawingml/2006/main" xmlns:r="http://schemas.openxmlformats.org/officeDocument/2006/relationships" xmlns:p="http://schemas.openxmlformats.org/presentationml/2006/main" type="objTx" preserve="1">
   <p:cSld name="Content with Caption">
     <p:spTree>
@@ -2570,13 +2184,205 @@
 </p:sldLayout>
 </file>
 
+<file path=ppt/slideLayouts/slideLayout9.xml><?xml version="1.0" encoding="utf-8"?>
+<p:sldLayout xmlns:a="http://schemas.openxmlformats.org/drawingml/2006/main" xmlns:r="http://schemas.openxmlformats.org/officeDocument/2006/relationships" xmlns:p="http://schemas.openxmlformats.org/presentationml/2006/main" type="picTx" preserve="1">
+  <p:cSld name="Picture with Caption">
+    <p:spTree>
+      <p:nvGrpSpPr>
+        <p:cNvPr id="1" name=""/>
+        <p:cNvGrpSpPr/>
+        <p:nvPr/>
+      </p:nvGrpSpPr>
+      <p:grpSpPr>
+        <a:xfrm>
+          <a:off x="0" y="0"/>
+          <a:ext cx="0" cy="0"/>
+          <a:chOff x="0" y="0"/>
+          <a:chExt cx="0" cy="0"/>
+        </a:xfrm>
+      </p:grpSpPr>
+      <p:sp>
+        <p:nvSpPr>
+          <p:cNvPr id="2" name="Title 1"/>
+          <p:cNvSpPr>
+            <a:spLocks noGrp="1"/>
+          </p:cNvSpPr>
+          <p:nvPr>
+            <p:ph type="title"/>
+          </p:nvPr>
+        </p:nvSpPr>
+        <p:spPr>
+          <a:xfrm>
+            <a:off x="1792288" y="4800600"/>
+            <a:ext cx="5486400" cy="566738"/>
+          </a:xfrm>
+        </p:spPr>
+        <p:txBody>
+          <a:bodyPr anchor="b"/>
+          <a:lstStyle>
+            <a:lvl1pPr algn="l">
+              <a:defRPr sz="2000" b="1"/>
+            </a:lvl1pPr>
+          </a:lstStyle>
+          <a:p>
+            <a:r>
+              <a:rPr lang="en-US"/>
+              <a:t>Click to edit Master title style</a:t>
+            </a:r>
+            <a:endParaRPr lang="ru-RU" dirty="0"/>
+          </a:p>
+        </p:txBody>
+      </p:sp>
+      <p:sp>
+        <p:nvSpPr>
+          <p:cNvPr id="3" name="Picture Placeholder 2"/>
+          <p:cNvSpPr>
+            <a:spLocks noGrp="1"/>
+          </p:cNvSpPr>
+          <p:nvPr>
+            <p:ph type="pic" idx="1"/>
+          </p:nvPr>
+        </p:nvSpPr>
+        <p:spPr>
+          <a:xfrm>
+            <a:off x="1792288" y="612775"/>
+            <a:ext cx="5486400" cy="4114800"/>
+          </a:xfrm>
+        </p:spPr>
+        <p:txBody>
+          <a:bodyPr/>
+          <a:lstStyle>
+            <a:lvl1pPr marL="0" indent="0">
+              <a:buNone/>
+              <a:defRPr sz="3200"/>
+            </a:lvl1pPr>
+            <a:lvl2pPr marL="457200" indent="0">
+              <a:buNone/>
+              <a:defRPr sz="2800"/>
+            </a:lvl2pPr>
+            <a:lvl3pPr marL="914400" indent="0">
+              <a:buNone/>
+              <a:defRPr sz="2400"/>
+            </a:lvl3pPr>
+            <a:lvl4pPr marL="1371600" indent="0">
+              <a:buNone/>
+              <a:defRPr sz="2000"/>
+            </a:lvl4pPr>
+            <a:lvl5pPr marL="1828800" indent="0">
+              <a:buNone/>
+              <a:defRPr sz="2000"/>
+            </a:lvl5pPr>
+            <a:lvl6pPr marL="2286000" indent="0">
+              <a:buNone/>
+              <a:defRPr sz="2000"/>
+            </a:lvl6pPr>
+            <a:lvl7pPr marL="2743200" indent="0">
+              <a:buNone/>
+              <a:defRPr sz="2000"/>
+            </a:lvl7pPr>
+            <a:lvl8pPr marL="3200400" indent="0">
+              <a:buNone/>
+              <a:defRPr sz="2000"/>
+            </a:lvl8pPr>
+            <a:lvl9pPr marL="3657600" indent="0">
+              <a:buNone/>
+              <a:defRPr sz="2000"/>
+            </a:lvl9pPr>
+          </a:lstStyle>
+          <a:p>
+            <a:r>
+              <a:rPr lang="en-US"/>
+              <a:t>Click icon to add picture</a:t>
+            </a:r>
+            <a:endParaRPr lang="ru-RU"/>
+          </a:p>
+        </p:txBody>
+      </p:sp>
+      <p:sp>
+        <p:nvSpPr>
+          <p:cNvPr id="4" name="Text Placeholder 3"/>
+          <p:cNvSpPr>
+            <a:spLocks noGrp="1"/>
+          </p:cNvSpPr>
+          <p:nvPr>
+            <p:ph type="body" sz="half" idx="2"/>
+          </p:nvPr>
+        </p:nvSpPr>
+        <p:spPr>
+          <a:xfrm>
+            <a:off x="1792288" y="5367338"/>
+            <a:ext cx="5486400" cy="804862"/>
+          </a:xfrm>
+        </p:spPr>
+        <p:txBody>
+          <a:bodyPr/>
+          <a:lstStyle>
+            <a:lvl1pPr marL="0" indent="0">
+              <a:buNone/>
+              <a:defRPr sz="1400"/>
+            </a:lvl1pPr>
+            <a:lvl2pPr marL="457200" indent="0">
+              <a:buNone/>
+              <a:defRPr sz="1200"/>
+            </a:lvl2pPr>
+            <a:lvl3pPr marL="914400" indent="0">
+              <a:buNone/>
+              <a:defRPr sz="1000"/>
+            </a:lvl3pPr>
+            <a:lvl4pPr marL="1371600" indent="0">
+              <a:buNone/>
+              <a:defRPr sz="900"/>
+            </a:lvl4pPr>
+            <a:lvl5pPr marL="1828800" indent="0">
+              <a:buNone/>
+              <a:defRPr sz="900"/>
+            </a:lvl5pPr>
+            <a:lvl6pPr marL="2286000" indent="0">
+              <a:buNone/>
+              <a:defRPr sz="900"/>
+            </a:lvl6pPr>
+            <a:lvl7pPr marL="2743200" indent="0">
+              <a:buNone/>
+              <a:defRPr sz="900"/>
+            </a:lvl7pPr>
+            <a:lvl8pPr marL="3200400" indent="0">
+              <a:buNone/>
+              <a:defRPr sz="900"/>
+            </a:lvl8pPr>
+            <a:lvl9pPr marL="3657600" indent="0">
+              <a:buNone/>
+              <a:defRPr sz="900"/>
+            </a:lvl9pPr>
+          </a:lstStyle>
+          <a:p>
+            <a:pPr lvl="0"/>
+            <a:r>
+              <a:rPr lang="en-US"/>
+              <a:t>Click to edit Master text styles</a:t>
+            </a:r>
+          </a:p>
+        </p:txBody>
+      </p:sp>
+    </p:spTree>
+    <p:extLst>
+      <p:ext uri="{BB962C8B-B14F-4D97-AF65-F5344CB8AC3E}">
+        <p14:creationId xmlns:p14="http://schemas.microsoft.com/office/powerpoint/2010/main" val="2103675460"/>
+      </p:ext>
+    </p:extLst>
+  </p:cSld>
+  <p:clrMapOvr>
+    <a:masterClrMapping/>
+  </p:clrMapOvr>
+</p:sldLayout>
+</file>
+
 <file path=ppt/slideMasters/slideMaster1.xml><?xml version="1.0" encoding="utf-8"?>
 <p:sldMaster xmlns:a="http://schemas.openxmlformats.org/drawingml/2006/main" xmlns:r="http://schemas.openxmlformats.org/officeDocument/2006/relationships" xmlns:p="http://schemas.openxmlformats.org/presentationml/2006/main">
   <p:cSld>
     <p:bg>
       <p:bgPr>
         <a:blipFill dpi="0" rotWithShape="1">
-          <a:blip r:embed="rId15">
+          <a:blip r:embed="rId14">
             <a:lum/>
           </a:blip>
           <a:srcRect/>
@@ -2731,7 +2537,7 @@
           <a:p>
             <a:fld id="{AC3D3127-B7C4-45E3-9797-C527EC9FDD78}" type="datetimeFigureOut">
               <a:rPr lang="ru-RU" smtClean="0"/>
-              <a:t>01.07.2018</a:t>
+              <a:t>22.02.2019</a:t>
             </a:fld>
             <a:endParaRPr lang="ru-RU"/>
           </a:p>
@@ -2824,19 +2630,18 @@
   </p:cSld>
   <p:clrMap bg1="lt1" tx1="dk1" bg2="lt2" tx2="dk2" accent1="accent1" accent2="accent2" accent3="accent3" accent4="accent4" accent5="accent5" accent6="accent6" hlink="hlink" folHlink="folHlink"/>
   <p:sldLayoutIdLst>
-    <p:sldLayoutId id="2147483649" r:id="rId1"/>
-    <p:sldLayoutId id="2147483650" r:id="rId2"/>
-    <p:sldLayoutId id="2147483651" r:id="rId3"/>
-    <p:sldLayoutId id="2147483652" r:id="rId4"/>
-    <p:sldLayoutId id="2147483653" r:id="rId5"/>
-    <p:sldLayoutId id="2147483654" r:id="rId6"/>
-    <p:sldLayoutId id="2147483655" r:id="rId7"/>
-    <p:sldLayoutId id="2147483660" r:id="rId8"/>
-    <p:sldLayoutId id="2147483656" r:id="rId9"/>
-    <p:sldLayoutId id="2147483657" r:id="rId10"/>
-    <p:sldLayoutId id="2147483658" r:id="rId11"/>
-    <p:sldLayoutId id="2147483659" r:id="rId12"/>
-    <p:sldLayoutId id="2147483661" r:id="rId13"/>
+    <p:sldLayoutId id="2147483650" r:id="rId1"/>
+    <p:sldLayoutId id="2147483651" r:id="rId2"/>
+    <p:sldLayoutId id="2147483652" r:id="rId3"/>
+    <p:sldLayoutId id="2147483653" r:id="rId4"/>
+    <p:sldLayoutId id="2147483654" r:id="rId5"/>
+    <p:sldLayoutId id="2147483655" r:id="rId6"/>
+    <p:sldLayoutId id="2147483660" r:id="rId7"/>
+    <p:sldLayoutId id="2147483656" r:id="rId8"/>
+    <p:sldLayoutId id="2147483657" r:id="rId9"/>
+    <p:sldLayoutId id="2147483658" r:id="rId10"/>
+    <p:sldLayoutId id="2147483659" r:id="rId11"/>
+    <p:sldLayoutId id="2147483661" r:id="rId12"/>
   </p:sldLayoutIdLst>
   <p:txStyles>
     <p:titleStyle>
@@ -3194,7 +2999,7 @@
           <p:cNvPr id="8" name="TextBox 7">
             <a:extLst>
               <a:ext uri="{FF2B5EF4-FFF2-40B4-BE49-F238E27FC236}">
-                <a16:creationId xmlns:a16="http://schemas.microsoft.com/office/drawing/2014/main" id="{004E68F4-DDDD-B648-AB75-570D6E258F92}"/>
+                <a16:creationId xmlns:a16="http://schemas.microsoft.com/office/drawing/2014/main" xmlns="" id="{004E68F4-DDDD-B648-AB75-570D6E258F92}"/>
               </a:ext>
             </a:extLst>
           </p:cNvPr>
@@ -4997,6 +4802,14 @@
               </a:rPr>
               <a:t>https://github.com/bazile/Training</a:t>
             </a:r>
+            <a:r>
+              <a:rPr lang="en-US" dirty="0">
+                <a:solidFill>
+                  <a:schemeClr val="bg1"/>
+                </a:solidFill>
+              </a:rPr>
+              <a:t/>
+            </a:r>
             <a:br>
               <a:rPr lang="en-US" dirty="0">
                 <a:solidFill>
@@ -5029,6 +4842,14 @@
                 <a:hlinkClick r:id="rId3"/>
               </a:rPr>
               <a:t>http://belhard.nullptr.ru/</a:t>
+            </a:r>
+            <a:r>
+              <a:rPr lang="ru-RU" dirty="0">
+                <a:solidFill>
+                  <a:schemeClr val="bg1"/>
+                </a:solidFill>
+              </a:rPr>
+              <a:t/>
             </a:r>
             <a:br>
               <a:rPr lang="ru-RU" dirty="0">
@@ -5525,21 +5346,21 @@
                 <a:gridCol w="905704">
                   <a:extLst>
                     <a:ext uri="{9D8B030D-6E8A-4147-A177-3AD203B41FA5}">
-                      <a16:colId xmlns:a16="http://schemas.microsoft.com/office/drawing/2014/main" val="20000"/>
+                      <a16:colId xmlns:a16="http://schemas.microsoft.com/office/drawing/2014/main" xmlns="" val="20000"/>
                     </a:ext>
                   </a:extLst>
                 </a:gridCol>
                 <a:gridCol w="3209096">
                   <a:extLst>
                     <a:ext uri="{9D8B030D-6E8A-4147-A177-3AD203B41FA5}">
-                      <a16:colId xmlns:a16="http://schemas.microsoft.com/office/drawing/2014/main" val="20001"/>
+                      <a16:colId xmlns:a16="http://schemas.microsoft.com/office/drawing/2014/main" xmlns="" val="20001"/>
                     </a:ext>
                   </a:extLst>
                 </a:gridCol>
                 <a:gridCol w="4104456">
                   <a:extLst>
                     <a:ext uri="{9D8B030D-6E8A-4147-A177-3AD203B41FA5}">
-                      <a16:colId xmlns:a16="http://schemas.microsoft.com/office/drawing/2014/main" val="20002"/>
+                      <a16:colId xmlns:a16="http://schemas.microsoft.com/office/drawing/2014/main" xmlns="" val="20002"/>
                     </a:ext>
                   </a:extLst>
                 </a:gridCol>
@@ -5754,7 +5575,7 @@
                 </a:tc>
                 <a:extLst>
                   <a:ext uri="{0D108BD9-81ED-4DB2-BD59-A6C34878D82A}">
-                    <a16:rowId xmlns:a16="http://schemas.microsoft.com/office/drawing/2014/main" val="10000"/>
+                    <a16:rowId xmlns:a16="http://schemas.microsoft.com/office/drawing/2014/main" xmlns="" val="10000"/>
                   </a:ext>
                 </a:extLst>
               </a:tr>
@@ -5840,6 +5661,14 @@
                         </a:rPr>
                         <a:t>Open/closed principle</a:t>
                       </a:r>
+                      <a:r>
+                        <a:rPr lang="en-US" sz="1600" b="0" i="1" dirty="0">
+                          <a:solidFill>
+                            <a:srgbClr val="002060"/>
+                          </a:solidFill>
+                        </a:rPr>
+                        <a:t/>
+                      </a:r>
                       <a:br>
                         <a:rPr lang="en-US" sz="1600" b="0" i="1" dirty="0">
                           <a:solidFill>
@@ -5968,7 +5797,7 @@
                 </a:tc>
                 <a:extLst>
                   <a:ext uri="{0D108BD9-81ED-4DB2-BD59-A6C34878D82A}">
-                    <a16:rowId xmlns:a16="http://schemas.microsoft.com/office/drawing/2014/main" val="10001"/>
+                    <a16:rowId xmlns:a16="http://schemas.microsoft.com/office/drawing/2014/main" xmlns="" val="10001"/>
                   </a:ext>
                 </a:extLst>
               </a:tr>
@@ -6049,6 +5878,14 @@
                         </a:rPr>
                         <a:t>Liskov substitution principle</a:t>
                       </a:r>
+                      <a:r>
+                        <a:rPr lang="en-US" sz="1600" b="0" i="1" dirty="0">
+                          <a:solidFill>
+                            <a:srgbClr val="002060"/>
+                          </a:solidFill>
+                        </a:rPr>
+                        <a:t/>
+                      </a:r>
                       <a:br>
                         <a:rPr lang="en-US" sz="1600" b="0" i="1" dirty="0">
                           <a:solidFill>
@@ -6177,7 +6014,7 @@
                 </a:tc>
                 <a:extLst>
                   <a:ext uri="{0D108BD9-81ED-4DB2-BD59-A6C34878D82A}">
-                    <a16:rowId xmlns:a16="http://schemas.microsoft.com/office/drawing/2014/main" val="10002"/>
+                    <a16:rowId xmlns:a16="http://schemas.microsoft.com/office/drawing/2014/main" xmlns="" val="10002"/>
                   </a:ext>
                 </a:extLst>
               </a:tr>
@@ -6257,6 +6094,14 @@
                           </a:solidFill>
                         </a:rPr>
                         <a:t>Interface segregation principle</a:t>
+                      </a:r>
+                      <a:r>
+                        <a:rPr lang="en-US" sz="1600" b="0" i="1" dirty="0">
+                          <a:solidFill>
+                            <a:srgbClr val="002060"/>
+                          </a:solidFill>
+                        </a:rPr>
+                        <a:t/>
                       </a:r>
                       <a:br>
                         <a:rPr lang="en-US" sz="1600" b="0" i="1" dirty="0">
@@ -6410,7 +6255,7 @@
                 </a:tc>
                 <a:extLst>
                   <a:ext uri="{0D108BD9-81ED-4DB2-BD59-A6C34878D82A}">
-                    <a16:rowId xmlns:a16="http://schemas.microsoft.com/office/drawing/2014/main" val="10003"/>
+                    <a16:rowId xmlns:a16="http://schemas.microsoft.com/office/drawing/2014/main" xmlns="" val="10003"/>
                   </a:ext>
                 </a:extLst>
               </a:tr>
@@ -6495,6 +6340,14 @@
                           </a:solidFill>
                         </a:rPr>
                         <a:t>Dependency inversion principle</a:t>
+                      </a:r>
+                      <a:r>
+                        <a:rPr lang="en-US" sz="1600" b="0" i="1" dirty="0">
+                          <a:solidFill>
+                            <a:srgbClr val="002060"/>
+                          </a:solidFill>
+                        </a:rPr>
+                        <a:t/>
                       </a:r>
                       <a:br>
                         <a:rPr lang="en-US" sz="1600" b="0" i="1" dirty="0">
@@ -6657,7 +6510,7 @@
                 </a:tc>
                 <a:extLst>
                   <a:ext uri="{0D108BD9-81ED-4DB2-BD59-A6C34878D82A}">
-                    <a16:rowId xmlns:a16="http://schemas.microsoft.com/office/drawing/2014/main" val="10004"/>
+                    <a16:rowId xmlns:a16="http://schemas.microsoft.com/office/drawing/2014/main" xmlns="" val="10004"/>
                   </a:ext>
                 </a:extLst>
               </a:tr>
